--- a/Solution Overview.pptx
+++ b/Solution Overview.pptx
@@ -5,23 +5,27 @@
     <p:sldMasterId id="2147483840" r:id="rId1"/>
   </p:sldMasterIdLst>
   <p:notesMasterIdLst>
-    <p:notesMasterId r:id="rId16"/>
+    <p:notesMasterId r:id="rId20"/>
   </p:notesMasterIdLst>
   <p:sldIdLst>
     <p:sldId id="256" r:id="rId2"/>
     <p:sldId id="257" r:id="rId3"/>
     <p:sldId id="258" r:id="rId4"/>
-    <p:sldId id="260" r:id="rId5"/>
-    <p:sldId id="259" r:id="rId6"/>
-    <p:sldId id="261" r:id="rId7"/>
-    <p:sldId id="268" r:id="rId8"/>
-    <p:sldId id="270" r:id="rId9"/>
-    <p:sldId id="269" r:id="rId10"/>
+    <p:sldId id="259" r:id="rId5"/>
+    <p:sldId id="271" r:id="rId6"/>
+    <p:sldId id="268" r:id="rId7"/>
+    <p:sldId id="270" r:id="rId8"/>
+    <p:sldId id="269" r:id="rId9"/>
+    <p:sldId id="272" r:id="rId10"/>
     <p:sldId id="262" r:id="rId11"/>
     <p:sldId id="263" r:id="rId12"/>
-    <p:sldId id="264" r:id="rId13"/>
-    <p:sldId id="266" r:id="rId14"/>
-    <p:sldId id="267" r:id="rId15"/>
+    <p:sldId id="273" r:id="rId13"/>
+    <p:sldId id="274" r:id="rId14"/>
+    <p:sldId id="275" r:id="rId15"/>
+    <p:sldId id="276" r:id="rId16"/>
+    <p:sldId id="264" r:id="rId17"/>
+    <p:sldId id="266" r:id="rId18"/>
+    <p:sldId id="267" r:id="rId19"/>
   </p:sldIdLst>
   <p:sldSz cx="12192000" cy="6858000"/>
   <p:notesSz cx="6858000" cy="9144000"/>
@@ -128,2560 +132,6 @@
 </p:presentation>
 </file>
 
-<file path=ppt/diagrams/colors1.xml><?xml version="1.0" encoding="utf-8"?>
-<dgm:colorsDef xmlns:dgm="http://schemas.openxmlformats.org/drawingml/2006/diagram" xmlns:a="http://schemas.openxmlformats.org/drawingml/2006/main" uniqueId="urn:microsoft.com/office/officeart/2005/8/colors/accent1_2">
-  <dgm:title val=""/>
-  <dgm:desc val=""/>
-  <dgm:catLst>
-    <dgm:cat type="accent1" pri="11200"/>
-  </dgm:catLst>
-  <dgm:styleLbl name="node0">
-    <dgm:fillClrLst meth="repeat">
-      <a:schemeClr val="accent1"/>
-    </dgm:fillClrLst>
-    <dgm:linClrLst meth="repeat">
-      <a:schemeClr val="lt1"/>
-    </dgm:linClrLst>
-    <dgm:effectClrLst/>
-    <dgm:txLinClrLst/>
-    <dgm:txFillClrLst/>
-    <dgm:txEffectClrLst/>
-  </dgm:styleLbl>
-  <dgm:styleLbl name="alignNode1">
-    <dgm:fillClrLst meth="repeat">
-      <a:schemeClr val="accent1"/>
-    </dgm:fillClrLst>
-    <dgm:linClrLst meth="repeat">
-      <a:schemeClr val="accent1"/>
-    </dgm:linClrLst>
-    <dgm:effectClrLst/>
-    <dgm:txLinClrLst/>
-    <dgm:txFillClrLst/>
-    <dgm:txEffectClrLst/>
-  </dgm:styleLbl>
-  <dgm:styleLbl name="node1">
-    <dgm:fillClrLst meth="repeat">
-      <a:schemeClr val="accent1"/>
-    </dgm:fillClrLst>
-    <dgm:linClrLst meth="repeat">
-      <a:schemeClr val="lt1"/>
-    </dgm:linClrLst>
-    <dgm:effectClrLst/>
-    <dgm:txLinClrLst/>
-    <dgm:txFillClrLst/>
-    <dgm:txEffectClrLst/>
-  </dgm:styleLbl>
-  <dgm:styleLbl name="lnNode1">
-    <dgm:fillClrLst meth="repeat">
-      <a:schemeClr val="accent1"/>
-    </dgm:fillClrLst>
-    <dgm:linClrLst meth="repeat">
-      <a:schemeClr val="lt1"/>
-    </dgm:linClrLst>
-    <dgm:effectClrLst/>
-    <dgm:txLinClrLst/>
-    <dgm:txFillClrLst/>
-    <dgm:txEffectClrLst/>
-  </dgm:styleLbl>
-  <dgm:styleLbl name="vennNode1">
-    <dgm:fillClrLst meth="repeat">
-      <a:schemeClr val="accent1">
-        <a:alpha val="50000"/>
-      </a:schemeClr>
-    </dgm:fillClrLst>
-    <dgm:linClrLst meth="repeat">
-      <a:schemeClr val="lt1"/>
-    </dgm:linClrLst>
-    <dgm:effectClrLst/>
-    <dgm:txLinClrLst/>
-    <dgm:txFillClrLst/>
-    <dgm:txEffectClrLst/>
-  </dgm:styleLbl>
-  <dgm:styleLbl name="node2">
-    <dgm:fillClrLst meth="repeat">
-      <a:schemeClr val="accent1"/>
-    </dgm:fillClrLst>
-    <dgm:linClrLst meth="repeat">
-      <a:schemeClr val="lt1"/>
-    </dgm:linClrLst>
-    <dgm:effectClrLst/>
-    <dgm:txLinClrLst/>
-    <dgm:txFillClrLst/>
-    <dgm:txEffectClrLst/>
-  </dgm:styleLbl>
-  <dgm:styleLbl name="node3">
-    <dgm:fillClrLst meth="repeat">
-      <a:schemeClr val="accent1"/>
-    </dgm:fillClrLst>
-    <dgm:linClrLst meth="repeat">
-      <a:schemeClr val="lt1"/>
-    </dgm:linClrLst>
-    <dgm:effectClrLst/>
-    <dgm:txLinClrLst/>
-    <dgm:txFillClrLst/>
-    <dgm:txEffectClrLst/>
-  </dgm:styleLbl>
-  <dgm:styleLbl name="node4">
-    <dgm:fillClrLst meth="repeat">
-      <a:schemeClr val="accent1"/>
-    </dgm:fillClrLst>
-    <dgm:linClrLst meth="repeat">
-      <a:schemeClr val="lt1"/>
-    </dgm:linClrLst>
-    <dgm:effectClrLst/>
-    <dgm:txLinClrLst/>
-    <dgm:txFillClrLst/>
-    <dgm:txEffectClrLst/>
-  </dgm:styleLbl>
-  <dgm:styleLbl name="fgImgPlace1">
-    <dgm:fillClrLst meth="repeat">
-      <a:schemeClr val="accent1">
-        <a:tint val="50000"/>
-      </a:schemeClr>
-    </dgm:fillClrLst>
-    <dgm:linClrLst meth="repeat">
-      <a:schemeClr val="lt1"/>
-    </dgm:linClrLst>
-    <dgm:effectClrLst/>
-    <dgm:txLinClrLst/>
-    <dgm:txFillClrLst meth="repeat">
-      <a:schemeClr val="lt1"/>
-    </dgm:txFillClrLst>
-    <dgm:txEffectClrLst/>
-  </dgm:styleLbl>
-  <dgm:styleLbl name="alignImgPlace1">
-    <dgm:fillClrLst meth="repeat">
-      <a:schemeClr val="accent1">
-        <a:tint val="50000"/>
-      </a:schemeClr>
-    </dgm:fillClrLst>
-    <dgm:linClrLst meth="repeat">
-      <a:schemeClr val="lt1"/>
-    </dgm:linClrLst>
-    <dgm:effectClrLst/>
-    <dgm:txLinClrLst/>
-    <dgm:txFillClrLst meth="repeat">
-      <a:schemeClr val="lt1"/>
-    </dgm:txFillClrLst>
-    <dgm:txEffectClrLst/>
-  </dgm:styleLbl>
-  <dgm:styleLbl name="bgImgPlace1">
-    <dgm:fillClrLst meth="repeat">
-      <a:schemeClr val="accent1">
-        <a:tint val="50000"/>
-      </a:schemeClr>
-    </dgm:fillClrLst>
-    <dgm:linClrLst meth="repeat">
-      <a:schemeClr val="lt1"/>
-    </dgm:linClrLst>
-    <dgm:effectClrLst/>
-    <dgm:txLinClrLst/>
-    <dgm:txFillClrLst meth="repeat">
-      <a:schemeClr val="lt1"/>
-    </dgm:txFillClrLst>
-    <dgm:txEffectClrLst/>
-  </dgm:styleLbl>
-  <dgm:styleLbl name="sibTrans2D1">
-    <dgm:fillClrLst meth="repeat">
-      <a:schemeClr val="accent1">
-        <a:tint val="60000"/>
-      </a:schemeClr>
-    </dgm:fillClrLst>
-    <dgm:linClrLst meth="repeat">
-      <a:schemeClr val="accent1">
-        <a:tint val="60000"/>
-      </a:schemeClr>
-    </dgm:linClrLst>
-    <dgm:effectClrLst/>
-    <dgm:txLinClrLst/>
-    <dgm:txFillClrLst/>
-    <dgm:txEffectClrLst/>
-  </dgm:styleLbl>
-  <dgm:styleLbl name="fgSibTrans2D1">
-    <dgm:fillClrLst meth="repeat">
-      <a:schemeClr val="accent1">
-        <a:tint val="60000"/>
-      </a:schemeClr>
-    </dgm:fillClrLst>
-    <dgm:linClrLst meth="repeat">
-      <a:schemeClr val="accent1">
-        <a:tint val="60000"/>
-      </a:schemeClr>
-    </dgm:linClrLst>
-    <dgm:effectClrLst/>
-    <dgm:txLinClrLst/>
-    <dgm:txFillClrLst/>
-    <dgm:txEffectClrLst/>
-  </dgm:styleLbl>
-  <dgm:styleLbl name="bgSibTrans2D1">
-    <dgm:fillClrLst meth="repeat">
-      <a:schemeClr val="accent1">
-        <a:tint val="60000"/>
-      </a:schemeClr>
-    </dgm:fillClrLst>
-    <dgm:linClrLst meth="repeat">
-      <a:schemeClr val="accent1">
-        <a:tint val="60000"/>
-      </a:schemeClr>
-    </dgm:linClrLst>
-    <dgm:effectClrLst/>
-    <dgm:txLinClrLst/>
-    <dgm:txFillClrLst/>
-    <dgm:txEffectClrLst/>
-  </dgm:styleLbl>
-  <dgm:styleLbl name="sibTrans1D1">
-    <dgm:fillClrLst meth="repeat">
-      <a:schemeClr val="accent1"/>
-    </dgm:fillClrLst>
-    <dgm:linClrLst meth="repeat">
-      <a:schemeClr val="accent1"/>
-    </dgm:linClrLst>
-    <dgm:effectClrLst/>
-    <dgm:txLinClrLst/>
-    <dgm:txFillClrLst meth="repeat">
-      <a:schemeClr val="tx1"/>
-    </dgm:txFillClrLst>
-    <dgm:txEffectClrLst/>
-  </dgm:styleLbl>
-  <dgm:styleLbl name="callout">
-    <dgm:fillClrLst meth="repeat">
-      <a:schemeClr val="accent1"/>
-    </dgm:fillClrLst>
-    <dgm:linClrLst meth="repeat">
-      <a:schemeClr val="accent1">
-        <a:tint val="50000"/>
-      </a:schemeClr>
-    </dgm:linClrLst>
-    <dgm:effectClrLst/>
-    <dgm:txLinClrLst/>
-    <dgm:txFillClrLst meth="repeat">
-      <a:schemeClr val="tx1"/>
-    </dgm:txFillClrLst>
-    <dgm:txEffectClrLst/>
-  </dgm:styleLbl>
-  <dgm:styleLbl name="asst0">
-    <dgm:fillClrLst meth="repeat">
-      <a:schemeClr val="accent1"/>
-    </dgm:fillClrLst>
-    <dgm:linClrLst meth="repeat">
-      <a:schemeClr val="lt1"/>
-    </dgm:linClrLst>
-    <dgm:effectClrLst/>
-    <dgm:txLinClrLst/>
-    <dgm:txFillClrLst/>
-    <dgm:txEffectClrLst/>
-  </dgm:styleLbl>
-  <dgm:styleLbl name="asst1">
-    <dgm:fillClrLst meth="repeat">
-      <a:schemeClr val="accent1"/>
-    </dgm:fillClrLst>
-    <dgm:linClrLst meth="repeat">
-      <a:schemeClr val="lt1"/>
-    </dgm:linClrLst>
-    <dgm:effectClrLst/>
-    <dgm:txLinClrLst/>
-    <dgm:txFillClrLst/>
-    <dgm:txEffectClrLst/>
-  </dgm:styleLbl>
-  <dgm:styleLbl name="asst2">
-    <dgm:fillClrLst meth="repeat">
-      <a:schemeClr val="accent1"/>
-    </dgm:fillClrLst>
-    <dgm:linClrLst meth="repeat">
-      <a:schemeClr val="lt1"/>
-    </dgm:linClrLst>
-    <dgm:effectClrLst/>
-    <dgm:txLinClrLst/>
-    <dgm:txFillClrLst/>
-    <dgm:txEffectClrLst/>
-  </dgm:styleLbl>
-  <dgm:styleLbl name="asst3">
-    <dgm:fillClrLst meth="repeat">
-      <a:schemeClr val="accent1"/>
-    </dgm:fillClrLst>
-    <dgm:linClrLst meth="repeat">
-      <a:schemeClr val="lt1"/>
-    </dgm:linClrLst>
-    <dgm:effectClrLst/>
-    <dgm:txLinClrLst/>
-    <dgm:txFillClrLst/>
-    <dgm:txEffectClrLst/>
-  </dgm:styleLbl>
-  <dgm:styleLbl name="asst4">
-    <dgm:fillClrLst meth="repeat">
-      <a:schemeClr val="accent1"/>
-    </dgm:fillClrLst>
-    <dgm:linClrLst meth="repeat">
-      <a:schemeClr val="lt1"/>
-    </dgm:linClrLst>
-    <dgm:effectClrLst/>
-    <dgm:txLinClrLst/>
-    <dgm:txFillClrLst/>
-    <dgm:txEffectClrLst/>
-  </dgm:styleLbl>
-  <dgm:styleLbl name="parChTrans2D1">
-    <dgm:fillClrLst meth="repeat">
-      <a:schemeClr val="accent1">
-        <a:tint val="60000"/>
-      </a:schemeClr>
-    </dgm:fillClrLst>
-    <dgm:linClrLst meth="repeat">
-      <a:schemeClr val="accent1">
-        <a:tint val="60000"/>
-      </a:schemeClr>
-    </dgm:linClrLst>
-    <dgm:effectClrLst/>
-    <dgm:txLinClrLst/>
-    <dgm:txFillClrLst meth="repeat">
-      <a:schemeClr val="lt1"/>
-    </dgm:txFillClrLst>
-    <dgm:txEffectClrLst/>
-  </dgm:styleLbl>
-  <dgm:styleLbl name="parChTrans2D2">
-    <dgm:fillClrLst meth="repeat">
-      <a:schemeClr val="accent1"/>
-    </dgm:fillClrLst>
-    <dgm:linClrLst meth="repeat">
-      <a:schemeClr val="accent1"/>
-    </dgm:linClrLst>
-    <dgm:effectClrLst/>
-    <dgm:txLinClrLst/>
-    <dgm:txFillClrLst meth="repeat">
-      <a:schemeClr val="lt1"/>
-    </dgm:txFillClrLst>
-    <dgm:txEffectClrLst/>
-  </dgm:styleLbl>
-  <dgm:styleLbl name="parChTrans2D3">
-    <dgm:fillClrLst meth="repeat">
-      <a:schemeClr val="accent1"/>
-    </dgm:fillClrLst>
-    <dgm:linClrLst meth="repeat">
-      <a:schemeClr val="accent1"/>
-    </dgm:linClrLst>
-    <dgm:effectClrLst/>
-    <dgm:txLinClrLst/>
-    <dgm:txFillClrLst meth="repeat">
-      <a:schemeClr val="lt1"/>
-    </dgm:txFillClrLst>
-    <dgm:txEffectClrLst/>
-  </dgm:styleLbl>
-  <dgm:styleLbl name="parChTrans2D4">
-    <dgm:fillClrLst meth="repeat">
-      <a:schemeClr val="accent1"/>
-    </dgm:fillClrLst>
-    <dgm:linClrLst meth="repeat">
-      <a:schemeClr val="accent1"/>
-    </dgm:linClrLst>
-    <dgm:effectClrLst/>
-    <dgm:txLinClrLst/>
-    <dgm:txFillClrLst meth="repeat">
-      <a:schemeClr val="lt1"/>
-    </dgm:txFillClrLst>
-    <dgm:txEffectClrLst/>
-  </dgm:styleLbl>
-  <dgm:styleLbl name="parChTrans1D1">
-    <dgm:fillClrLst meth="repeat">
-      <a:schemeClr val="accent1"/>
-    </dgm:fillClrLst>
-    <dgm:linClrLst meth="repeat">
-      <a:schemeClr val="accent1">
-        <a:shade val="60000"/>
-      </a:schemeClr>
-    </dgm:linClrLst>
-    <dgm:effectClrLst/>
-    <dgm:txLinClrLst/>
-    <dgm:txFillClrLst meth="repeat">
-      <a:schemeClr val="tx1"/>
-    </dgm:txFillClrLst>
-    <dgm:txEffectClrLst/>
-  </dgm:styleLbl>
-  <dgm:styleLbl name="parChTrans1D2">
-    <dgm:fillClrLst meth="repeat">
-      <a:schemeClr val="accent1"/>
-    </dgm:fillClrLst>
-    <dgm:linClrLst meth="repeat">
-      <a:schemeClr val="accent1">
-        <a:shade val="60000"/>
-      </a:schemeClr>
-    </dgm:linClrLst>
-    <dgm:effectClrLst/>
-    <dgm:txLinClrLst/>
-    <dgm:txFillClrLst meth="repeat">
-      <a:schemeClr val="tx1"/>
-    </dgm:txFillClrLst>
-    <dgm:txEffectClrLst/>
-  </dgm:styleLbl>
-  <dgm:styleLbl name="parChTrans1D3">
-    <dgm:fillClrLst meth="repeat">
-      <a:schemeClr val="accent1"/>
-    </dgm:fillClrLst>
-    <dgm:linClrLst meth="repeat">
-      <a:schemeClr val="accent1">
-        <a:shade val="80000"/>
-      </a:schemeClr>
-    </dgm:linClrLst>
-    <dgm:effectClrLst/>
-    <dgm:txLinClrLst/>
-    <dgm:txFillClrLst meth="repeat">
-      <a:schemeClr val="tx1"/>
-    </dgm:txFillClrLst>
-    <dgm:txEffectClrLst/>
-  </dgm:styleLbl>
-  <dgm:styleLbl name="parChTrans1D4">
-    <dgm:fillClrLst meth="repeat">
-      <a:schemeClr val="accent1"/>
-    </dgm:fillClrLst>
-    <dgm:linClrLst meth="repeat">
-      <a:schemeClr val="accent1">
-        <a:shade val="80000"/>
-      </a:schemeClr>
-    </dgm:linClrLst>
-    <dgm:effectClrLst/>
-    <dgm:txLinClrLst/>
-    <dgm:txFillClrLst meth="repeat">
-      <a:schemeClr val="tx1"/>
-    </dgm:txFillClrLst>
-    <dgm:txEffectClrLst/>
-  </dgm:styleLbl>
-  <dgm:styleLbl name="fgAcc1">
-    <dgm:fillClrLst meth="repeat">
-      <a:schemeClr val="lt1">
-        <a:alpha val="90000"/>
-      </a:schemeClr>
-    </dgm:fillClrLst>
-    <dgm:linClrLst meth="repeat">
-      <a:schemeClr val="accent1"/>
-    </dgm:linClrLst>
-    <dgm:effectClrLst/>
-    <dgm:txLinClrLst/>
-    <dgm:txFillClrLst meth="repeat">
-      <a:schemeClr val="dk1"/>
-    </dgm:txFillClrLst>
-    <dgm:txEffectClrLst/>
-  </dgm:styleLbl>
-  <dgm:styleLbl name="conFgAcc1">
-    <dgm:fillClrLst meth="repeat">
-      <a:schemeClr val="lt1">
-        <a:alpha val="90000"/>
-      </a:schemeClr>
-    </dgm:fillClrLst>
-    <dgm:linClrLst meth="repeat">
-      <a:schemeClr val="accent1"/>
-    </dgm:linClrLst>
-    <dgm:effectClrLst/>
-    <dgm:txLinClrLst/>
-    <dgm:txFillClrLst meth="repeat">
-      <a:schemeClr val="dk1"/>
-    </dgm:txFillClrLst>
-    <dgm:txEffectClrLst/>
-  </dgm:styleLbl>
-  <dgm:styleLbl name="alignAcc1">
-    <dgm:fillClrLst meth="repeat">
-      <a:schemeClr val="lt1">
-        <a:alpha val="90000"/>
-      </a:schemeClr>
-    </dgm:fillClrLst>
-    <dgm:linClrLst meth="repeat">
-      <a:schemeClr val="accent1"/>
-    </dgm:linClrLst>
-    <dgm:effectClrLst/>
-    <dgm:txLinClrLst/>
-    <dgm:txFillClrLst meth="repeat">
-      <a:schemeClr val="dk1"/>
-    </dgm:txFillClrLst>
-    <dgm:txEffectClrLst/>
-  </dgm:styleLbl>
-  <dgm:styleLbl name="trAlignAcc1">
-    <dgm:fillClrLst meth="repeat">
-      <a:schemeClr val="lt1">
-        <a:alpha val="40000"/>
-      </a:schemeClr>
-    </dgm:fillClrLst>
-    <dgm:linClrLst meth="repeat">
-      <a:schemeClr val="accent1"/>
-    </dgm:linClrLst>
-    <dgm:effectClrLst/>
-    <dgm:txLinClrLst/>
-    <dgm:txFillClrLst meth="repeat">
-      <a:schemeClr val="dk1"/>
-    </dgm:txFillClrLst>
-    <dgm:txEffectClrLst/>
-  </dgm:styleLbl>
-  <dgm:styleLbl name="bgAcc1">
-    <dgm:fillClrLst meth="repeat">
-      <a:schemeClr val="lt1">
-        <a:alpha val="90000"/>
-      </a:schemeClr>
-    </dgm:fillClrLst>
-    <dgm:linClrLst meth="repeat">
-      <a:schemeClr val="accent1"/>
-    </dgm:linClrLst>
-    <dgm:effectClrLst/>
-    <dgm:txLinClrLst/>
-    <dgm:txFillClrLst meth="repeat">
-      <a:schemeClr val="dk1"/>
-    </dgm:txFillClrLst>
-    <dgm:txEffectClrLst/>
-  </dgm:styleLbl>
-  <dgm:styleLbl name="solidFgAcc1">
-    <dgm:fillClrLst meth="repeat">
-      <a:schemeClr val="lt1"/>
-    </dgm:fillClrLst>
-    <dgm:linClrLst meth="repeat">
-      <a:schemeClr val="accent1"/>
-    </dgm:linClrLst>
-    <dgm:effectClrLst/>
-    <dgm:txLinClrLst/>
-    <dgm:txFillClrLst meth="repeat">
-      <a:schemeClr val="dk1"/>
-    </dgm:txFillClrLst>
-    <dgm:txEffectClrLst/>
-  </dgm:styleLbl>
-  <dgm:styleLbl name="solidAlignAcc1">
-    <dgm:fillClrLst meth="repeat">
-      <a:schemeClr val="lt1"/>
-    </dgm:fillClrLst>
-    <dgm:linClrLst meth="repeat">
-      <a:schemeClr val="accent1"/>
-    </dgm:linClrLst>
-    <dgm:effectClrLst/>
-    <dgm:txLinClrLst/>
-    <dgm:txFillClrLst meth="repeat">
-      <a:schemeClr val="dk1"/>
-    </dgm:txFillClrLst>
-    <dgm:txEffectClrLst/>
-  </dgm:styleLbl>
-  <dgm:styleLbl name="solidBgAcc1">
-    <dgm:fillClrLst meth="repeat">
-      <a:schemeClr val="lt1"/>
-    </dgm:fillClrLst>
-    <dgm:linClrLst meth="repeat">
-      <a:schemeClr val="accent1"/>
-    </dgm:linClrLst>
-    <dgm:effectClrLst/>
-    <dgm:txLinClrLst/>
-    <dgm:txFillClrLst meth="repeat">
-      <a:schemeClr val="dk1"/>
-    </dgm:txFillClrLst>
-    <dgm:txEffectClrLst/>
-  </dgm:styleLbl>
-  <dgm:styleLbl name="fgAccFollowNode1">
-    <dgm:fillClrLst meth="repeat">
-      <a:schemeClr val="accent1">
-        <a:alpha val="90000"/>
-        <a:tint val="40000"/>
-      </a:schemeClr>
-    </dgm:fillClrLst>
-    <dgm:linClrLst meth="repeat">
-      <a:schemeClr val="accent1">
-        <a:alpha val="90000"/>
-        <a:tint val="40000"/>
-      </a:schemeClr>
-    </dgm:linClrLst>
-    <dgm:effectClrLst/>
-    <dgm:txLinClrLst/>
-    <dgm:txFillClrLst meth="repeat">
-      <a:schemeClr val="dk1"/>
-    </dgm:txFillClrLst>
-    <dgm:txEffectClrLst/>
-  </dgm:styleLbl>
-  <dgm:styleLbl name="alignAccFollowNode1">
-    <dgm:fillClrLst meth="repeat">
-      <a:schemeClr val="accent1">
-        <a:alpha val="90000"/>
-        <a:tint val="40000"/>
-      </a:schemeClr>
-    </dgm:fillClrLst>
-    <dgm:linClrLst meth="repeat">
-      <a:schemeClr val="accent1">
-        <a:alpha val="90000"/>
-        <a:tint val="40000"/>
-      </a:schemeClr>
-    </dgm:linClrLst>
-    <dgm:effectClrLst/>
-    <dgm:txLinClrLst/>
-    <dgm:txFillClrLst meth="repeat">
-      <a:schemeClr val="dk1"/>
-    </dgm:txFillClrLst>
-    <dgm:txEffectClrLst/>
-  </dgm:styleLbl>
-  <dgm:styleLbl name="bgAccFollowNode1">
-    <dgm:fillClrLst meth="repeat">
-      <a:schemeClr val="accent1">
-        <a:alpha val="90000"/>
-        <a:tint val="40000"/>
-      </a:schemeClr>
-    </dgm:fillClrLst>
-    <dgm:linClrLst meth="repeat">
-      <a:schemeClr val="accent1">
-        <a:alpha val="90000"/>
-        <a:tint val="40000"/>
-      </a:schemeClr>
-    </dgm:linClrLst>
-    <dgm:effectClrLst/>
-    <dgm:txLinClrLst/>
-    <dgm:txFillClrLst meth="repeat">
-      <a:schemeClr val="dk1"/>
-    </dgm:txFillClrLst>
-    <dgm:txEffectClrLst/>
-  </dgm:styleLbl>
-  <dgm:styleLbl name="fgAcc0">
-    <dgm:fillClrLst meth="repeat">
-      <a:schemeClr val="lt1">
-        <a:alpha val="90000"/>
-      </a:schemeClr>
-    </dgm:fillClrLst>
-    <dgm:linClrLst meth="repeat">
-      <a:schemeClr val="accent1"/>
-    </dgm:linClrLst>
-    <dgm:effectClrLst/>
-    <dgm:txLinClrLst/>
-    <dgm:txFillClrLst meth="repeat">
-      <a:schemeClr val="dk1"/>
-    </dgm:txFillClrLst>
-    <dgm:txEffectClrLst/>
-  </dgm:styleLbl>
-  <dgm:styleLbl name="fgAcc2">
-    <dgm:fillClrLst meth="repeat">
-      <a:schemeClr val="lt1">
-        <a:alpha val="90000"/>
-      </a:schemeClr>
-    </dgm:fillClrLst>
-    <dgm:linClrLst meth="repeat">
-      <a:schemeClr val="accent1"/>
-    </dgm:linClrLst>
-    <dgm:effectClrLst/>
-    <dgm:txLinClrLst/>
-    <dgm:txFillClrLst meth="repeat">
-      <a:schemeClr val="dk1"/>
-    </dgm:txFillClrLst>
-    <dgm:txEffectClrLst/>
-  </dgm:styleLbl>
-  <dgm:styleLbl name="fgAcc3">
-    <dgm:fillClrLst meth="repeat">
-      <a:schemeClr val="lt1">
-        <a:alpha val="90000"/>
-      </a:schemeClr>
-    </dgm:fillClrLst>
-    <dgm:linClrLst meth="repeat">
-      <a:schemeClr val="accent1"/>
-    </dgm:linClrLst>
-    <dgm:effectClrLst/>
-    <dgm:txLinClrLst/>
-    <dgm:txFillClrLst meth="repeat">
-      <a:schemeClr val="dk1"/>
-    </dgm:txFillClrLst>
-    <dgm:txEffectClrLst/>
-  </dgm:styleLbl>
-  <dgm:styleLbl name="fgAcc4">
-    <dgm:fillClrLst meth="repeat">
-      <a:schemeClr val="lt1">
-        <a:alpha val="90000"/>
-      </a:schemeClr>
-    </dgm:fillClrLst>
-    <dgm:linClrLst meth="repeat">
-      <a:schemeClr val="accent1"/>
-    </dgm:linClrLst>
-    <dgm:effectClrLst/>
-    <dgm:txLinClrLst/>
-    <dgm:txFillClrLst meth="repeat">
-      <a:schemeClr val="dk1"/>
-    </dgm:txFillClrLst>
-    <dgm:txEffectClrLst/>
-  </dgm:styleLbl>
-  <dgm:styleLbl name="bgShp">
-    <dgm:fillClrLst meth="repeat">
-      <a:schemeClr val="accent1">
-        <a:tint val="40000"/>
-      </a:schemeClr>
-    </dgm:fillClrLst>
-    <dgm:linClrLst meth="repeat">
-      <a:schemeClr val="accent1"/>
-    </dgm:linClrLst>
-    <dgm:effectClrLst/>
-    <dgm:txLinClrLst/>
-    <dgm:txFillClrLst meth="repeat">
-      <a:schemeClr val="dk1"/>
-    </dgm:txFillClrLst>
-    <dgm:txEffectClrLst/>
-  </dgm:styleLbl>
-  <dgm:styleLbl name="dkBgShp">
-    <dgm:fillClrLst meth="repeat">
-      <a:schemeClr val="accent1">
-        <a:shade val="80000"/>
-      </a:schemeClr>
-    </dgm:fillClrLst>
-    <dgm:linClrLst meth="repeat">
-      <a:schemeClr val="accent1"/>
-    </dgm:linClrLst>
-    <dgm:effectClrLst/>
-    <dgm:txLinClrLst/>
-    <dgm:txFillClrLst meth="repeat">
-      <a:schemeClr val="lt1"/>
-    </dgm:txFillClrLst>
-    <dgm:txEffectClrLst/>
-  </dgm:styleLbl>
-  <dgm:styleLbl name="trBgShp">
-    <dgm:fillClrLst meth="repeat">
-      <a:schemeClr val="accent1">
-        <a:tint val="50000"/>
-        <a:alpha val="40000"/>
-      </a:schemeClr>
-    </dgm:fillClrLst>
-    <dgm:linClrLst meth="repeat">
-      <a:schemeClr val="accent1"/>
-    </dgm:linClrLst>
-    <dgm:effectClrLst/>
-    <dgm:txLinClrLst/>
-    <dgm:txFillClrLst meth="repeat">
-      <a:schemeClr val="lt1"/>
-    </dgm:txFillClrLst>
-    <dgm:txEffectClrLst/>
-  </dgm:styleLbl>
-  <dgm:styleLbl name="fgShp">
-    <dgm:fillClrLst meth="repeat">
-      <a:schemeClr val="accent1">
-        <a:tint val="60000"/>
-      </a:schemeClr>
-    </dgm:fillClrLst>
-    <dgm:linClrLst meth="repeat">
-      <a:schemeClr val="lt1"/>
-    </dgm:linClrLst>
-    <dgm:effectClrLst/>
-    <dgm:txLinClrLst/>
-    <dgm:txFillClrLst meth="repeat">
-      <a:schemeClr val="dk1"/>
-    </dgm:txFillClrLst>
-    <dgm:txEffectClrLst/>
-  </dgm:styleLbl>
-  <dgm:styleLbl name="revTx">
-    <dgm:fillClrLst meth="repeat">
-      <a:schemeClr val="lt1">
-        <a:alpha val="0"/>
-      </a:schemeClr>
-    </dgm:fillClrLst>
-    <dgm:linClrLst meth="repeat">
-      <a:schemeClr val="dk1">
-        <a:alpha val="0"/>
-      </a:schemeClr>
-    </dgm:linClrLst>
-    <dgm:effectClrLst/>
-    <dgm:txLinClrLst/>
-    <dgm:txFillClrLst meth="repeat">
-      <a:schemeClr val="tx1"/>
-    </dgm:txFillClrLst>
-    <dgm:txEffectClrLst/>
-  </dgm:styleLbl>
-</dgm:colorsDef>
-</file>
-
-<file path=ppt/diagrams/data1.xml><?xml version="1.0" encoding="utf-8"?>
-<dgm:dataModel xmlns:dgm="http://schemas.openxmlformats.org/drawingml/2006/diagram" xmlns:a="http://schemas.openxmlformats.org/drawingml/2006/main">
-  <dgm:ptLst>
-    <dgm:pt modelId="{6C9B8C1C-A2F0-427E-951F-BE275B3D1692}" type="doc">
-      <dgm:prSet loTypeId="urn:microsoft.com/office/officeart/2018/5/layout/IconCircleLabelList" loCatId="icon" qsTypeId="urn:microsoft.com/office/officeart/2005/8/quickstyle/simple1" qsCatId="simple" csTypeId="urn:microsoft.com/office/officeart/2005/8/colors/accent1_2" csCatId="accent1" phldr="1"/>
-      <dgm:spPr/>
-      <dgm:t>
-        <a:bodyPr/>
-        <a:lstStyle/>
-        <a:p>
-          <a:endParaRPr lang="en-US"/>
-        </a:p>
-      </dgm:t>
-    </dgm:pt>
-    <dgm:pt modelId="{F2BCAD37-A3F8-4684-BE3C-D05CFD6DAD21}">
-      <dgm:prSet/>
-      <dgm:spPr/>
-      <dgm:t>
-        <a:bodyPr/>
-        <a:lstStyle/>
-        <a:p>
-          <a:pPr>
-            <a:lnSpc>
-              <a:spcPct val="100000"/>
-            </a:lnSpc>
-            <a:defRPr cap="all"/>
-          </a:pPr>
-          <a:r>
-            <a:rPr lang="en-US"/>
-            <a:t>Customizable event processing.</a:t>
-          </a:r>
-        </a:p>
-      </dgm:t>
-    </dgm:pt>
-    <dgm:pt modelId="{3F5499ED-74B1-485E-A711-BCE324D29128}" type="parTrans" cxnId="{705A9467-5FB2-45DD-A058-AFD29B1E3325}">
-      <dgm:prSet/>
-      <dgm:spPr/>
-      <dgm:t>
-        <a:bodyPr/>
-        <a:lstStyle/>
-        <a:p>
-          <a:endParaRPr lang="en-US"/>
-        </a:p>
-      </dgm:t>
-    </dgm:pt>
-    <dgm:pt modelId="{20437718-6554-402D-9DB5-B0EAD3797B60}" type="sibTrans" cxnId="{705A9467-5FB2-45DD-A058-AFD29B1E3325}">
-      <dgm:prSet/>
-      <dgm:spPr/>
-      <dgm:t>
-        <a:bodyPr/>
-        <a:lstStyle/>
-        <a:p>
-          <a:endParaRPr lang="en-US"/>
-        </a:p>
-      </dgm:t>
-    </dgm:pt>
-    <dgm:pt modelId="{BAF65E39-4971-42C8-9256-B13A713572B8}">
-      <dgm:prSet/>
-      <dgm:spPr/>
-      <dgm:t>
-        <a:bodyPr/>
-        <a:lstStyle/>
-        <a:p>
-          <a:pPr>
-            <a:lnSpc>
-              <a:spcPct val="100000"/>
-            </a:lnSpc>
-            <a:defRPr cap="all"/>
-          </a:pPr>
-          <a:r>
-            <a:rPr lang="en-US"/>
-            <a:t>Aggregate a  granular event stream into chunkier summaries for processing by down stream systems.</a:t>
-          </a:r>
-        </a:p>
-      </dgm:t>
-    </dgm:pt>
-    <dgm:pt modelId="{3F509832-6446-4A9E-823F-7616341DE920}" type="parTrans" cxnId="{2090A1CD-35E3-4B75-A662-7FF44715EA8A}">
-      <dgm:prSet/>
-      <dgm:spPr/>
-      <dgm:t>
-        <a:bodyPr/>
-        <a:lstStyle/>
-        <a:p>
-          <a:endParaRPr lang="en-US"/>
-        </a:p>
-      </dgm:t>
-    </dgm:pt>
-    <dgm:pt modelId="{AE02C2B1-7415-4BDC-93B9-CD2AE16CB81A}" type="sibTrans" cxnId="{2090A1CD-35E3-4B75-A662-7FF44715EA8A}">
-      <dgm:prSet/>
-      <dgm:spPr/>
-      <dgm:t>
-        <a:bodyPr/>
-        <a:lstStyle/>
-        <a:p>
-          <a:endParaRPr lang="en-US"/>
-        </a:p>
-      </dgm:t>
-    </dgm:pt>
-    <dgm:pt modelId="{B8E906D0-1346-4A09-BB52-6F153B10CEF1}" type="pres">
-      <dgm:prSet presAssocID="{6C9B8C1C-A2F0-427E-951F-BE275B3D1692}" presName="root" presStyleCnt="0">
-        <dgm:presLayoutVars>
-          <dgm:dir/>
-          <dgm:resizeHandles val="exact"/>
-        </dgm:presLayoutVars>
-      </dgm:prSet>
-      <dgm:spPr/>
-    </dgm:pt>
-    <dgm:pt modelId="{AE50380F-F568-4D4F-8A61-560112E22F3A}" type="pres">
-      <dgm:prSet presAssocID="{F2BCAD37-A3F8-4684-BE3C-D05CFD6DAD21}" presName="compNode" presStyleCnt="0"/>
-      <dgm:spPr/>
-    </dgm:pt>
-    <dgm:pt modelId="{F9B3A470-2CCA-4EF6-A408-60B219B50683}" type="pres">
-      <dgm:prSet presAssocID="{F2BCAD37-A3F8-4684-BE3C-D05CFD6DAD21}" presName="iconBgRect" presStyleLbl="bgShp" presStyleIdx="0" presStyleCnt="2"/>
-      <dgm:spPr/>
-    </dgm:pt>
-    <dgm:pt modelId="{2342EE24-3CB8-477A-BFF7-F38ABB27737D}" type="pres">
-      <dgm:prSet presAssocID="{F2BCAD37-A3F8-4684-BE3C-D05CFD6DAD21}" presName="iconRect" presStyleLbl="node1" presStyleIdx="0" presStyleCnt="2"/>
-      <dgm:spPr>
-        <a:blipFill>
-          <a:blip xmlns:r="http://schemas.openxmlformats.org/officeDocument/2006/relationships" r:embed="rId1">
-            <a:extLst>
-              <a:ext uri="{28A0092B-C50C-407E-A947-70E740481C1C}">
-                <a14:useLocalDpi xmlns:a14="http://schemas.microsoft.com/office/drawing/2010/main" val="0"/>
-              </a:ext>
-              <a:ext uri="{96DAC541-7B7A-43D3-8B79-37D633B846F1}">
-                <asvg:svgBlip xmlns:asvg="http://schemas.microsoft.com/office/drawing/2016/SVG/main" r:embed="rId2"/>
-              </a:ext>
-            </a:extLst>
-          </a:blip>
-          <a:stretch>
-            <a:fillRect/>
-          </a:stretch>
-        </a:blipFill>
-      </dgm:spPr>
-      <dgm:extLst>
-        <a:ext uri="{E40237B7-FDA0-4F09-8148-C483321AD2D9}">
-          <dgm14:cNvPr xmlns:dgm14="http://schemas.microsoft.com/office/drawing/2010/diagram" id="0" name="" descr="Easel"/>
-        </a:ext>
-      </dgm:extLst>
-    </dgm:pt>
-    <dgm:pt modelId="{6759E1C0-BE45-4EF7-AD48-FBF41F1BBCE9}" type="pres">
-      <dgm:prSet presAssocID="{F2BCAD37-A3F8-4684-BE3C-D05CFD6DAD21}" presName="spaceRect" presStyleCnt="0"/>
-      <dgm:spPr/>
-    </dgm:pt>
-    <dgm:pt modelId="{54874134-43C0-4AB5-B91B-6B1D045C7FC1}" type="pres">
-      <dgm:prSet presAssocID="{F2BCAD37-A3F8-4684-BE3C-D05CFD6DAD21}" presName="textRect" presStyleLbl="revTx" presStyleIdx="0" presStyleCnt="2">
-        <dgm:presLayoutVars>
-          <dgm:chMax val="1"/>
-          <dgm:chPref val="1"/>
-        </dgm:presLayoutVars>
-      </dgm:prSet>
-      <dgm:spPr/>
-    </dgm:pt>
-    <dgm:pt modelId="{6D5F33A6-CC4D-4278-B1DB-3146927D987E}" type="pres">
-      <dgm:prSet presAssocID="{20437718-6554-402D-9DB5-B0EAD3797B60}" presName="sibTrans" presStyleCnt="0"/>
-      <dgm:spPr/>
-    </dgm:pt>
-    <dgm:pt modelId="{60BBB51B-089E-47D4-A19A-F7EAF00F1F3D}" type="pres">
-      <dgm:prSet presAssocID="{BAF65E39-4971-42C8-9256-B13A713572B8}" presName="compNode" presStyleCnt="0"/>
-      <dgm:spPr/>
-    </dgm:pt>
-    <dgm:pt modelId="{D3A924DA-DADD-479F-AB4B-F06F65288B18}" type="pres">
-      <dgm:prSet presAssocID="{BAF65E39-4971-42C8-9256-B13A713572B8}" presName="iconBgRect" presStyleLbl="bgShp" presStyleIdx="1" presStyleCnt="2"/>
-      <dgm:spPr/>
-    </dgm:pt>
-    <dgm:pt modelId="{2F79286B-4DD6-4A11-A736-8817BE55A6D1}" type="pres">
-      <dgm:prSet presAssocID="{BAF65E39-4971-42C8-9256-B13A713572B8}" presName="iconRect" presStyleLbl="node1" presStyleIdx="1" presStyleCnt="2"/>
-      <dgm:spPr>
-        <a:blipFill>
-          <a:blip xmlns:r="http://schemas.openxmlformats.org/officeDocument/2006/relationships" r:embed="rId3">
-            <a:extLst>
-              <a:ext uri="{28A0092B-C50C-407E-A947-70E740481C1C}">
-                <a14:useLocalDpi xmlns:a14="http://schemas.microsoft.com/office/drawing/2010/main" val="0"/>
-              </a:ext>
-              <a:ext uri="{96DAC541-7B7A-43D3-8B79-37D633B846F1}">
-                <asvg:svgBlip xmlns:asvg="http://schemas.microsoft.com/office/drawing/2016/SVG/main" r:embed="rId4"/>
-              </a:ext>
-            </a:extLst>
-          </a:blip>
-          <a:stretch>
-            <a:fillRect/>
-          </a:stretch>
-        </a:blipFill>
-      </dgm:spPr>
-      <dgm:extLst>
-        <a:ext uri="{E40237B7-FDA0-4F09-8148-C483321AD2D9}">
-          <dgm14:cNvPr xmlns:dgm14="http://schemas.microsoft.com/office/drawing/2010/diagram" id="0" name="" descr="Database"/>
-        </a:ext>
-      </dgm:extLst>
-    </dgm:pt>
-    <dgm:pt modelId="{F94822FE-10F0-43F0-BB9E-61FD8594E3AE}" type="pres">
-      <dgm:prSet presAssocID="{BAF65E39-4971-42C8-9256-B13A713572B8}" presName="spaceRect" presStyleCnt="0"/>
-      <dgm:spPr/>
-    </dgm:pt>
-    <dgm:pt modelId="{E9184178-BB8B-43C2-9B73-F3586ECE7395}" type="pres">
-      <dgm:prSet presAssocID="{BAF65E39-4971-42C8-9256-B13A713572B8}" presName="textRect" presStyleLbl="revTx" presStyleIdx="1" presStyleCnt="2">
-        <dgm:presLayoutVars>
-          <dgm:chMax val="1"/>
-          <dgm:chPref val="1"/>
-        </dgm:presLayoutVars>
-      </dgm:prSet>
-      <dgm:spPr/>
-    </dgm:pt>
-  </dgm:ptLst>
-  <dgm:cxnLst>
-    <dgm:cxn modelId="{4A30C34E-9C6E-42DD-9A9F-BC001B40575B}" type="presOf" srcId="{F2BCAD37-A3F8-4684-BE3C-D05CFD6DAD21}" destId="{54874134-43C0-4AB5-B91B-6B1D045C7FC1}" srcOrd="0" destOrd="0" presId="urn:microsoft.com/office/officeart/2018/5/layout/IconCircleLabelList"/>
-    <dgm:cxn modelId="{705A9467-5FB2-45DD-A058-AFD29B1E3325}" srcId="{6C9B8C1C-A2F0-427E-951F-BE275B3D1692}" destId="{F2BCAD37-A3F8-4684-BE3C-D05CFD6DAD21}" srcOrd="0" destOrd="0" parTransId="{3F5499ED-74B1-485E-A711-BCE324D29128}" sibTransId="{20437718-6554-402D-9DB5-B0EAD3797B60}"/>
-    <dgm:cxn modelId="{FC1191A2-4FCD-48A4-88B4-437BEDF432BF}" type="presOf" srcId="{6C9B8C1C-A2F0-427E-951F-BE275B3D1692}" destId="{B8E906D0-1346-4A09-BB52-6F153B10CEF1}" srcOrd="0" destOrd="0" presId="urn:microsoft.com/office/officeart/2018/5/layout/IconCircleLabelList"/>
-    <dgm:cxn modelId="{90001FC8-BF88-4D8A-9DA1-A2BDE870710F}" type="presOf" srcId="{BAF65E39-4971-42C8-9256-B13A713572B8}" destId="{E9184178-BB8B-43C2-9B73-F3586ECE7395}" srcOrd="0" destOrd="0" presId="urn:microsoft.com/office/officeart/2018/5/layout/IconCircleLabelList"/>
-    <dgm:cxn modelId="{2090A1CD-35E3-4B75-A662-7FF44715EA8A}" srcId="{6C9B8C1C-A2F0-427E-951F-BE275B3D1692}" destId="{BAF65E39-4971-42C8-9256-B13A713572B8}" srcOrd="1" destOrd="0" parTransId="{3F509832-6446-4A9E-823F-7616341DE920}" sibTransId="{AE02C2B1-7415-4BDC-93B9-CD2AE16CB81A}"/>
-    <dgm:cxn modelId="{FDEE3ED9-4857-46AB-8734-F9287DE95197}" type="presParOf" srcId="{B8E906D0-1346-4A09-BB52-6F153B10CEF1}" destId="{AE50380F-F568-4D4F-8A61-560112E22F3A}" srcOrd="0" destOrd="0" presId="urn:microsoft.com/office/officeart/2018/5/layout/IconCircleLabelList"/>
-    <dgm:cxn modelId="{228517F1-8869-4844-8835-962145CEC29E}" type="presParOf" srcId="{AE50380F-F568-4D4F-8A61-560112E22F3A}" destId="{F9B3A470-2CCA-4EF6-A408-60B219B50683}" srcOrd="0" destOrd="0" presId="urn:microsoft.com/office/officeart/2018/5/layout/IconCircleLabelList"/>
-    <dgm:cxn modelId="{52CDF1AC-F3EA-4983-B6EA-3E6B834EA2AB}" type="presParOf" srcId="{AE50380F-F568-4D4F-8A61-560112E22F3A}" destId="{2342EE24-3CB8-477A-BFF7-F38ABB27737D}" srcOrd="1" destOrd="0" presId="urn:microsoft.com/office/officeart/2018/5/layout/IconCircleLabelList"/>
-    <dgm:cxn modelId="{0DE5FB62-C500-4467-B539-DF36F191E22C}" type="presParOf" srcId="{AE50380F-F568-4D4F-8A61-560112E22F3A}" destId="{6759E1C0-BE45-4EF7-AD48-FBF41F1BBCE9}" srcOrd="2" destOrd="0" presId="urn:microsoft.com/office/officeart/2018/5/layout/IconCircleLabelList"/>
-    <dgm:cxn modelId="{241C7EC4-9BD0-4A53-8CA1-2ED68EB04A6D}" type="presParOf" srcId="{AE50380F-F568-4D4F-8A61-560112E22F3A}" destId="{54874134-43C0-4AB5-B91B-6B1D045C7FC1}" srcOrd="3" destOrd="0" presId="urn:microsoft.com/office/officeart/2018/5/layout/IconCircleLabelList"/>
-    <dgm:cxn modelId="{C13BA821-0980-4394-A846-52BB0723EBD4}" type="presParOf" srcId="{B8E906D0-1346-4A09-BB52-6F153B10CEF1}" destId="{6D5F33A6-CC4D-4278-B1DB-3146927D987E}" srcOrd="1" destOrd="0" presId="urn:microsoft.com/office/officeart/2018/5/layout/IconCircleLabelList"/>
-    <dgm:cxn modelId="{A8948EA1-80F6-495B-850D-C7669467F4DD}" type="presParOf" srcId="{B8E906D0-1346-4A09-BB52-6F153B10CEF1}" destId="{60BBB51B-089E-47D4-A19A-F7EAF00F1F3D}" srcOrd="2" destOrd="0" presId="urn:microsoft.com/office/officeart/2018/5/layout/IconCircleLabelList"/>
-    <dgm:cxn modelId="{53957D8E-20C1-4CAD-BE60-E5FD060A4D41}" type="presParOf" srcId="{60BBB51B-089E-47D4-A19A-F7EAF00F1F3D}" destId="{D3A924DA-DADD-479F-AB4B-F06F65288B18}" srcOrd="0" destOrd="0" presId="urn:microsoft.com/office/officeart/2018/5/layout/IconCircleLabelList"/>
-    <dgm:cxn modelId="{40EE40E0-1C00-46EF-87FF-C60BB0B8C3FE}" type="presParOf" srcId="{60BBB51B-089E-47D4-A19A-F7EAF00F1F3D}" destId="{2F79286B-4DD6-4A11-A736-8817BE55A6D1}" srcOrd="1" destOrd="0" presId="urn:microsoft.com/office/officeart/2018/5/layout/IconCircleLabelList"/>
-    <dgm:cxn modelId="{75C700B7-7635-40E4-B0AB-D0110D83CF76}" type="presParOf" srcId="{60BBB51B-089E-47D4-A19A-F7EAF00F1F3D}" destId="{F94822FE-10F0-43F0-BB9E-61FD8594E3AE}" srcOrd="2" destOrd="0" presId="urn:microsoft.com/office/officeart/2018/5/layout/IconCircleLabelList"/>
-    <dgm:cxn modelId="{A67AEA89-3FAA-47AB-A635-1179AE322258}" type="presParOf" srcId="{60BBB51B-089E-47D4-A19A-F7EAF00F1F3D}" destId="{E9184178-BB8B-43C2-9B73-F3586ECE7395}" srcOrd="3" destOrd="0" presId="urn:microsoft.com/office/officeart/2018/5/layout/IconCircleLabelList"/>
-  </dgm:cxnLst>
-  <dgm:bg/>
-  <dgm:whole/>
-  <dgm:extLst>
-    <a:ext uri="http://schemas.microsoft.com/office/drawing/2008/diagram">
-      <dsp:dataModelExt xmlns:dsp="http://schemas.microsoft.com/office/drawing/2008/diagram" relId="rId7" minVer="http://schemas.openxmlformats.org/drawingml/2006/diagram"/>
-    </a:ext>
-  </dgm:extLst>
-</dgm:dataModel>
-</file>
-
-<file path=ppt/diagrams/drawing1.xml><?xml version="1.0" encoding="utf-8"?>
-<dsp:drawing xmlns:dgm="http://schemas.openxmlformats.org/drawingml/2006/diagram" xmlns:dsp="http://schemas.microsoft.com/office/drawing/2008/diagram" xmlns:a="http://schemas.openxmlformats.org/drawingml/2006/main">
-  <dsp:spTree>
-    <dsp:nvGrpSpPr>
-      <dsp:cNvPr id="0" name=""/>
-      <dsp:cNvGrpSpPr/>
-    </dsp:nvGrpSpPr>
-    <dsp:grpSpPr/>
-    <dsp:sp modelId="{F9B3A470-2CCA-4EF6-A408-60B219B50683}">
-      <dsp:nvSpPr>
-        <dsp:cNvPr id="0" name=""/>
-        <dsp:cNvSpPr/>
-      </dsp:nvSpPr>
-      <dsp:spPr>
-        <a:xfrm>
-          <a:off x="695615" y="872820"/>
-          <a:ext cx="2024437" cy="2024437"/>
-        </a:xfrm>
-        <a:prstGeom prst="ellipse">
-          <a:avLst/>
-        </a:prstGeom>
-        <a:solidFill>
-          <a:schemeClr val="accent1">
-            <a:tint val="40000"/>
-            <a:hueOff val="0"/>
-            <a:satOff val="0"/>
-            <a:lumOff val="0"/>
-            <a:alphaOff val="0"/>
-          </a:schemeClr>
-        </a:solidFill>
-        <a:ln>
-          <a:noFill/>
-        </a:ln>
-        <a:effectLst/>
-      </dsp:spPr>
-      <dsp:style>
-        <a:lnRef idx="0">
-          <a:scrgbClr r="0" g="0" b="0"/>
-        </a:lnRef>
-        <a:fillRef idx="1">
-          <a:scrgbClr r="0" g="0" b="0"/>
-        </a:fillRef>
-        <a:effectRef idx="0">
-          <a:scrgbClr r="0" g="0" b="0"/>
-        </a:effectRef>
-        <a:fontRef idx="minor"/>
-      </dsp:style>
-    </dsp:sp>
-    <dsp:sp modelId="{2342EE24-3CB8-477A-BFF7-F38ABB27737D}">
-      <dsp:nvSpPr>
-        <dsp:cNvPr id="0" name=""/>
-        <dsp:cNvSpPr/>
-      </dsp:nvSpPr>
-      <dsp:spPr>
-        <a:xfrm>
-          <a:off x="1127053" y="1304257"/>
-          <a:ext cx="1161562" cy="1161562"/>
-        </a:xfrm>
-        <a:prstGeom prst="rect">
-          <a:avLst/>
-        </a:prstGeom>
-        <a:blipFill>
-          <a:blip xmlns:r="http://schemas.openxmlformats.org/officeDocument/2006/relationships" r:embed="rId1">
-            <a:extLst>
-              <a:ext uri="{28A0092B-C50C-407E-A947-70E740481C1C}">
-                <a14:useLocalDpi xmlns:a14="http://schemas.microsoft.com/office/drawing/2010/main" val="0"/>
-              </a:ext>
-              <a:ext uri="{96DAC541-7B7A-43D3-8B79-37D633B846F1}">
-                <asvg:svgBlip xmlns:asvg="http://schemas.microsoft.com/office/drawing/2016/SVG/main" r:embed="rId2"/>
-              </a:ext>
-            </a:extLst>
-          </a:blip>
-          <a:stretch>
-            <a:fillRect/>
-          </a:stretch>
-        </a:blipFill>
-        <a:ln w="10795" cap="flat" cmpd="sng" algn="ctr">
-          <a:solidFill>
-            <a:schemeClr val="lt1">
-              <a:hueOff val="0"/>
-              <a:satOff val="0"/>
-              <a:lumOff val="0"/>
-              <a:alphaOff val="0"/>
-            </a:schemeClr>
-          </a:solidFill>
-          <a:prstDash val="solid"/>
-        </a:ln>
-        <a:effectLst/>
-      </dsp:spPr>
-      <dsp:style>
-        <a:lnRef idx="2">
-          <a:scrgbClr r="0" g="0" b="0"/>
-        </a:lnRef>
-        <a:fillRef idx="1">
-          <a:scrgbClr r="0" g="0" b="0"/>
-        </a:fillRef>
-        <a:effectRef idx="0">
-          <a:scrgbClr r="0" g="0" b="0"/>
-        </a:effectRef>
-        <a:fontRef idx="minor">
-          <a:schemeClr val="lt1"/>
-        </a:fontRef>
-      </dsp:style>
-    </dsp:sp>
-    <dsp:sp modelId="{54874134-43C0-4AB5-B91B-6B1D045C7FC1}">
-      <dsp:nvSpPr>
-        <dsp:cNvPr id="0" name=""/>
-        <dsp:cNvSpPr/>
-      </dsp:nvSpPr>
-      <dsp:spPr>
-        <a:xfrm>
-          <a:off x="48459" y="3527820"/>
-          <a:ext cx="3318750" cy="720000"/>
-        </a:xfrm>
-        <a:prstGeom prst="rect">
-          <a:avLst/>
-        </a:prstGeom>
-        <a:noFill/>
-        <a:ln>
-          <a:noFill/>
-        </a:ln>
-        <a:effectLst/>
-      </dsp:spPr>
-      <dsp:style>
-        <a:lnRef idx="0">
-          <a:scrgbClr r="0" g="0" b="0"/>
-        </a:lnRef>
-        <a:fillRef idx="0">
-          <a:scrgbClr r="0" g="0" b="0"/>
-        </a:fillRef>
-        <a:effectRef idx="0">
-          <a:scrgbClr r="0" g="0" b="0"/>
-        </a:effectRef>
-        <a:fontRef idx="minor"/>
-      </dsp:style>
-      <dsp:txBody>
-        <a:bodyPr spcFirstLastPara="0" vert="horz" wrap="square" lIns="0" tIns="0" rIns="0" bIns="0" numCol="1" spcCol="1270" anchor="t" anchorCtr="0">
-          <a:noAutofit/>
-        </a:bodyPr>
-        <a:lstStyle/>
-        <a:p>
-          <a:pPr marL="0" lvl="0" indent="0" algn="ctr" defTabSz="577850">
-            <a:lnSpc>
-              <a:spcPct val="100000"/>
-            </a:lnSpc>
-            <a:spcBef>
-              <a:spcPct val="0"/>
-            </a:spcBef>
-            <a:spcAft>
-              <a:spcPct val="35000"/>
-            </a:spcAft>
-            <a:buNone/>
-            <a:defRPr cap="all"/>
-          </a:pPr>
-          <a:r>
-            <a:rPr lang="en-US" sz="1300" kern="1200"/>
-            <a:t>Customizable event processing.</a:t>
-          </a:r>
-        </a:p>
-      </dsp:txBody>
-      <dsp:txXfrm>
-        <a:off x="48459" y="3527820"/>
-        <a:ext cx="3318750" cy="720000"/>
-      </dsp:txXfrm>
-    </dsp:sp>
-    <dsp:sp modelId="{D3A924DA-DADD-479F-AB4B-F06F65288B18}">
-      <dsp:nvSpPr>
-        <dsp:cNvPr id="0" name=""/>
-        <dsp:cNvSpPr/>
-      </dsp:nvSpPr>
-      <dsp:spPr>
-        <a:xfrm>
-          <a:off x="4595146" y="872820"/>
-          <a:ext cx="2024437" cy="2024437"/>
-        </a:xfrm>
-        <a:prstGeom prst="ellipse">
-          <a:avLst/>
-        </a:prstGeom>
-        <a:solidFill>
-          <a:schemeClr val="accent1">
-            <a:tint val="40000"/>
-            <a:hueOff val="0"/>
-            <a:satOff val="0"/>
-            <a:lumOff val="0"/>
-            <a:alphaOff val="0"/>
-          </a:schemeClr>
-        </a:solidFill>
-        <a:ln>
-          <a:noFill/>
-        </a:ln>
-        <a:effectLst/>
-      </dsp:spPr>
-      <dsp:style>
-        <a:lnRef idx="0">
-          <a:scrgbClr r="0" g="0" b="0"/>
-        </a:lnRef>
-        <a:fillRef idx="1">
-          <a:scrgbClr r="0" g="0" b="0"/>
-        </a:fillRef>
-        <a:effectRef idx="0">
-          <a:scrgbClr r="0" g="0" b="0"/>
-        </a:effectRef>
-        <a:fontRef idx="minor"/>
-      </dsp:style>
-    </dsp:sp>
-    <dsp:sp modelId="{2F79286B-4DD6-4A11-A736-8817BE55A6D1}">
-      <dsp:nvSpPr>
-        <dsp:cNvPr id="0" name=""/>
-        <dsp:cNvSpPr/>
-      </dsp:nvSpPr>
-      <dsp:spPr>
-        <a:xfrm>
-          <a:off x="5026584" y="1304257"/>
-          <a:ext cx="1161562" cy="1161562"/>
-        </a:xfrm>
-        <a:prstGeom prst="rect">
-          <a:avLst/>
-        </a:prstGeom>
-        <a:blipFill>
-          <a:blip xmlns:r="http://schemas.openxmlformats.org/officeDocument/2006/relationships" r:embed="rId3">
-            <a:extLst>
-              <a:ext uri="{28A0092B-C50C-407E-A947-70E740481C1C}">
-                <a14:useLocalDpi xmlns:a14="http://schemas.microsoft.com/office/drawing/2010/main" val="0"/>
-              </a:ext>
-              <a:ext uri="{96DAC541-7B7A-43D3-8B79-37D633B846F1}">
-                <asvg:svgBlip xmlns:asvg="http://schemas.microsoft.com/office/drawing/2016/SVG/main" r:embed="rId4"/>
-              </a:ext>
-            </a:extLst>
-          </a:blip>
-          <a:stretch>
-            <a:fillRect/>
-          </a:stretch>
-        </a:blipFill>
-        <a:ln w="10795" cap="flat" cmpd="sng" algn="ctr">
-          <a:solidFill>
-            <a:schemeClr val="lt1">
-              <a:hueOff val="0"/>
-              <a:satOff val="0"/>
-              <a:lumOff val="0"/>
-              <a:alphaOff val="0"/>
-            </a:schemeClr>
-          </a:solidFill>
-          <a:prstDash val="solid"/>
-        </a:ln>
-        <a:effectLst/>
-      </dsp:spPr>
-      <dsp:style>
-        <a:lnRef idx="2">
-          <a:scrgbClr r="0" g="0" b="0"/>
-        </a:lnRef>
-        <a:fillRef idx="1">
-          <a:scrgbClr r="0" g="0" b="0"/>
-        </a:fillRef>
-        <a:effectRef idx="0">
-          <a:scrgbClr r="0" g="0" b="0"/>
-        </a:effectRef>
-        <a:fontRef idx="minor">
-          <a:schemeClr val="lt1"/>
-        </a:fontRef>
-      </dsp:style>
-    </dsp:sp>
-    <dsp:sp modelId="{E9184178-BB8B-43C2-9B73-F3586ECE7395}">
-      <dsp:nvSpPr>
-        <dsp:cNvPr id="0" name=""/>
-        <dsp:cNvSpPr/>
-      </dsp:nvSpPr>
-      <dsp:spPr>
-        <a:xfrm>
-          <a:off x="3947990" y="3527820"/>
-          <a:ext cx="3318750" cy="720000"/>
-        </a:xfrm>
-        <a:prstGeom prst="rect">
-          <a:avLst/>
-        </a:prstGeom>
-        <a:noFill/>
-        <a:ln>
-          <a:noFill/>
-        </a:ln>
-        <a:effectLst/>
-      </dsp:spPr>
-      <dsp:style>
-        <a:lnRef idx="0">
-          <a:scrgbClr r="0" g="0" b="0"/>
-        </a:lnRef>
-        <a:fillRef idx="0">
-          <a:scrgbClr r="0" g="0" b="0"/>
-        </a:fillRef>
-        <a:effectRef idx="0">
-          <a:scrgbClr r="0" g="0" b="0"/>
-        </a:effectRef>
-        <a:fontRef idx="minor"/>
-      </dsp:style>
-      <dsp:txBody>
-        <a:bodyPr spcFirstLastPara="0" vert="horz" wrap="square" lIns="0" tIns="0" rIns="0" bIns="0" numCol="1" spcCol="1270" anchor="t" anchorCtr="0">
-          <a:noAutofit/>
-        </a:bodyPr>
-        <a:lstStyle/>
-        <a:p>
-          <a:pPr marL="0" lvl="0" indent="0" algn="ctr" defTabSz="577850">
-            <a:lnSpc>
-              <a:spcPct val="100000"/>
-            </a:lnSpc>
-            <a:spcBef>
-              <a:spcPct val="0"/>
-            </a:spcBef>
-            <a:spcAft>
-              <a:spcPct val="35000"/>
-            </a:spcAft>
-            <a:buNone/>
-            <a:defRPr cap="all"/>
-          </a:pPr>
-          <a:r>
-            <a:rPr lang="en-US" sz="1300" kern="1200"/>
-            <a:t>Aggregate a  granular event stream into chunkier summaries for processing by down stream systems.</a:t>
-          </a:r>
-        </a:p>
-      </dsp:txBody>
-      <dsp:txXfrm>
-        <a:off x="3947990" y="3527820"/>
-        <a:ext cx="3318750" cy="720000"/>
-      </dsp:txXfrm>
-    </dsp:sp>
-  </dsp:spTree>
-</dsp:drawing>
-</file>
-
-<file path=ppt/diagrams/layout1.xml><?xml version="1.0" encoding="utf-8"?>
-<dgm:layoutDef xmlns:dgm="http://schemas.openxmlformats.org/drawingml/2006/diagram" xmlns:a="http://schemas.openxmlformats.org/drawingml/2006/main" uniqueId="urn:microsoft.com/office/officeart/2018/5/layout/IconCircleLabelList">
-  <dgm:title val="Icon Circle Label List"/>
-  <dgm:desc val="Use to show non-sequential or grouped chunks of information accompanied by a related visuals. Works best with icons or small pictures with short text captions."/>
-  <dgm:catLst>
-    <dgm:cat type="icon" pri="500"/>
-  </dgm:catLst>
-  <dgm:sampData useDef="1">
-    <dgm:dataModel>
-      <dgm:ptLst/>
-      <dgm:bg/>
-      <dgm:whole/>
-    </dgm:dataModel>
-  </dgm:sampData>
-  <dgm:styleData useDef="1">
-    <dgm:dataModel>
-      <dgm:ptLst/>
-      <dgm:bg/>
-      <dgm:whole/>
-    </dgm:dataModel>
-  </dgm:styleData>
-  <dgm:clrData useDef="1">
-    <dgm:dataModel>
-      <dgm:ptLst/>
-      <dgm:bg/>
-      <dgm:whole/>
-    </dgm:dataModel>
-  </dgm:clrData>
-  <dgm:layoutNode name="root">
-    <dgm:varLst>
-      <dgm:dir/>
-      <dgm:resizeHandles val="exact"/>
-    </dgm:varLst>
-    <dgm:choose name="Name0">
-      <dgm:if name="Name1" axis="self" func="var" arg="dir" op="equ" val="norm">
-        <dgm:alg type="snake">
-          <dgm:param type="grDir" val="tL"/>
-          <dgm:param type="flowDir" val="row"/>
-          <dgm:param type="contDir" val="sameDir"/>
-          <dgm:param type="off" val="ctr"/>
-          <dgm:param type="vertAlign" val="mid"/>
-          <dgm:param type="horzAlign" val="ctr"/>
-        </dgm:alg>
-      </dgm:if>
-      <dgm:else name="Name2">
-        <dgm:alg type="snake">
-          <dgm:param type="grDir" val="tR"/>
-          <dgm:param type="flowDir" val="row"/>
-          <dgm:param type="contDir" val="sameDir"/>
-          <dgm:param type="off" val="ctr"/>
-          <dgm:param type="vertAlign" val="mid"/>
-          <dgm:param type="horzAlign" val="ctr"/>
-        </dgm:alg>
-      </dgm:else>
-    </dgm:choose>
-    <dgm:shape xmlns:r="http://schemas.openxmlformats.org/officeDocument/2006/relationships" r:blip="">
-      <dgm:adjLst/>
-    </dgm:shape>
-    <dgm:presOf/>
-    <dgm:choose name="Name3">
-      <dgm:if name="Name4" axis="ch" ptType="node" func="cnt" op="lte" val="2">
-        <dgm:constrLst>
-          <dgm:constr type="h" for="ch" forName="compNode" refType="h" fact="0.4"/>
-          <dgm:constr type="w" for="ch" forName="compNode" val="100"/>
-          <dgm:constr type="w" for="ch" forName="sibTrans" refType="w" refFor="ch" refForName="compNode" fact="0.175"/>
-          <dgm:constr type="sp" refType="w" refFor="ch" refForName="compNode" op="equ" fact="0.25"/>
-          <dgm:constr type="primFontSz" for="des" ptType="node" op="equ" val="44"/>
-          <dgm:constr type="h" for="des" forName="compNode" op="equ"/>
-          <dgm:constr type="h" for="des" forName="textRect" op="equ"/>
-        </dgm:constrLst>
-      </dgm:if>
-      <dgm:if name="Name5" axis="ch" ptType="node" func="cnt" op="lte" val="3">
-        <dgm:constrLst>
-          <dgm:constr type="h" for="ch" forName="compNode" refType="h" fact="0.4"/>
-          <dgm:constr type="w" for="ch" forName="compNode" val="100"/>
-          <dgm:constr type="w" for="ch" forName="sibTrans" refType="w" refFor="ch" refForName="compNode" fact="0.175"/>
-          <dgm:constr type="sp" refType="w" refFor="ch" refForName="compNode" op="equ" fact="0.25"/>
-          <dgm:constr type="primFontSz" for="des" ptType="node" op="equ" val="40"/>
-          <dgm:constr type="h" for="des" forName="compNode" op="equ"/>
-          <dgm:constr type="h" for="des" forName="textRect" op="equ"/>
-        </dgm:constrLst>
-      </dgm:if>
-      <dgm:if name="Name6" axis="ch" ptType="node" func="cnt" op="lte" val="4">
-        <dgm:constrLst>
-          <dgm:constr type="h" for="ch" forName="compNode" refType="h" fact="0.4"/>
-          <dgm:constr type="w" for="ch" forName="compNode" refType="w"/>
-          <dgm:constr type="w" for="ch" forName="sibTrans" refType="w" refFor="ch" refForName="compNode" fact="0.175"/>
-          <dgm:constr type="sp" refType="w" refFor="ch" refForName="compNode" op="equ" fact="0.25"/>
-          <dgm:constr type="primFontSz" for="des" ptType="node" op="equ" val="32"/>
-          <dgm:constr type="h" for="des" forName="compNode" op="equ"/>
-          <dgm:constr type="h" for="des" forName="textRect" op="equ"/>
-        </dgm:constrLst>
-      </dgm:if>
-      <dgm:else name="Name7">
-        <dgm:constrLst>
-          <dgm:constr type="h" for="ch" forName="compNode" refType="h" fact="0.4"/>
-          <dgm:constr type="w" for="ch" forName="compNode" refType="w"/>
-          <dgm:constr type="w" for="ch" forName="sibTrans" refType="w" refFor="ch" refForName="compNode" fact="0.175"/>
-          <dgm:constr type="sp" refType="w" refFor="ch" refForName="compNode" op="equ" fact="0.25"/>
-          <dgm:constr type="primFontSz" for="des" ptType="node" op="equ" val="24"/>
-          <dgm:constr type="h" for="des" forName="compNode" op="equ"/>
-          <dgm:constr type="h" for="des" forName="textRect" op="equ"/>
-        </dgm:constrLst>
-      </dgm:else>
-    </dgm:choose>
-    <dgm:ruleLst>
-      <dgm:rule type="w" for="ch" forName="compNode" val="50" fact="NaN" max="NaN"/>
-    </dgm:ruleLst>
-    <dgm:forEach name="Name8" axis="ch" ptType="node">
-      <dgm:layoutNode name="compNode">
-        <dgm:alg type="composite"/>
-        <dgm:shape xmlns:r="http://schemas.openxmlformats.org/officeDocument/2006/relationships" r:blip="">
-          <dgm:adjLst/>
-        </dgm:shape>
-        <dgm:presOf axis="self"/>
-        <dgm:constrLst>
-          <dgm:constr type="w" for="ch" forName="iconBgRect" refType="w" fact="0.61"/>
-          <dgm:constr type="h" for="ch" forName="iconBgRect" refType="w" refFor="ch" refForName="iconBgRect"/>
-          <dgm:constr type="t" for="ch" forName="iconBgRect"/>
-          <dgm:constr type="ctrX" for="ch" forName="iconBgRect" refType="w" fact="0.5"/>
-          <dgm:constr type="w" for="ch" forName="iconRect" refType="w" fact="0.35"/>
-          <dgm:constr type="h" for="ch" forName="iconRect" refType="w" refFor="ch" refForName="iconRect"/>
-          <dgm:constr type="ctrX" for="ch" forName="iconRect" refType="ctrX" refFor="ch" refForName="iconBgRect"/>
-          <dgm:constr type="ctrY" for="ch" forName="iconRect" refType="ctrY" refFor="ch" refForName="iconBgRect"/>
-          <dgm:constr type="h" for="ch" forName="spaceRect" refType="w" fact="0.19"/>
-          <dgm:constr type="w" for="ch" forName="spaceRect" refType="w"/>
-          <dgm:constr type="l" for="ch" forName="spaceRect"/>
-          <dgm:constr type="t" for="ch" forName="spaceRect" refType="b" refFor="ch" refForName="iconBgRect"/>
-          <dgm:constr type="h" for="ch" forName="textRect" val="20"/>
-          <dgm:constr type="w" for="ch" forName="textRect" refType="w"/>
-          <dgm:constr type="l" for="ch" forName="textRect"/>
-          <dgm:constr type="t" for="ch" forName="textRect" refType="b" refFor="ch" refForName="spaceRect"/>
-        </dgm:constrLst>
-        <dgm:ruleLst>
-          <dgm:rule type="h" val="INF" fact="NaN" max="NaN"/>
-        </dgm:ruleLst>
-        <dgm:layoutNode name="iconBgRect" styleLbl="bgShp">
-          <dgm:alg type="sp"/>
-          <dgm:shape xmlns:r="http://schemas.openxmlformats.org/officeDocument/2006/relationships" type="ellipse" r:blip="">
-            <dgm:adjLst/>
-          </dgm:shape>
-          <dgm:presOf/>
-          <dgm:constrLst/>
-          <dgm:ruleLst/>
-        </dgm:layoutNode>
-        <dgm:layoutNode name="iconRect" styleLbl="node1">
-          <dgm:alg type="sp"/>
-          <dgm:shape xmlns:r="http://schemas.openxmlformats.org/officeDocument/2006/relationships" type="rect" r:blip="" blipPhldr="1">
-            <dgm:adjLst/>
-          </dgm:shape>
-          <dgm:presOf/>
-          <dgm:constrLst/>
-          <dgm:ruleLst/>
-        </dgm:layoutNode>
-        <dgm:layoutNode name="spaceRect">
-          <dgm:alg type="sp"/>
-          <dgm:shape xmlns:r="http://schemas.openxmlformats.org/officeDocument/2006/relationships" r:blip="">
-            <dgm:adjLst/>
-          </dgm:shape>
-          <dgm:presOf/>
-          <dgm:constrLst/>
-          <dgm:ruleLst/>
-        </dgm:layoutNode>
-        <dgm:layoutNode name="textRect" styleLbl="revTx">
-          <dgm:varLst>
-            <dgm:chMax val="1"/>
-            <dgm:chPref val="1"/>
-          </dgm:varLst>
-          <dgm:alg type="tx">
-            <dgm:param type="txAnchorVert" val="t"/>
-          </dgm:alg>
-          <dgm:shape xmlns:r="http://schemas.openxmlformats.org/officeDocument/2006/relationships" type="rect" r:blip="">
-            <dgm:adjLst/>
-          </dgm:shape>
-          <dgm:presOf axis="self" ptType="node"/>
-          <dgm:constrLst>
-            <dgm:constr type="lMarg"/>
-            <dgm:constr type="rMarg"/>
-            <dgm:constr type="tMarg"/>
-            <dgm:constr type="bMarg"/>
-          </dgm:constrLst>
-          <dgm:ruleLst>
-            <dgm:rule type="primFontSz" val="11" fact="NaN" max="NaN"/>
-            <dgm:rule type="h" val="INF" fact="NaN" max="NaN"/>
-          </dgm:ruleLst>
-        </dgm:layoutNode>
-      </dgm:layoutNode>
-      <dgm:forEach name="Name9" axis="followSib" ptType="sibTrans" cnt="1">
-        <dgm:layoutNode name="sibTrans">
-          <dgm:alg type="sp"/>
-          <dgm:shape xmlns:r="http://schemas.openxmlformats.org/officeDocument/2006/relationships" r:blip="">
-            <dgm:adjLst/>
-          </dgm:shape>
-          <dgm:presOf axis="self"/>
-          <dgm:constrLst/>
-          <dgm:ruleLst/>
-        </dgm:layoutNode>
-      </dgm:forEach>
-    </dgm:forEach>
-  </dgm:layoutNode>
-  <dgm:extLst>
-    <a:ext uri="{68A01E43-0DF5-4B5B-8FA6-DAF915123BFB}">
-      <dgm1612:lstStyle xmlns:dgm1612="http://schemas.microsoft.com/office/drawing/2016/12/diagram">
-        <a:lvl1pPr>
-          <a:lnSpc>
-            <a:spcPct val="100000"/>
-          </a:lnSpc>
-          <a:defRPr cap="all"/>
-        </a:lvl1pPr>
-      </dgm1612:lstStyle>
-    </a:ext>
-  </dgm:extLst>
-</dgm:layoutDef>
-</file>
-
-<file path=ppt/diagrams/quickStyle1.xml><?xml version="1.0" encoding="utf-8"?>
-<dgm:styleDef xmlns:dgm="http://schemas.openxmlformats.org/drawingml/2006/diagram" xmlns:a="http://schemas.openxmlformats.org/drawingml/2006/main" uniqueId="urn:microsoft.com/office/officeart/2005/8/quickstyle/simple1">
-  <dgm:title val=""/>
-  <dgm:desc val=""/>
-  <dgm:catLst>
-    <dgm:cat type="simple" pri="10100"/>
-  </dgm:catLst>
-  <dgm:scene3d>
-    <a:camera prst="orthographicFront"/>
-    <a:lightRig rig="threePt" dir="t"/>
-  </dgm:scene3d>
-  <dgm:styleLbl name="node0">
-    <dgm:scene3d>
-      <a:camera prst="orthographicFront"/>
-      <a:lightRig rig="threePt" dir="t"/>
-    </dgm:scene3d>
-    <dgm:sp3d/>
-    <dgm:txPr/>
-    <dgm:style>
-      <a:lnRef idx="2">
-        <a:scrgbClr r="0" g="0" b="0"/>
-      </a:lnRef>
-      <a:fillRef idx="1">
-        <a:scrgbClr r="0" g="0" b="0"/>
-      </a:fillRef>
-      <a:effectRef idx="0">
-        <a:scrgbClr r="0" g="0" b="0"/>
-      </a:effectRef>
-      <a:fontRef idx="minor">
-        <a:schemeClr val="lt1"/>
-      </a:fontRef>
-    </dgm:style>
-  </dgm:styleLbl>
-  <dgm:styleLbl name="lnNode1">
-    <dgm:scene3d>
-      <a:camera prst="orthographicFront"/>
-      <a:lightRig rig="threePt" dir="t"/>
-    </dgm:scene3d>
-    <dgm:sp3d/>
-    <dgm:txPr/>
-    <dgm:style>
-      <a:lnRef idx="2">
-        <a:scrgbClr r="0" g="0" b="0"/>
-      </a:lnRef>
-      <a:fillRef idx="1">
-        <a:scrgbClr r="0" g="0" b="0"/>
-      </a:fillRef>
-      <a:effectRef idx="0">
-        <a:scrgbClr r="0" g="0" b="0"/>
-      </a:effectRef>
-      <a:fontRef idx="minor">
-        <a:schemeClr val="lt1"/>
-      </a:fontRef>
-    </dgm:style>
-  </dgm:styleLbl>
-  <dgm:styleLbl name="vennNode1">
-    <dgm:scene3d>
-      <a:camera prst="orthographicFront"/>
-      <a:lightRig rig="threePt" dir="t"/>
-    </dgm:scene3d>
-    <dgm:sp3d/>
-    <dgm:txPr/>
-    <dgm:style>
-      <a:lnRef idx="2">
-        <a:scrgbClr r="0" g="0" b="0"/>
-      </a:lnRef>
-      <a:fillRef idx="1">
-        <a:scrgbClr r="0" g="0" b="0"/>
-      </a:fillRef>
-      <a:effectRef idx="0">
-        <a:scrgbClr r="0" g="0" b="0"/>
-      </a:effectRef>
-      <a:fontRef idx="minor">
-        <a:schemeClr val="tx1"/>
-      </a:fontRef>
-    </dgm:style>
-  </dgm:styleLbl>
-  <dgm:styleLbl name="alignNode1">
-    <dgm:scene3d>
-      <a:camera prst="orthographicFront"/>
-      <a:lightRig rig="threePt" dir="t"/>
-    </dgm:scene3d>
-    <dgm:sp3d/>
-    <dgm:txPr/>
-    <dgm:style>
-      <a:lnRef idx="2">
-        <a:scrgbClr r="0" g="0" b="0"/>
-      </a:lnRef>
-      <a:fillRef idx="1">
-        <a:scrgbClr r="0" g="0" b="0"/>
-      </a:fillRef>
-      <a:effectRef idx="0">
-        <a:scrgbClr r="0" g="0" b="0"/>
-      </a:effectRef>
-      <a:fontRef idx="minor">
-        <a:schemeClr val="lt1"/>
-      </a:fontRef>
-    </dgm:style>
-  </dgm:styleLbl>
-  <dgm:styleLbl name="node1">
-    <dgm:scene3d>
-      <a:camera prst="orthographicFront"/>
-      <a:lightRig rig="threePt" dir="t"/>
-    </dgm:scene3d>
-    <dgm:sp3d/>
-    <dgm:txPr/>
-    <dgm:style>
-      <a:lnRef idx="2">
-        <a:scrgbClr r="0" g="0" b="0"/>
-      </a:lnRef>
-      <a:fillRef idx="1">
-        <a:scrgbClr r="0" g="0" b="0"/>
-      </a:fillRef>
-      <a:effectRef idx="0">
-        <a:scrgbClr r="0" g="0" b="0"/>
-      </a:effectRef>
-      <a:fontRef idx="minor">
-        <a:schemeClr val="lt1"/>
-      </a:fontRef>
-    </dgm:style>
-  </dgm:styleLbl>
-  <dgm:styleLbl name="node2">
-    <dgm:scene3d>
-      <a:camera prst="orthographicFront"/>
-      <a:lightRig rig="threePt" dir="t"/>
-    </dgm:scene3d>
-    <dgm:sp3d/>
-    <dgm:txPr/>
-    <dgm:style>
-      <a:lnRef idx="2">
-        <a:scrgbClr r="0" g="0" b="0"/>
-      </a:lnRef>
-      <a:fillRef idx="1">
-        <a:scrgbClr r="0" g="0" b="0"/>
-      </a:fillRef>
-      <a:effectRef idx="0">
-        <a:scrgbClr r="0" g="0" b="0"/>
-      </a:effectRef>
-      <a:fontRef idx="minor">
-        <a:schemeClr val="lt1"/>
-      </a:fontRef>
-    </dgm:style>
-  </dgm:styleLbl>
-  <dgm:styleLbl name="node3">
-    <dgm:scene3d>
-      <a:camera prst="orthographicFront"/>
-      <a:lightRig rig="threePt" dir="t"/>
-    </dgm:scene3d>
-    <dgm:sp3d/>
-    <dgm:txPr/>
-    <dgm:style>
-      <a:lnRef idx="2">
-        <a:scrgbClr r="0" g="0" b="0"/>
-      </a:lnRef>
-      <a:fillRef idx="1">
-        <a:scrgbClr r="0" g="0" b="0"/>
-      </a:fillRef>
-      <a:effectRef idx="0">
-        <a:scrgbClr r="0" g="0" b="0"/>
-      </a:effectRef>
-      <a:fontRef idx="minor">
-        <a:schemeClr val="lt1"/>
-      </a:fontRef>
-    </dgm:style>
-  </dgm:styleLbl>
-  <dgm:styleLbl name="node4">
-    <dgm:scene3d>
-      <a:camera prst="orthographicFront"/>
-      <a:lightRig rig="threePt" dir="t"/>
-    </dgm:scene3d>
-    <dgm:sp3d/>
-    <dgm:txPr/>
-    <dgm:style>
-      <a:lnRef idx="2">
-        <a:scrgbClr r="0" g="0" b="0"/>
-      </a:lnRef>
-      <a:fillRef idx="1">
-        <a:scrgbClr r="0" g="0" b="0"/>
-      </a:fillRef>
-      <a:effectRef idx="0">
-        <a:scrgbClr r="0" g="0" b="0"/>
-      </a:effectRef>
-      <a:fontRef idx="minor">
-        <a:schemeClr val="lt1"/>
-      </a:fontRef>
-    </dgm:style>
-  </dgm:styleLbl>
-  <dgm:styleLbl name="fgImgPlace1">
-    <dgm:scene3d>
-      <a:camera prst="orthographicFront"/>
-      <a:lightRig rig="threePt" dir="t"/>
-    </dgm:scene3d>
-    <dgm:sp3d/>
-    <dgm:txPr/>
-    <dgm:style>
-      <a:lnRef idx="2">
-        <a:scrgbClr r="0" g="0" b="0"/>
-      </a:lnRef>
-      <a:fillRef idx="1">
-        <a:scrgbClr r="0" g="0" b="0"/>
-      </a:fillRef>
-      <a:effectRef idx="0">
-        <a:scrgbClr r="0" g="0" b="0"/>
-      </a:effectRef>
-      <a:fontRef idx="minor"/>
-    </dgm:style>
-  </dgm:styleLbl>
-  <dgm:styleLbl name="alignImgPlace1">
-    <dgm:scene3d>
-      <a:camera prst="orthographicFront"/>
-      <a:lightRig rig="threePt" dir="t"/>
-    </dgm:scene3d>
-    <dgm:sp3d/>
-    <dgm:txPr/>
-    <dgm:style>
-      <a:lnRef idx="2">
-        <a:scrgbClr r="0" g="0" b="0"/>
-      </a:lnRef>
-      <a:fillRef idx="1">
-        <a:scrgbClr r="0" g="0" b="0"/>
-      </a:fillRef>
-      <a:effectRef idx="0">
-        <a:scrgbClr r="0" g="0" b="0"/>
-      </a:effectRef>
-      <a:fontRef idx="minor"/>
-    </dgm:style>
-  </dgm:styleLbl>
-  <dgm:styleLbl name="bgImgPlace1">
-    <dgm:scene3d>
-      <a:camera prst="orthographicFront"/>
-      <a:lightRig rig="threePt" dir="t"/>
-    </dgm:scene3d>
-    <dgm:sp3d/>
-    <dgm:txPr/>
-    <dgm:style>
-      <a:lnRef idx="2">
-        <a:scrgbClr r="0" g="0" b="0"/>
-      </a:lnRef>
-      <a:fillRef idx="1">
-        <a:scrgbClr r="0" g="0" b="0"/>
-      </a:fillRef>
-      <a:effectRef idx="0">
-        <a:scrgbClr r="0" g="0" b="0"/>
-      </a:effectRef>
-      <a:fontRef idx="minor"/>
-    </dgm:style>
-  </dgm:styleLbl>
-  <dgm:styleLbl name="sibTrans2D1">
-    <dgm:scene3d>
-      <a:camera prst="orthographicFront"/>
-      <a:lightRig rig="threePt" dir="t"/>
-    </dgm:scene3d>
-    <dgm:sp3d/>
-    <dgm:txPr/>
-    <dgm:style>
-      <a:lnRef idx="0">
-        <a:scrgbClr r="0" g="0" b="0"/>
-      </a:lnRef>
-      <a:fillRef idx="1">
-        <a:scrgbClr r="0" g="0" b="0"/>
-      </a:fillRef>
-      <a:effectRef idx="0">
-        <a:scrgbClr r="0" g="0" b="0"/>
-      </a:effectRef>
-      <a:fontRef idx="minor">
-        <a:schemeClr val="lt1"/>
-      </a:fontRef>
-    </dgm:style>
-  </dgm:styleLbl>
-  <dgm:styleLbl name="fgSibTrans2D1">
-    <dgm:scene3d>
-      <a:camera prst="orthographicFront"/>
-      <a:lightRig rig="threePt" dir="t"/>
-    </dgm:scene3d>
-    <dgm:sp3d/>
-    <dgm:txPr/>
-    <dgm:style>
-      <a:lnRef idx="0">
-        <a:scrgbClr r="0" g="0" b="0"/>
-      </a:lnRef>
-      <a:fillRef idx="1">
-        <a:scrgbClr r="0" g="0" b="0"/>
-      </a:fillRef>
-      <a:effectRef idx="0">
-        <a:scrgbClr r="0" g="0" b="0"/>
-      </a:effectRef>
-      <a:fontRef idx="minor">
-        <a:schemeClr val="lt1"/>
-      </a:fontRef>
-    </dgm:style>
-  </dgm:styleLbl>
-  <dgm:styleLbl name="bgSibTrans2D1">
-    <dgm:scene3d>
-      <a:camera prst="orthographicFront"/>
-      <a:lightRig rig="threePt" dir="t"/>
-    </dgm:scene3d>
-    <dgm:sp3d/>
-    <dgm:txPr/>
-    <dgm:style>
-      <a:lnRef idx="0">
-        <a:scrgbClr r="0" g="0" b="0"/>
-      </a:lnRef>
-      <a:fillRef idx="1">
-        <a:scrgbClr r="0" g="0" b="0"/>
-      </a:fillRef>
-      <a:effectRef idx="0">
-        <a:scrgbClr r="0" g="0" b="0"/>
-      </a:effectRef>
-      <a:fontRef idx="minor">
-        <a:schemeClr val="lt1"/>
-      </a:fontRef>
-    </dgm:style>
-  </dgm:styleLbl>
-  <dgm:styleLbl name="sibTrans1D1">
-    <dgm:scene3d>
-      <a:camera prst="orthographicFront"/>
-      <a:lightRig rig="threePt" dir="t"/>
-    </dgm:scene3d>
-    <dgm:sp3d/>
-    <dgm:txPr/>
-    <dgm:style>
-      <a:lnRef idx="1">
-        <a:scrgbClr r="0" g="0" b="0"/>
-      </a:lnRef>
-      <a:fillRef idx="0">
-        <a:scrgbClr r="0" g="0" b="0"/>
-      </a:fillRef>
-      <a:effectRef idx="0">
-        <a:scrgbClr r="0" g="0" b="0"/>
-      </a:effectRef>
-      <a:fontRef idx="minor"/>
-    </dgm:style>
-  </dgm:styleLbl>
-  <dgm:styleLbl name="callout">
-    <dgm:scene3d>
-      <a:camera prst="orthographicFront"/>
-      <a:lightRig rig="threePt" dir="t"/>
-    </dgm:scene3d>
-    <dgm:sp3d/>
-    <dgm:txPr/>
-    <dgm:style>
-      <a:lnRef idx="2">
-        <a:scrgbClr r="0" g="0" b="0"/>
-      </a:lnRef>
-      <a:fillRef idx="1">
-        <a:scrgbClr r="0" g="0" b="0"/>
-      </a:fillRef>
-      <a:effectRef idx="0">
-        <a:scrgbClr r="0" g="0" b="0"/>
-      </a:effectRef>
-      <a:fontRef idx="minor"/>
-    </dgm:style>
-  </dgm:styleLbl>
-  <dgm:styleLbl name="asst0">
-    <dgm:scene3d>
-      <a:camera prst="orthographicFront"/>
-      <a:lightRig rig="threePt" dir="t"/>
-    </dgm:scene3d>
-    <dgm:sp3d/>
-    <dgm:txPr/>
-    <dgm:style>
-      <a:lnRef idx="2">
-        <a:scrgbClr r="0" g="0" b="0"/>
-      </a:lnRef>
-      <a:fillRef idx="1">
-        <a:scrgbClr r="0" g="0" b="0"/>
-      </a:fillRef>
-      <a:effectRef idx="0">
-        <a:scrgbClr r="0" g="0" b="0"/>
-      </a:effectRef>
-      <a:fontRef idx="minor">
-        <a:schemeClr val="lt1"/>
-      </a:fontRef>
-    </dgm:style>
-  </dgm:styleLbl>
-  <dgm:styleLbl name="asst1">
-    <dgm:scene3d>
-      <a:camera prst="orthographicFront"/>
-      <a:lightRig rig="threePt" dir="t"/>
-    </dgm:scene3d>
-    <dgm:sp3d/>
-    <dgm:txPr/>
-    <dgm:style>
-      <a:lnRef idx="2">
-        <a:scrgbClr r="0" g="0" b="0"/>
-      </a:lnRef>
-      <a:fillRef idx="1">
-        <a:scrgbClr r="0" g="0" b="0"/>
-      </a:fillRef>
-      <a:effectRef idx="0">
-        <a:scrgbClr r="0" g="0" b="0"/>
-      </a:effectRef>
-      <a:fontRef idx="minor">
-        <a:schemeClr val="lt1"/>
-      </a:fontRef>
-    </dgm:style>
-  </dgm:styleLbl>
-  <dgm:styleLbl name="asst2">
-    <dgm:scene3d>
-      <a:camera prst="orthographicFront"/>
-      <a:lightRig rig="threePt" dir="t"/>
-    </dgm:scene3d>
-    <dgm:sp3d/>
-    <dgm:txPr/>
-    <dgm:style>
-      <a:lnRef idx="2">
-        <a:scrgbClr r="0" g="0" b="0"/>
-      </a:lnRef>
-      <a:fillRef idx="1">
-        <a:scrgbClr r="0" g="0" b="0"/>
-      </a:fillRef>
-      <a:effectRef idx="0">
-        <a:scrgbClr r="0" g="0" b="0"/>
-      </a:effectRef>
-      <a:fontRef idx="minor">
-        <a:schemeClr val="lt1"/>
-      </a:fontRef>
-    </dgm:style>
-  </dgm:styleLbl>
-  <dgm:styleLbl name="asst3">
-    <dgm:scene3d>
-      <a:camera prst="orthographicFront"/>
-      <a:lightRig rig="threePt" dir="t"/>
-    </dgm:scene3d>
-    <dgm:sp3d/>
-    <dgm:txPr/>
-    <dgm:style>
-      <a:lnRef idx="2">
-        <a:scrgbClr r="0" g="0" b="0"/>
-      </a:lnRef>
-      <a:fillRef idx="1">
-        <a:scrgbClr r="0" g="0" b="0"/>
-      </a:fillRef>
-      <a:effectRef idx="0">
-        <a:scrgbClr r="0" g="0" b="0"/>
-      </a:effectRef>
-      <a:fontRef idx="minor">
-        <a:schemeClr val="lt1"/>
-      </a:fontRef>
-    </dgm:style>
-  </dgm:styleLbl>
-  <dgm:styleLbl name="asst4">
-    <dgm:scene3d>
-      <a:camera prst="orthographicFront"/>
-      <a:lightRig rig="threePt" dir="t"/>
-    </dgm:scene3d>
-    <dgm:sp3d/>
-    <dgm:txPr/>
-    <dgm:style>
-      <a:lnRef idx="2">
-        <a:scrgbClr r="0" g="0" b="0"/>
-      </a:lnRef>
-      <a:fillRef idx="1">
-        <a:scrgbClr r="0" g="0" b="0"/>
-      </a:fillRef>
-      <a:effectRef idx="0">
-        <a:scrgbClr r="0" g="0" b="0"/>
-      </a:effectRef>
-      <a:fontRef idx="minor">
-        <a:schemeClr val="lt1"/>
-      </a:fontRef>
-    </dgm:style>
-  </dgm:styleLbl>
-  <dgm:styleLbl name="parChTrans2D1">
-    <dgm:scene3d>
-      <a:camera prst="orthographicFront"/>
-      <a:lightRig rig="threePt" dir="t"/>
-    </dgm:scene3d>
-    <dgm:sp3d/>
-    <dgm:txPr/>
-    <dgm:style>
-      <a:lnRef idx="2">
-        <a:scrgbClr r="0" g="0" b="0"/>
-      </a:lnRef>
-      <a:fillRef idx="1">
-        <a:scrgbClr r="0" g="0" b="0"/>
-      </a:fillRef>
-      <a:effectRef idx="0">
-        <a:scrgbClr r="0" g="0" b="0"/>
-      </a:effectRef>
-      <a:fontRef idx="minor">
-        <a:schemeClr val="lt1"/>
-      </a:fontRef>
-    </dgm:style>
-  </dgm:styleLbl>
-  <dgm:styleLbl name="parChTrans2D2">
-    <dgm:scene3d>
-      <a:camera prst="orthographicFront"/>
-      <a:lightRig rig="threePt" dir="t"/>
-    </dgm:scene3d>
-    <dgm:sp3d/>
-    <dgm:txPr/>
-    <dgm:style>
-      <a:lnRef idx="2">
-        <a:scrgbClr r="0" g="0" b="0"/>
-      </a:lnRef>
-      <a:fillRef idx="1">
-        <a:scrgbClr r="0" g="0" b="0"/>
-      </a:fillRef>
-      <a:effectRef idx="0">
-        <a:scrgbClr r="0" g="0" b="0"/>
-      </a:effectRef>
-      <a:fontRef idx="minor">
-        <a:schemeClr val="lt1"/>
-      </a:fontRef>
-    </dgm:style>
-  </dgm:styleLbl>
-  <dgm:styleLbl name="parChTrans2D3">
-    <dgm:scene3d>
-      <a:camera prst="orthographicFront"/>
-      <a:lightRig rig="threePt" dir="t"/>
-    </dgm:scene3d>
-    <dgm:sp3d/>
-    <dgm:txPr/>
-    <dgm:style>
-      <a:lnRef idx="2">
-        <a:scrgbClr r="0" g="0" b="0"/>
-      </a:lnRef>
-      <a:fillRef idx="1">
-        <a:scrgbClr r="0" g="0" b="0"/>
-      </a:fillRef>
-      <a:effectRef idx="0">
-        <a:scrgbClr r="0" g="0" b="0"/>
-      </a:effectRef>
-      <a:fontRef idx="minor">
-        <a:schemeClr val="lt1"/>
-      </a:fontRef>
-    </dgm:style>
-  </dgm:styleLbl>
-  <dgm:styleLbl name="parChTrans2D4">
-    <dgm:scene3d>
-      <a:camera prst="orthographicFront"/>
-      <a:lightRig rig="threePt" dir="t"/>
-    </dgm:scene3d>
-    <dgm:sp3d/>
-    <dgm:txPr/>
-    <dgm:style>
-      <a:lnRef idx="2">
-        <a:scrgbClr r="0" g="0" b="0"/>
-      </a:lnRef>
-      <a:fillRef idx="1">
-        <a:scrgbClr r="0" g="0" b="0"/>
-      </a:fillRef>
-      <a:effectRef idx="0">
-        <a:scrgbClr r="0" g="0" b="0"/>
-      </a:effectRef>
-      <a:fontRef idx="minor">
-        <a:schemeClr val="lt1"/>
-      </a:fontRef>
-    </dgm:style>
-  </dgm:styleLbl>
-  <dgm:styleLbl name="parChTrans1D1">
-    <dgm:scene3d>
-      <a:camera prst="orthographicFront"/>
-      <a:lightRig rig="threePt" dir="t"/>
-    </dgm:scene3d>
-    <dgm:sp3d/>
-    <dgm:txPr/>
-    <dgm:style>
-      <a:lnRef idx="2">
-        <a:scrgbClr r="0" g="0" b="0"/>
-      </a:lnRef>
-      <a:fillRef idx="0">
-        <a:scrgbClr r="0" g="0" b="0"/>
-      </a:fillRef>
-      <a:effectRef idx="0">
-        <a:scrgbClr r="0" g="0" b="0"/>
-      </a:effectRef>
-      <a:fontRef idx="minor"/>
-    </dgm:style>
-  </dgm:styleLbl>
-  <dgm:styleLbl name="parChTrans1D2">
-    <dgm:scene3d>
-      <a:camera prst="orthographicFront"/>
-      <a:lightRig rig="threePt" dir="t"/>
-    </dgm:scene3d>
-    <dgm:sp3d/>
-    <dgm:txPr/>
-    <dgm:style>
-      <a:lnRef idx="2">
-        <a:scrgbClr r="0" g="0" b="0"/>
-      </a:lnRef>
-      <a:fillRef idx="0">
-        <a:scrgbClr r="0" g="0" b="0"/>
-      </a:fillRef>
-      <a:effectRef idx="0">
-        <a:scrgbClr r="0" g="0" b="0"/>
-      </a:effectRef>
-      <a:fontRef idx="minor"/>
-    </dgm:style>
-  </dgm:styleLbl>
-  <dgm:styleLbl name="parChTrans1D3">
-    <dgm:scene3d>
-      <a:camera prst="orthographicFront"/>
-      <a:lightRig rig="threePt" dir="t"/>
-    </dgm:scene3d>
-    <dgm:sp3d/>
-    <dgm:txPr/>
-    <dgm:style>
-      <a:lnRef idx="2">
-        <a:scrgbClr r="0" g="0" b="0"/>
-      </a:lnRef>
-      <a:fillRef idx="0">
-        <a:scrgbClr r="0" g="0" b="0"/>
-      </a:fillRef>
-      <a:effectRef idx="0">
-        <a:scrgbClr r="0" g="0" b="0"/>
-      </a:effectRef>
-      <a:fontRef idx="minor"/>
-    </dgm:style>
-  </dgm:styleLbl>
-  <dgm:styleLbl name="parChTrans1D4">
-    <dgm:scene3d>
-      <a:camera prst="orthographicFront"/>
-      <a:lightRig rig="threePt" dir="t"/>
-    </dgm:scene3d>
-    <dgm:sp3d/>
-    <dgm:txPr/>
-    <dgm:style>
-      <a:lnRef idx="2">
-        <a:scrgbClr r="0" g="0" b="0"/>
-      </a:lnRef>
-      <a:fillRef idx="0">
-        <a:scrgbClr r="0" g="0" b="0"/>
-      </a:fillRef>
-      <a:effectRef idx="0">
-        <a:scrgbClr r="0" g="0" b="0"/>
-      </a:effectRef>
-      <a:fontRef idx="minor"/>
-    </dgm:style>
-  </dgm:styleLbl>
-  <dgm:styleLbl name="fgAcc1">
-    <dgm:scene3d>
-      <a:camera prst="orthographicFront"/>
-      <a:lightRig rig="threePt" dir="t"/>
-    </dgm:scene3d>
-    <dgm:sp3d/>
-    <dgm:txPr/>
-    <dgm:style>
-      <a:lnRef idx="2">
-        <a:scrgbClr r="0" g="0" b="0"/>
-      </a:lnRef>
-      <a:fillRef idx="1">
-        <a:scrgbClr r="0" g="0" b="0"/>
-      </a:fillRef>
-      <a:effectRef idx="0">
-        <a:scrgbClr r="0" g="0" b="0"/>
-      </a:effectRef>
-      <a:fontRef idx="minor"/>
-    </dgm:style>
-  </dgm:styleLbl>
-  <dgm:styleLbl name="conFgAcc1">
-    <dgm:scene3d>
-      <a:camera prst="orthographicFront"/>
-      <a:lightRig rig="threePt" dir="t"/>
-    </dgm:scene3d>
-    <dgm:sp3d/>
-    <dgm:txPr/>
-    <dgm:style>
-      <a:lnRef idx="2">
-        <a:scrgbClr r="0" g="0" b="0"/>
-      </a:lnRef>
-      <a:fillRef idx="1">
-        <a:scrgbClr r="0" g="0" b="0"/>
-      </a:fillRef>
-      <a:effectRef idx="0">
-        <a:scrgbClr r="0" g="0" b="0"/>
-      </a:effectRef>
-      <a:fontRef idx="minor"/>
-    </dgm:style>
-  </dgm:styleLbl>
-  <dgm:styleLbl name="alignAcc1">
-    <dgm:scene3d>
-      <a:camera prst="orthographicFront"/>
-      <a:lightRig rig="threePt" dir="t"/>
-    </dgm:scene3d>
-    <dgm:sp3d/>
-    <dgm:txPr/>
-    <dgm:style>
-      <a:lnRef idx="2">
-        <a:scrgbClr r="0" g="0" b="0"/>
-      </a:lnRef>
-      <a:fillRef idx="1">
-        <a:scrgbClr r="0" g="0" b="0"/>
-      </a:fillRef>
-      <a:effectRef idx="0">
-        <a:scrgbClr r="0" g="0" b="0"/>
-      </a:effectRef>
-      <a:fontRef idx="minor"/>
-    </dgm:style>
-  </dgm:styleLbl>
-  <dgm:styleLbl name="trAlignAcc1">
-    <dgm:scene3d>
-      <a:camera prst="orthographicFront"/>
-      <a:lightRig rig="threePt" dir="t"/>
-    </dgm:scene3d>
-    <dgm:sp3d/>
-    <dgm:txPr/>
-    <dgm:style>
-      <a:lnRef idx="1">
-        <a:scrgbClr r="0" g="0" b="0"/>
-      </a:lnRef>
-      <a:fillRef idx="1">
-        <a:scrgbClr r="0" g="0" b="0"/>
-      </a:fillRef>
-      <a:effectRef idx="0">
-        <a:scrgbClr r="0" g="0" b="0"/>
-      </a:effectRef>
-      <a:fontRef idx="minor"/>
-    </dgm:style>
-  </dgm:styleLbl>
-  <dgm:styleLbl name="bgAcc1">
-    <dgm:scene3d>
-      <a:camera prst="orthographicFront"/>
-      <a:lightRig rig="threePt" dir="t"/>
-    </dgm:scene3d>
-    <dgm:sp3d/>
-    <dgm:txPr/>
-    <dgm:style>
-      <a:lnRef idx="2">
-        <a:scrgbClr r="0" g="0" b="0"/>
-      </a:lnRef>
-      <a:fillRef idx="1">
-        <a:scrgbClr r="0" g="0" b="0"/>
-      </a:fillRef>
-      <a:effectRef idx="0">
-        <a:scrgbClr r="0" g="0" b="0"/>
-      </a:effectRef>
-      <a:fontRef idx="minor"/>
-    </dgm:style>
-  </dgm:styleLbl>
-  <dgm:styleLbl name="solidFgAcc1">
-    <dgm:scene3d>
-      <a:camera prst="orthographicFront"/>
-      <a:lightRig rig="threePt" dir="t"/>
-    </dgm:scene3d>
-    <dgm:sp3d/>
-    <dgm:txPr/>
-    <dgm:style>
-      <a:lnRef idx="2">
-        <a:scrgbClr r="0" g="0" b="0"/>
-      </a:lnRef>
-      <a:fillRef idx="1">
-        <a:scrgbClr r="0" g="0" b="0"/>
-      </a:fillRef>
-      <a:effectRef idx="0">
-        <a:scrgbClr r="0" g="0" b="0"/>
-      </a:effectRef>
-      <a:fontRef idx="minor"/>
-    </dgm:style>
-  </dgm:styleLbl>
-  <dgm:styleLbl name="solidAlignAcc1">
-    <dgm:scene3d>
-      <a:camera prst="orthographicFront"/>
-      <a:lightRig rig="threePt" dir="t"/>
-    </dgm:scene3d>
-    <dgm:sp3d/>
-    <dgm:txPr/>
-    <dgm:style>
-      <a:lnRef idx="2">
-        <a:scrgbClr r="0" g="0" b="0"/>
-      </a:lnRef>
-      <a:fillRef idx="1">
-        <a:scrgbClr r="0" g="0" b="0"/>
-      </a:fillRef>
-      <a:effectRef idx="0">
-        <a:scrgbClr r="0" g="0" b="0"/>
-      </a:effectRef>
-      <a:fontRef idx="minor"/>
-    </dgm:style>
-  </dgm:styleLbl>
-  <dgm:styleLbl name="solidBgAcc1">
-    <dgm:scene3d>
-      <a:camera prst="orthographicFront"/>
-      <a:lightRig rig="threePt" dir="t"/>
-    </dgm:scene3d>
-    <dgm:sp3d/>
-    <dgm:txPr/>
-    <dgm:style>
-      <a:lnRef idx="2">
-        <a:scrgbClr r="0" g="0" b="0"/>
-      </a:lnRef>
-      <a:fillRef idx="1">
-        <a:scrgbClr r="0" g="0" b="0"/>
-      </a:fillRef>
-      <a:effectRef idx="0">
-        <a:scrgbClr r="0" g="0" b="0"/>
-      </a:effectRef>
-      <a:fontRef idx="minor"/>
-    </dgm:style>
-  </dgm:styleLbl>
-  <dgm:styleLbl name="fgAccFollowNode1">
-    <dgm:scene3d>
-      <a:camera prst="orthographicFront"/>
-      <a:lightRig rig="threePt" dir="t"/>
-    </dgm:scene3d>
-    <dgm:sp3d/>
-    <dgm:txPr/>
-    <dgm:style>
-      <a:lnRef idx="2">
-        <a:scrgbClr r="0" g="0" b="0"/>
-      </a:lnRef>
-      <a:fillRef idx="1">
-        <a:scrgbClr r="0" g="0" b="0"/>
-      </a:fillRef>
-      <a:effectRef idx="0">
-        <a:scrgbClr r="0" g="0" b="0"/>
-      </a:effectRef>
-      <a:fontRef idx="minor"/>
-    </dgm:style>
-  </dgm:styleLbl>
-  <dgm:styleLbl name="alignAccFollowNode1">
-    <dgm:scene3d>
-      <a:camera prst="orthographicFront"/>
-      <a:lightRig rig="threePt" dir="t"/>
-    </dgm:scene3d>
-    <dgm:sp3d/>
-    <dgm:txPr/>
-    <dgm:style>
-      <a:lnRef idx="2">
-        <a:scrgbClr r="0" g="0" b="0"/>
-      </a:lnRef>
-      <a:fillRef idx="1">
-        <a:scrgbClr r="0" g="0" b="0"/>
-      </a:fillRef>
-      <a:effectRef idx="0">
-        <a:scrgbClr r="0" g="0" b="0"/>
-      </a:effectRef>
-      <a:fontRef idx="minor"/>
-    </dgm:style>
-  </dgm:styleLbl>
-  <dgm:styleLbl name="bgAccFollowNode1">
-    <dgm:scene3d>
-      <a:camera prst="orthographicFront"/>
-      <a:lightRig rig="threePt" dir="t"/>
-    </dgm:scene3d>
-    <dgm:sp3d/>
-    <dgm:txPr/>
-    <dgm:style>
-      <a:lnRef idx="2">
-        <a:scrgbClr r="0" g="0" b="0"/>
-      </a:lnRef>
-      <a:fillRef idx="1">
-        <a:scrgbClr r="0" g="0" b="0"/>
-      </a:fillRef>
-      <a:effectRef idx="0">
-        <a:scrgbClr r="0" g="0" b="0"/>
-      </a:effectRef>
-      <a:fontRef idx="minor"/>
-    </dgm:style>
-  </dgm:styleLbl>
-  <dgm:styleLbl name="fgAcc0">
-    <dgm:scene3d>
-      <a:camera prst="orthographicFront"/>
-      <a:lightRig rig="threePt" dir="t"/>
-    </dgm:scene3d>
-    <dgm:sp3d/>
-    <dgm:txPr/>
-    <dgm:style>
-      <a:lnRef idx="2">
-        <a:scrgbClr r="0" g="0" b="0"/>
-      </a:lnRef>
-      <a:fillRef idx="1">
-        <a:scrgbClr r="0" g="0" b="0"/>
-      </a:fillRef>
-      <a:effectRef idx="0">
-        <a:scrgbClr r="0" g="0" b="0"/>
-      </a:effectRef>
-      <a:fontRef idx="minor"/>
-    </dgm:style>
-  </dgm:styleLbl>
-  <dgm:styleLbl name="fgAcc2">
-    <dgm:scene3d>
-      <a:camera prst="orthographicFront"/>
-      <a:lightRig rig="threePt" dir="t"/>
-    </dgm:scene3d>
-    <dgm:sp3d/>
-    <dgm:txPr/>
-    <dgm:style>
-      <a:lnRef idx="2">
-        <a:scrgbClr r="0" g="0" b="0"/>
-      </a:lnRef>
-      <a:fillRef idx="1">
-        <a:scrgbClr r="0" g="0" b="0"/>
-      </a:fillRef>
-      <a:effectRef idx="0">
-        <a:scrgbClr r="0" g="0" b="0"/>
-      </a:effectRef>
-      <a:fontRef idx="minor"/>
-    </dgm:style>
-  </dgm:styleLbl>
-  <dgm:styleLbl name="fgAcc3">
-    <dgm:scene3d>
-      <a:camera prst="orthographicFront"/>
-      <a:lightRig rig="threePt" dir="t"/>
-    </dgm:scene3d>
-    <dgm:sp3d/>
-    <dgm:txPr/>
-    <dgm:style>
-      <a:lnRef idx="2">
-        <a:scrgbClr r="0" g="0" b="0"/>
-      </a:lnRef>
-      <a:fillRef idx="1">
-        <a:scrgbClr r="0" g="0" b="0"/>
-      </a:fillRef>
-      <a:effectRef idx="0">
-        <a:scrgbClr r="0" g="0" b="0"/>
-      </a:effectRef>
-      <a:fontRef idx="minor"/>
-    </dgm:style>
-  </dgm:styleLbl>
-  <dgm:styleLbl name="fgAcc4">
-    <dgm:scene3d>
-      <a:camera prst="orthographicFront"/>
-      <a:lightRig rig="threePt" dir="t"/>
-    </dgm:scene3d>
-    <dgm:sp3d/>
-    <dgm:txPr/>
-    <dgm:style>
-      <a:lnRef idx="2">
-        <a:scrgbClr r="0" g="0" b="0"/>
-      </a:lnRef>
-      <a:fillRef idx="1">
-        <a:scrgbClr r="0" g="0" b="0"/>
-      </a:fillRef>
-      <a:effectRef idx="0">
-        <a:scrgbClr r="0" g="0" b="0"/>
-      </a:effectRef>
-      <a:fontRef idx="minor"/>
-    </dgm:style>
-  </dgm:styleLbl>
-  <dgm:styleLbl name="bgShp">
-    <dgm:scene3d>
-      <a:camera prst="orthographicFront"/>
-      <a:lightRig rig="threePt" dir="t"/>
-    </dgm:scene3d>
-    <dgm:sp3d/>
-    <dgm:txPr/>
-    <dgm:style>
-      <a:lnRef idx="0">
-        <a:scrgbClr r="0" g="0" b="0"/>
-      </a:lnRef>
-      <a:fillRef idx="1">
-        <a:scrgbClr r="0" g="0" b="0"/>
-      </a:fillRef>
-      <a:effectRef idx="0">
-        <a:scrgbClr r="0" g="0" b="0"/>
-      </a:effectRef>
-      <a:fontRef idx="minor"/>
-    </dgm:style>
-  </dgm:styleLbl>
-  <dgm:styleLbl name="dkBgShp">
-    <dgm:scene3d>
-      <a:camera prst="orthographicFront"/>
-      <a:lightRig rig="threePt" dir="t"/>
-    </dgm:scene3d>
-    <dgm:sp3d/>
-    <dgm:txPr/>
-    <dgm:style>
-      <a:lnRef idx="0">
-        <a:scrgbClr r="0" g="0" b="0"/>
-      </a:lnRef>
-      <a:fillRef idx="1">
-        <a:scrgbClr r="0" g="0" b="0"/>
-      </a:fillRef>
-      <a:effectRef idx="0">
-        <a:scrgbClr r="0" g="0" b="0"/>
-      </a:effectRef>
-      <a:fontRef idx="minor"/>
-    </dgm:style>
-  </dgm:styleLbl>
-  <dgm:styleLbl name="trBgShp">
-    <dgm:scene3d>
-      <a:camera prst="orthographicFront"/>
-      <a:lightRig rig="threePt" dir="t"/>
-    </dgm:scene3d>
-    <dgm:sp3d/>
-    <dgm:txPr/>
-    <dgm:style>
-      <a:lnRef idx="0">
-        <a:scrgbClr r="0" g="0" b="0"/>
-      </a:lnRef>
-      <a:fillRef idx="1">
-        <a:scrgbClr r="0" g="0" b="0"/>
-      </a:fillRef>
-      <a:effectRef idx="0">
-        <a:scrgbClr r="0" g="0" b="0"/>
-      </a:effectRef>
-      <a:fontRef idx="minor"/>
-    </dgm:style>
-  </dgm:styleLbl>
-  <dgm:styleLbl name="fgShp">
-    <dgm:scene3d>
-      <a:camera prst="orthographicFront"/>
-      <a:lightRig rig="threePt" dir="t"/>
-    </dgm:scene3d>
-    <dgm:sp3d/>
-    <dgm:txPr/>
-    <dgm:style>
-      <a:lnRef idx="2">
-        <a:scrgbClr r="0" g="0" b="0"/>
-      </a:lnRef>
-      <a:fillRef idx="1">
-        <a:scrgbClr r="0" g="0" b="0"/>
-      </a:fillRef>
-      <a:effectRef idx="0">
-        <a:scrgbClr r="0" g="0" b="0"/>
-      </a:effectRef>
-      <a:fontRef idx="minor"/>
-    </dgm:style>
-  </dgm:styleLbl>
-  <dgm:styleLbl name="revTx">
-    <dgm:scene3d>
-      <a:camera prst="orthographicFront"/>
-      <a:lightRig rig="threePt" dir="t"/>
-    </dgm:scene3d>
-    <dgm:sp3d/>
-    <dgm:txPr/>
-    <dgm:style>
-      <a:lnRef idx="0">
-        <a:scrgbClr r="0" g="0" b="0"/>
-      </a:lnRef>
-      <a:fillRef idx="0">
-        <a:scrgbClr r="0" g="0" b="0"/>
-      </a:fillRef>
-      <a:effectRef idx="0">
-        <a:scrgbClr r="0" g="0" b="0"/>
-      </a:effectRef>
-      <a:fontRef idx="minor"/>
-    </dgm:style>
-  </dgm:styleLbl>
-</dgm:styleDef>
-</file>
-
 <file path=ppt/notesMasters/notesMaster1.xml><?xml version="1.0" encoding="utf-8"?>
 <p:notesMaster xmlns:a="http://schemas.openxmlformats.org/drawingml/2006/main" xmlns:r="http://schemas.openxmlformats.org/officeDocument/2006/relationships" xmlns:p="http://schemas.openxmlformats.org/presentationml/2006/main">
   <p:cSld>
@@ -2764,7 +214,7 @@
           <a:p>
             <a:fld id="{E1735079-FBF0-794D-A776-45E2985A4F23}" type="datetimeFigureOut">
               <a:rPr lang="en-US" smtClean="0"/>
-              <a:t>4/25/22</a:t>
+              <a:t>4/27/22</a:t>
             </a:fld>
             <a:endParaRPr lang="en-US"/>
           </a:p>
@@ -3031,96 +481,6 @@
 </p:notesMaster>
 </file>
 
-<file path=ppt/notesSlides/notesSlide1.xml><?xml version="1.0" encoding="utf-8"?>
-<p:notes xmlns:a="http://schemas.openxmlformats.org/drawingml/2006/main" xmlns:r="http://schemas.openxmlformats.org/officeDocument/2006/relationships" xmlns:p="http://schemas.openxmlformats.org/presentationml/2006/main">
-  <p:cSld>
-    <p:spTree>
-      <p:nvGrpSpPr>
-        <p:cNvPr id="1" name=""/>
-        <p:cNvGrpSpPr/>
-        <p:nvPr/>
-      </p:nvGrpSpPr>
-      <p:grpSpPr>
-        <a:xfrm>
-          <a:off x="0" y="0"/>
-          <a:ext cx="0" cy="0"/>
-          <a:chOff x="0" y="0"/>
-          <a:chExt cx="0" cy="0"/>
-        </a:xfrm>
-      </p:grpSpPr>
-      <p:sp>
-        <p:nvSpPr>
-          <p:cNvPr id="2" name="Slide Image Placeholder 1"/>
-          <p:cNvSpPr>
-            <a:spLocks noGrp="1" noRot="1" noChangeAspect="1"/>
-          </p:cNvSpPr>
-          <p:nvPr>
-            <p:ph type="sldImg"/>
-          </p:nvPr>
-        </p:nvSpPr>
-        <p:spPr/>
-      </p:sp>
-      <p:sp>
-        <p:nvSpPr>
-          <p:cNvPr id="3" name="Notes Placeholder 2"/>
-          <p:cNvSpPr>
-            <a:spLocks noGrp="1"/>
-          </p:cNvSpPr>
-          <p:nvPr>
-            <p:ph type="body" idx="1"/>
-          </p:nvPr>
-        </p:nvSpPr>
-        <p:spPr/>
-        <p:txBody>
-          <a:bodyPr/>
-          <a:lstStyle/>
-          <a:p>
-            <a:r>
-              <a:rPr lang="en-US" dirty="0"/>
-              <a:t>For example, 1s between monitor breached and alert sent</a:t>
-            </a:r>
-          </a:p>
-          <a:p>
-            <a:endParaRPr lang="en-US" dirty="0"/>
-          </a:p>
-        </p:txBody>
-      </p:sp>
-      <p:sp>
-        <p:nvSpPr>
-          <p:cNvPr id="4" name="Slide Number Placeholder 3"/>
-          <p:cNvSpPr>
-            <a:spLocks noGrp="1"/>
-          </p:cNvSpPr>
-          <p:nvPr>
-            <p:ph type="sldNum" sz="quarter" idx="5"/>
-          </p:nvPr>
-        </p:nvSpPr>
-        <p:spPr/>
-        <p:txBody>
-          <a:bodyPr/>
-          <a:lstStyle/>
-          <a:p>
-            <a:fld id="{B99D94D2-FD0B-1343-998D-BF548625F569}" type="slidenum">
-              <a:rPr lang="en-US" smtClean="0"/>
-              <a:t>4</a:t>
-            </a:fld>
-            <a:endParaRPr lang="en-US"/>
-          </a:p>
-        </p:txBody>
-      </p:sp>
-    </p:spTree>
-    <p:extLst>
-      <p:ext uri="{BB962C8B-B14F-4D97-AF65-F5344CB8AC3E}">
-        <p14:creationId xmlns:p14="http://schemas.microsoft.com/office/powerpoint/2010/main" val="1210015246"/>
-      </p:ext>
-    </p:extLst>
-  </p:cSld>
-  <p:clrMapOvr>
-    <a:masterClrMapping/>
-  </p:clrMapOvr>
-</p:notes>
-</file>
-
 <file path=ppt/slideLayouts/slideLayout1.xml><?xml version="1.0" encoding="utf-8"?>
 <p:sldLayout xmlns:a="http://schemas.openxmlformats.org/drawingml/2006/main" xmlns:r="http://schemas.openxmlformats.org/officeDocument/2006/relationships" xmlns:p="http://schemas.openxmlformats.org/presentationml/2006/main" showMasterSp="0" type="title" preserve="1">
   <p:cSld name="Title Slide">
@@ -3346,7 +706,7 @@
             <a:fld id="{5586B75A-687E-405C-8A0B-8D00578BA2C3}" type="datetimeFigureOut">
               <a:rPr lang="en-US" dirty="0"/>
               <a:pPr/>
-              <a:t>4/25/22</a:t>
+              <a:t>4/27/22</a:t>
             </a:fld>
             <a:endParaRPr lang="en-US" dirty="0"/>
           </a:p>
@@ -3513,7 +873,7 @@
             <a:fld id="{5586B75A-687E-405C-8A0B-8D00578BA2C3}" type="datetimeFigureOut">
               <a:rPr lang="en-US" dirty="0"/>
               <a:pPr/>
-              <a:t>4/25/22</a:t>
+              <a:t>4/27/22</a:t>
             </a:fld>
             <a:endParaRPr lang="en-US" dirty="0"/>
           </a:p>
@@ -3690,7 +1050,7 @@
             <a:fld id="{5586B75A-687E-405C-8A0B-8D00578BA2C3}" type="datetimeFigureOut">
               <a:rPr lang="en-US" dirty="0"/>
               <a:pPr/>
-              <a:t>4/25/22</a:t>
+              <a:t>4/27/22</a:t>
             </a:fld>
             <a:endParaRPr lang="en-US" dirty="0"/>
           </a:p>
@@ -3857,7 +1217,7 @@
             <a:fld id="{5586B75A-687E-405C-8A0B-8D00578BA2C3}" type="datetimeFigureOut">
               <a:rPr lang="en-US" dirty="0"/>
               <a:pPr/>
-              <a:t>4/25/22</a:t>
+              <a:t>4/27/22</a:t>
             </a:fld>
             <a:endParaRPr lang="en-US" dirty="0"/>
           </a:p>
@@ -4112,7 +1472,7 @@
             <a:fld id="{5586B75A-687E-405C-8A0B-8D00578BA2C3}" type="datetimeFigureOut">
               <a:rPr lang="en-US" dirty="0"/>
               <a:pPr/>
-              <a:t>4/25/22</a:t>
+              <a:t>4/27/22</a:t>
             </a:fld>
             <a:endParaRPr lang="en-US" dirty="0"/>
           </a:p>
@@ -4397,7 +1757,7 @@
             <a:fld id="{5586B75A-687E-405C-8A0B-8D00578BA2C3}" type="datetimeFigureOut">
               <a:rPr lang="en-US" dirty="0"/>
               <a:pPr/>
-              <a:t>4/25/22</a:t>
+              <a:t>4/27/22</a:t>
             </a:fld>
             <a:endParaRPr lang="en-US" dirty="0"/>
           </a:p>
@@ -4836,7 +2196,7 @@
             <a:fld id="{5586B75A-687E-405C-8A0B-8D00578BA2C3}" type="datetimeFigureOut">
               <a:rPr lang="en-US" dirty="0"/>
               <a:pPr/>
-              <a:t>4/25/22</a:t>
+              <a:t>4/27/22</a:t>
             </a:fld>
             <a:endParaRPr lang="en-US" dirty="0"/>
           </a:p>
@@ -4951,7 +2311,7 @@
             <a:fld id="{5586B75A-687E-405C-8A0B-8D00578BA2C3}" type="datetimeFigureOut">
               <a:rPr lang="en-US" dirty="0"/>
               <a:pPr/>
-              <a:t>4/25/22</a:t>
+              <a:t>4/27/22</a:t>
             </a:fld>
             <a:endParaRPr lang="en-US" dirty="0"/>
           </a:p>
@@ -5043,7 +2403,7 @@
             <a:fld id="{5586B75A-687E-405C-8A0B-8D00578BA2C3}" type="datetimeFigureOut">
               <a:rPr lang="en-US" dirty="0"/>
               <a:pPr/>
-              <a:t>4/25/22</a:t>
+              <a:t>4/27/22</a:t>
             </a:fld>
             <a:endParaRPr lang="en-US" dirty="0"/>
           </a:p>
@@ -5328,7 +2688,7 @@
             <a:fld id="{5586B75A-687E-405C-8A0B-8D00578BA2C3}" type="datetimeFigureOut">
               <a:rPr lang="en-US" dirty="0"/>
               <a:pPr/>
-              <a:t>4/25/22</a:t>
+              <a:t>4/27/22</a:t>
             </a:fld>
             <a:endParaRPr lang="en-US" dirty="0"/>
           </a:p>
@@ -5598,7 +2958,7 @@
             <a:fld id="{5586B75A-687E-405C-8A0B-8D00578BA2C3}" type="datetimeFigureOut">
               <a:rPr lang="en-US" dirty="0"/>
               <a:pPr/>
-              <a:t>4/25/22</a:t>
+              <a:t>4/27/22</a:t>
             </a:fld>
             <a:endParaRPr lang="en-US" dirty="0"/>
           </a:p>
@@ -5892,7 +3252,7 @@
             <a:fld id="{5586B75A-687E-405C-8A0B-8D00578BA2C3}" type="datetimeFigureOut">
               <a:rPr lang="en-US" dirty="0"/>
               <a:pPr/>
-              <a:t>4/25/22</a:t>
+              <a:t>4/27/22</a:t>
             </a:fld>
             <a:endParaRPr lang="en-US" dirty="0"/>
           </a:p>
@@ -6787,78 +4147,46 @@
           <a:p>
             <a:r>
               <a:rPr lang="en-US" dirty="0"/>
-              <a:t>Introduction to </a:t>
-            </a:r>
-            <a:r>
-              <a:rPr lang="en-US" dirty="0" err="1"/>
-              <a:t>Hazelcast</a:t>
-            </a:r>
-            <a:r>
-              <a:rPr lang="en-US" dirty="0"/>
-              <a:t> Stream Processing</a:t>
-            </a:r>
-          </a:p>
-        </p:txBody>
-      </p:sp>
-      <p:sp>
-        <p:nvSpPr>
-          <p:cNvPr id="3" name="Content Placeholder 2">
+              <a:t>Technology Overview</a:t>
+            </a:r>
+          </a:p>
+        </p:txBody>
+      </p:sp>
+      <p:pic>
+        <p:nvPicPr>
+          <p:cNvPr id="4" name="Content Placeholder 3" descr="Graphical user interface, application, Teams&#10;&#10;Description automatically generated">
             <a:extLst>
               <a:ext uri="{FF2B5EF4-FFF2-40B4-BE49-F238E27FC236}">
-                <a16:creationId xmlns:a16="http://schemas.microsoft.com/office/drawing/2014/main" id="{ADA7762B-4ED1-9604-C633-06D9081CA75C}"/>
+                <a16:creationId xmlns:a16="http://schemas.microsoft.com/office/drawing/2014/main" id="{EE690FE6-12C1-73B9-A1B8-DDCDEF05ED40}"/>
               </a:ext>
             </a:extLst>
           </p:cNvPr>
-          <p:cNvSpPr>
-            <a:spLocks noGrp="1"/>
-          </p:cNvSpPr>
+          <p:cNvPicPr>
+            <a:picLocks noGrp="1" noChangeAspect="1"/>
+          </p:cNvPicPr>
           <p:nvPr>
             <p:ph idx="1"/>
           </p:nvPr>
-        </p:nvSpPr>
-        <p:spPr/>
-        <p:txBody>
-          <a:bodyPr/>
-          <a:lstStyle/>
-          <a:p>
-            <a:r>
-              <a:rPr lang="en-US" dirty="0"/>
-              <a:t>The foundation – time tested IMDG distributed data structures</a:t>
-            </a:r>
-          </a:p>
-          <a:p>
-            <a:r>
-              <a:rPr lang="en-US" dirty="0"/>
-              <a:t>The programming model</a:t>
-            </a:r>
-          </a:p>
-          <a:p>
-            <a:r>
-              <a:rPr lang="en-US" dirty="0"/>
-              <a:t>How pipelines are executed on the cluster</a:t>
-            </a:r>
-          </a:p>
-          <a:p>
-            <a:r>
-              <a:rPr lang="en-US" dirty="0"/>
-              <a:t>Operational features</a:t>
-            </a:r>
-          </a:p>
-          <a:p>
-            <a:pPr lvl="1"/>
-            <a:r>
-              <a:rPr lang="en-US" dirty="0"/>
-              <a:t>Checkpointing and restart</a:t>
-            </a:r>
-          </a:p>
-        </p:txBody>
-      </p:sp>
-      <p:sp>
-        <p:nvSpPr>
-          <p:cNvPr id="4" name="Text Placeholder 3">
+        </p:nvPicPr>
+        <p:blipFill>
+          <a:blip r:embed="rId2"/>
+          <a:stretch>
+            <a:fillRect/>
+          </a:stretch>
+        </p:blipFill>
+        <p:spPr>
+          <a:xfrm>
+            <a:off x="3891689" y="868363"/>
+            <a:ext cx="7266121" cy="5121275"/>
+          </a:xfrm>
+        </p:spPr>
+      </p:pic>
+      <p:sp>
+        <p:nvSpPr>
+          <p:cNvPr id="8" name="Text Placeholder 7">
             <a:extLst>
               <a:ext uri="{FF2B5EF4-FFF2-40B4-BE49-F238E27FC236}">
-                <a16:creationId xmlns:a16="http://schemas.microsoft.com/office/drawing/2014/main" id="{2C1210E6-748F-3EAA-B28D-A5BDADED8FD8}"/>
+                <a16:creationId xmlns:a16="http://schemas.microsoft.com/office/drawing/2014/main" id="{0582E663-FB2A-EAD7-E12B-A6F8573AD68D}"/>
               </a:ext>
             </a:extLst>
           </p:cNvPr>
@@ -6874,6 +4202,58 @@
           <a:bodyPr/>
           <a:lstStyle/>
           <a:p>
+            <a:endParaRPr lang="en-US" dirty="0"/>
+          </a:p>
+          <a:p>
+            <a:pPr>
+              <a:buClr>
+                <a:schemeClr val="bg1"/>
+              </a:buClr>
+            </a:pPr>
+            <a:r>
+              <a:rPr lang="en-US" dirty="0"/>
+              <a:t>A short demo in which we …</a:t>
+            </a:r>
+          </a:p>
+          <a:p>
+            <a:pPr marL="285750" indent="-285750">
+              <a:buClr>
+                <a:schemeClr val="bg1"/>
+              </a:buClr>
+              <a:buFont typeface="Arial" panose="020B0604020202020204" pitchFamily="34" charset="0"/>
+              <a:buChar char="•"/>
+            </a:pPr>
+            <a:r>
+              <a:rPr lang="en-US" dirty="0"/>
+              <a:t>Have a first look at the UI</a:t>
+            </a:r>
+          </a:p>
+          <a:p>
+            <a:pPr marL="285750" indent="-285750">
+              <a:buClr>
+                <a:schemeClr val="bg1"/>
+              </a:buClr>
+              <a:buFont typeface="Arial" panose="020B0604020202020204" pitchFamily="34" charset="0"/>
+              <a:buChar char="•"/>
+            </a:pPr>
+            <a:r>
+              <a:rPr lang="en-US" dirty="0"/>
+              <a:t>Learn about distributed data structures in </a:t>
+            </a:r>
+            <a:r>
+              <a:rPr lang="en-US" dirty="0" err="1"/>
+              <a:t>Hazelcast</a:t>
+            </a:r>
+            <a:endParaRPr lang="en-US" dirty="0"/>
+          </a:p>
+          <a:p>
+            <a:pPr marL="285750" indent="-285750">
+              <a:buClr>
+                <a:schemeClr val="bg1"/>
+              </a:buClr>
+              <a:buFont typeface="Arial" panose="020B0604020202020204" pitchFamily="34" charset="0"/>
+              <a:buChar char="•"/>
+            </a:pPr>
             <a:endParaRPr lang="en-US" dirty="0"/>
           </a:p>
         </p:txBody>
@@ -6931,7 +4311,7 @@
           <a:p>
             <a:r>
               <a:rPr lang="en-US" dirty="0"/>
-              <a:t>Solution Overview</a:t>
+              <a:t>Technology Overview</a:t>
             </a:r>
           </a:p>
         </p:txBody>
@@ -6957,7 +4337,46 @@
           <a:bodyPr/>
           <a:lstStyle/>
           <a:p>
-            <a:endParaRPr lang="en-US"/>
+            <a:pPr marL="0" indent="0">
+              <a:buNone/>
+            </a:pPr>
+            <a:r>
+              <a:rPr lang="en-US" dirty="0"/>
+              <a:t>We’ll start with the following simple scenario</a:t>
+            </a:r>
+          </a:p>
+          <a:p>
+            <a:pPr marL="0" indent="0">
+              <a:buNone/>
+            </a:pPr>
+            <a:endParaRPr lang="en-US" dirty="0"/>
+          </a:p>
+          <a:p>
+            <a:pPr marL="0" indent="0">
+              <a:buNone/>
+            </a:pPr>
+            <a:r>
+              <a:rPr lang="en-US" dirty="0"/>
+              <a:t>Each machine sends a a set of metrics every second, including bit temperature.  We want to do the following:</a:t>
+            </a:r>
+          </a:p>
+          <a:p>
+            <a:r>
+              <a:rPr lang="en-US" dirty="0"/>
+              <a:t>For machines from a particular manufacturer</a:t>
+            </a:r>
+          </a:p>
+          <a:p>
+            <a:r>
+              <a:rPr lang="en-US" dirty="0"/>
+              <a:t>Every 20 seconds, compute the average temperature over the past 20 second window.</a:t>
+            </a:r>
+          </a:p>
+          <a:p>
+            <a:r>
+              <a:rPr lang="en-US" dirty="0"/>
+              <a:t>If this average exceeds the allowable limit for that manufacturer, raise an alarm.</a:t>
+            </a:r>
           </a:p>
         </p:txBody>
       </p:sp>
@@ -6982,7 +4401,18 @@
           <a:bodyPr/>
           <a:lstStyle/>
           <a:p>
-            <a:endParaRPr lang="en-US"/>
+            <a:r>
+              <a:rPr lang="en-US" dirty="0"/>
+              <a:t>How </a:t>
+            </a:r>
+            <a:r>
+              <a:rPr lang="en-US" dirty="0" err="1"/>
+              <a:t>Hazelcast</a:t>
+            </a:r>
+            <a:r>
+              <a:rPr lang="en-US" dirty="0"/>
+              <a:t> does event processing</a:t>
+            </a:r>
           </a:p>
         </p:txBody>
       </p:sp>
@@ -7021,7 +4451,7 @@
           <p:cNvPr id="2" name="Title 1">
             <a:extLst>
               <a:ext uri="{FF2B5EF4-FFF2-40B4-BE49-F238E27FC236}">
-                <a16:creationId xmlns:a16="http://schemas.microsoft.com/office/drawing/2014/main" id="{99B0279A-7DB0-C779-5F5F-EAE2CDAA5F50}"/>
+                <a16:creationId xmlns:a16="http://schemas.microsoft.com/office/drawing/2014/main" id="{01688AB2-3F64-C3BE-9A63-BEA799252BDF}"/>
               </a:ext>
             </a:extLst>
           </p:cNvPr>
@@ -7039,7 +4469,7 @@
           <a:p>
             <a:r>
               <a:rPr lang="en-US" dirty="0"/>
-              <a:t>Demo</a:t>
+              <a:t>Technology Overview</a:t>
             </a:r>
           </a:p>
         </p:txBody>
@@ -7049,7 +4479,7 @@
           <p:cNvPr id="3" name="Content Placeholder 2">
             <a:extLst>
               <a:ext uri="{FF2B5EF4-FFF2-40B4-BE49-F238E27FC236}">
-                <a16:creationId xmlns:a16="http://schemas.microsoft.com/office/drawing/2014/main" id="{4E597391-5173-0FD5-A1D9-DC7BD96E9DAC}"/>
+                <a16:creationId xmlns:a16="http://schemas.microsoft.com/office/drawing/2014/main" id="{6FCC3013-6F90-762B-6D94-D7D6E61F0800}"/>
               </a:ext>
             </a:extLst>
           </p:cNvPr>
@@ -7062,9 +4492,7 @@
         </p:nvSpPr>
         <p:spPr/>
         <p:txBody>
-          <a:bodyPr>
-            <a:normAutofit lnSpcReduction="10000"/>
-          </a:bodyPr>
+          <a:bodyPr/>
           <a:lstStyle/>
           <a:p>
             <a:pPr marL="0" indent="0">
@@ -7072,7 +4500,7 @@
             </a:pPr>
             <a:r>
               <a:rPr lang="en-US" dirty="0"/>
-              <a:t>The scenario</a:t>
+              <a:t>We’ll start with the following simple scenario</a:t>
             </a:r>
           </a:p>
           <a:p>
@@ -7087,35 +4515,25 @@
             </a:pPr>
             <a:r>
               <a:rPr lang="en-US" dirty="0"/>
-              <a:t>The factory contains a large number of CNC cutting machines.  Each machine can report fine-grained data including cutter temperature and also current x, z and z position of the cutter.  We want to implement the following policies:</a:t>
-            </a:r>
-          </a:p>
-          <a:p>
-            <a:r>
-              <a:rPr lang="en-US" dirty="0"/>
-              <a:t>If the cutter temperature reaches a certain threshold, and assuming there are no movement anomalies, send a signal to reduce spindle-speed and feed rate. If the situation does not improve within 1 minute, shut off the machine and raise an alert.</a:t>
-            </a:r>
-          </a:p>
-          <a:p>
-            <a:r>
-              <a:rPr lang="en-US" dirty="0"/>
-              <a:t>Rapid changes velocity in the </a:t>
-            </a:r>
-            <a:r>
-              <a:rPr lang="en-US" dirty="0" err="1"/>
-              <a:t>xy</a:t>
-            </a:r>
-            <a:r>
-              <a:rPr lang="en-US" dirty="0"/>
-              <a:t> plane can indicate that the machine has been jarred or a bit has broken.   The velocity can be calculated from a recent history of </a:t>
-            </a:r>
-            <a:r>
-              <a:rPr lang="en-US" dirty="0" err="1"/>
-              <a:t>xy</a:t>
-            </a:r>
-            <a:r>
-              <a:rPr lang="en-US" dirty="0"/>
-              <a:t> positions.  This condition should be “turned off” when the z position of the bit indicates that it is above the material thickness for this job.  Once the z-position is below the material thickness (i.e. the tool is cutting) then this monitor should become active.</a:t>
+              <a:t>Each machine sends a a set of metrics every second, including bit temperature.  We want to do the following:</a:t>
+            </a:r>
+          </a:p>
+          <a:p>
+            <a:r>
+              <a:rPr lang="en-US" dirty="0"/>
+              <a:t>For machines from a particular manufacturer</a:t>
+            </a:r>
+          </a:p>
+          <a:p>
+            <a:r>
+              <a:rPr lang="en-US" dirty="0"/>
+              <a:t>Every 20 seconds, compute the average temperature over the past 20 second window.</a:t>
+            </a:r>
+          </a:p>
+          <a:p>
+            <a:r>
+              <a:rPr lang="en-US" dirty="0"/>
+              <a:t>If this average exceeds the allowable limit for that manufacturer, raise an alarm.</a:t>
             </a:r>
           </a:p>
         </p:txBody>
@@ -7125,7 +4543,7 @@
           <p:cNvPr id="4" name="Text Placeholder 3">
             <a:extLst>
               <a:ext uri="{FF2B5EF4-FFF2-40B4-BE49-F238E27FC236}">
-                <a16:creationId xmlns:a16="http://schemas.microsoft.com/office/drawing/2014/main" id="{2C619459-A559-B7CE-2AC7-A30C4FBF0585}"/>
+                <a16:creationId xmlns:a16="http://schemas.microsoft.com/office/drawing/2014/main" id="{FE4F5294-58E6-37A7-14B7-A1FA3E422E82}"/>
               </a:ext>
             </a:extLst>
           </p:cNvPr>
@@ -7141,14 +4559,25 @@
           <a:bodyPr/>
           <a:lstStyle/>
           <a:p>
-            <a:endParaRPr lang="en-US"/>
+            <a:r>
+              <a:rPr lang="en-US" dirty="0"/>
+              <a:t>How </a:t>
+            </a:r>
+            <a:r>
+              <a:rPr lang="en-US" dirty="0" err="1"/>
+              <a:t>Hazelcast</a:t>
+            </a:r>
+            <a:r>
+              <a:rPr lang="en-US" dirty="0"/>
+              <a:t> does event processing</a:t>
+            </a:r>
           </a:p>
         </p:txBody>
       </p:sp>
     </p:spTree>
     <p:extLst>
       <p:ext uri="{BB962C8B-B14F-4D97-AF65-F5344CB8AC3E}">
-        <p14:creationId xmlns:p14="http://schemas.microsoft.com/office/powerpoint/2010/main" val="1784692249"/>
+        <p14:creationId xmlns:p14="http://schemas.microsoft.com/office/powerpoint/2010/main" val="3576884567"/>
       </p:ext>
     </p:extLst>
   </p:cSld>
@@ -7180,6 +4609,637 @@
           <p:cNvPr id="2" name="Title 1">
             <a:extLst>
               <a:ext uri="{FF2B5EF4-FFF2-40B4-BE49-F238E27FC236}">
+                <a16:creationId xmlns:a16="http://schemas.microsoft.com/office/drawing/2014/main" id="{01688AB2-3F64-C3BE-9A63-BEA799252BDF}"/>
+              </a:ext>
+            </a:extLst>
+          </p:cNvPr>
+          <p:cNvSpPr>
+            <a:spLocks noGrp="1"/>
+          </p:cNvSpPr>
+          <p:nvPr>
+            <p:ph type="title"/>
+          </p:nvPr>
+        </p:nvSpPr>
+        <p:spPr/>
+        <p:txBody>
+          <a:bodyPr/>
+          <a:lstStyle/>
+          <a:p>
+            <a:r>
+              <a:rPr lang="en-US" dirty="0"/>
+              <a:t>Technology Overview</a:t>
+            </a:r>
+          </a:p>
+        </p:txBody>
+      </p:sp>
+      <p:sp>
+        <p:nvSpPr>
+          <p:cNvPr id="3" name="Content Placeholder 2">
+            <a:extLst>
+              <a:ext uri="{FF2B5EF4-FFF2-40B4-BE49-F238E27FC236}">
+                <a16:creationId xmlns:a16="http://schemas.microsoft.com/office/drawing/2014/main" id="{6FCC3013-6F90-762B-6D94-D7D6E61F0800}"/>
+              </a:ext>
+            </a:extLst>
+          </p:cNvPr>
+          <p:cNvSpPr>
+            <a:spLocks noGrp="1"/>
+          </p:cNvSpPr>
+          <p:nvPr>
+            <p:ph idx="1"/>
+          </p:nvPr>
+        </p:nvSpPr>
+        <p:spPr>
+          <a:xfrm>
+            <a:off x="3867912" y="3429000"/>
+            <a:ext cx="7315200" cy="2560319"/>
+          </a:xfrm>
+        </p:spPr>
+        <p:txBody>
+          <a:bodyPr/>
+          <a:lstStyle/>
+          <a:p>
+            <a:pPr marL="0" indent="0">
+              <a:buNone/>
+            </a:pPr>
+            <a:endParaRPr lang="en-US" dirty="0"/>
+          </a:p>
+          <a:p>
+            <a:pPr marL="0" indent="0">
+              <a:buNone/>
+            </a:pPr>
+            <a:r>
+              <a:rPr lang="en-US" sz="1600" dirty="0"/>
+              <a:t>The job can be understood as a series of simple steps.  This is the idea of event processing, but there are significant issues around implementing at scale.  For now, notice the following:</a:t>
+            </a:r>
+          </a:p>
+          <a:p>
+            <a:r>
+              <a:rPr lang="en-US" sz="1600" dirty="0"/>
+              <a:t>Each simple step is a </a:t>
+            </a:r>
+            <a:r>
+              <a:rPr lang="en-US" sz="1600" b="1" dirty="0"/>
+              <a:t>node</a:t>
+            </a:r>
+            <a:r>
+              <a:rPr lang="en-US" sz="1600" dirty="0"/>
+              <a:t>.  Nodes can filter, aggregate and do many other things.</a:t>
+            </a:r>
+          </a:p>
+          <a:p>
+            <a:r>
+              <a:rPr lang="en-US" sz="1600" dirty="0"/>
+              <a:t>Events flow along </a:t>
+            </a:r>
+            <a:r>
+              <a:rPr lang="en-US" sz="1600" b="1" dirty="0"/>
+              <a:t>vertices</a:t>
+            </a:r>
+            <a:r>
+              <a:rPr lang="en-US" sz="1600" dirty="0"/>
+              <a:t>.  The events coming out of a node may be of a different number and type from the events going in.</a:t>
+            </a:r>
+          </a:p>
+          <a:p>
+            <a:r>
+              <a:rPr lang="en-US" sz="1600" dirty="0"/>
+              <a:t>Designating a </a:t>
+            </a:r>
+            <a:r>
+              <a:rPr lang="en-US" sz="1600" b="1" dirty="0"/>
+              <a:t>key</a:t>
+            </a:r>
+            <a:r>
+              <a:rPr lang="en-US" sz="1600" dirty="0"/>
+              <a:t> provides information about how a job can be parallelized.</a:t>
+            </a:r>
+          </a:p>
+        </p:txBody>
+      </p:sp>
+      <p:sp>
+        <p:nvSpPr>
+          <p:cNvPr id="4" name="Text Placeholder 3">
+            <a:extLst>
+              <a:ext uri="{FF2B5EF4-FFF2-40B4-BE49-F238E27FC236}">
+                <a16:creationId xmlns:a16="http://schemas.microsoft.com/office/drawing/2014/main" id="{FE4F5294-58E6-37A7-14B7-A1FA3E422E82}"/>
+              </a:ext>
+            </a:extLst>
+          </p:cNvPr>
+          <p:cNvSpPr>
+            <a:spLocks noGrp="1"/>
+          </p:cNvSpPr>
+          <p:nvPr>
+            <p:ph type="body" sz="half" idx="2"/>
+          </p:nvPr>
+        </p:nvSpPr>
+        <p:spPr/>
+        <p:txBody>
+          <a:bodyPr/>
+          <a:lstStyle/>
+          <a:p>
+            <a:r>
+              <a:rPr lang="en-US" dirty="0"/>
+              <a:t>How </a:t>
+            </a:r>
+            <a:r>
+              <a:rPr lang="en-US" dirty="0" err="1"/>
+              <a:t>Hazelcast</a:t>
+            </a:r>
+            <a:r>
+              <a:rPr lang="en-US" dirty="0"/>
+              <a:t> does event processing</a:t>
+            </a:r>
+          </a:p>
+        </p:txBody>
+      </p:sp>
+      <p:pic>
+        <p:nvPicPr>
+          <p:cNvPr id="7" name="Picture 6" descr="Graphical user interface&#10;&#10;Description automatically generated with medium confidence">
+            <a:extLst>
+              <a:ext uri="{FF2B5EF4-FFF2-40B4-BE49-F238E27FC236}">
+                <a16:creationId xmlns:a16="http://schemas.microsoft.com/office/drawing/2014/main" id="{961AECD6-DD6E-F606-605C-B8577218773E}"/>
+              </a:ext>
+            </a:extLst>
+          </p:cNvPr>
+          <p:cNvPicPr>
+            <a:picLocks noChangeAspect="1"/>
+          </p:cNvPicPr>
+          <p:nvPr/>
+        </p:nvPicPr>
+        <p:blipFill>
+          <a:blip r:embed="rId2"/>
+          <a:stretch>
+            <a:fillRect/>
+          </a:stretch>
+        </p:blipFill>
+        <p:spPr>
+          <a:xfrm>
+            <a:off x="3341278" y="699143"/>
+            <a:ext cx="8723527" cy="3218230"/>
+          </a:xfrm>
+          <a:prstGeom prst="rect">
+            <a:avLst/>
+          </a:prstGeom>
+        </p:spPr>
+      </p:pic>
+    </p:spTree>
+    <p:extLst>
+      <p:ext uri="{BB962C8B-B14F-4D97-AF65-F5344CB8AC3E}">
+        <p14:creationId xmlns:p14="http://schemas.microsoft.com/office/powerpoint/2010/main" val="3819906245"/>
+      </p:ext>
+    </p:extLst>
+  </p:cSld>
+  <p:clrMapOvr>
+    <a:masterClrMapping/>
+  </p:clrMapOvr>
+</p:sld>
+</file>
+
+<file path=ppt/slides/slide14.xml><?xml version="1.0" encoding="utf-8"?>
+<p:sld xmlns:a="http://schemas.openxmlformats.org/drawingml/2006/main" xmlns:r="http://schemas.openxmlformats.org/officeDocument/2006/relationships" xmlns:p="http://schemas.openxmlformats.org/presentationml/2006/main">
+  <p:cSld>
+    <p:spTree>
+      <p:nvGrpSpPr>
+        <p:cNvPr id="1" name=""/>
+        <p:cNvGrpSpPr/>
+        <p:nvPr/>
+      </p:nvGrpSpPr>
+      <p:grpSpPr>
+        <a:xfrm>
+          <a:off x="0" y="0"/>
+          <a:ext cx="0" cy="0"/>
+          <a:chOff x="0" y="0"/>
+          <a:chExt cx="0" cy="0"/>
+        </a:xfrm>
+      </p:grpSpPr>
+      <p:sp>
+        <p:nvSpPr>
+          <p:cNvPr id="2" name="Title 1">
+            <a:extLst>
+              <a:ext uri="{FF2B5EF4-FFF2-40B4-BE49-F238E27FC236}">
+                <a16:creationId xmlns:a16="http://schemas.microsoft.com/office/drawing/2014/main" id="{01688AB2-3F64-C3BE-9A63-BEA799252BDF}"/>
+              </a:ext>
+            </a:extLst>
+          </p:cNvPr>
+          <p:cNvSpPr>
+            <a:spLocks noGrp="1"/>
+          </p:cNvSpPr>
+          <p:nvPr>
+            <p:ph type="title"/>
+          </p:nvPr>
+        </p:nvSpPr>
+        <p:spPr/>
+        <p:txBody>
+          <a:bodyPr/>
+          <a:lstStyle/>
+          <a:p>
+            <a:r>
+              <a:rPr lang="en-US" dirty="0"/>
+              <a:t>Technology Overview</a:t>
+            </a:r>
+          </a:p>
+        </p:txBody>
+      </p:sp>
+      <p:sp>
+        <p:nvSpPr>
+          <p:cNvPr id="3" name="Content Placeholder 2">
+            <a:extLst>
+              <a:ext uri="{FF2B5EF4-FFF2-40B4-BE49-F238E27FC236}">
+                <a16:creationId xmlns:a16="http://schemas.microsoft.com/office/drawing/2014/main" id="{6FCC3013-6F90-762B-6D94-D7D6E61F0800}"/>
+              </a:ext>
+            </a:extLst>
+          </p:cNvPr>
+          <p:cNvSpPr>
+            <a:spLocks noGrp="1"/>
+          </p:cNvSpPr>
+          <p:nvPr>
+            <p:ph idx="1"/>
+          </p:nvPr>
+        </p:nvSpPr>
+        <p:spPr>
+          <a:xfrm>
+            <a:off x="3867912" y="3429000"/>
+            <a:ext cx="7315200" cy="2560319"/>
+          </a:xfrm>
+        </p:spPr>
+        <p:txBody>
+          <a:bodyPr/>
+          <a:lstStyle/>
+          <a:p>
+            <a:pPr marL="0" indent="0">
+              <a:buNone/>
+            </a:pPr>
+            <a:endParaRPr lang="en-US" dirty="0"/>
+          </a:p>
+          <a:p>
+            <a:pPr marL="0" indent="0">
+              <a:buNone/>
+            </a:pPr>
+            <a:r>
+              <a:rPr lang="en-US" sz="1600" dirty="0"/>
+              <a:t>Here, describe how the tasks are farmed out to nodes</a:t>
+            </a:r>
+          </a:p>
+          <a:p>
+            <a:pPr marL="0" indent="0">
+              <a:buNone/>
+            </a:pPr>
+            <a:r>
+              <a:rPr lang="en-US" sz="1600" dirty="0"/>
+              <a:t>See Hz resources on this</a:t>
+            </a:r>
+          </a:p>
+        </p:txBody>
+      </p:sp>
+      <p:sp>
+        <p:nvSpPr>
+          <p:cNvPr id="4" name="Text Placeholder 3">
+            <a:extLst>
+              <a:ext uri="{FF2B5EF4-FFF2-40B4-BE49-F238E27FC236}">
+                <a16:creationId xmlns:a16="http://schemas.microsoft.com/office/drawing/2014/main" id="{FE4F5294-58E6-37A7-14B7-A1FA3E422E82}"/>
+              </a:ext>
+            </a:extLst>
+          </p:cNvPr>
+          <p:cNvSpPr>
+            <a:spLocks noGrp="1"/>
+          </p:cNvSpPr>
+          <p:nvPr>
+            <p:ph type="body" sz="half" idx="2"/>
+          </p:nvPr>
+        </p:nvSpPr>
+        <p:spPr/>
+        <p:txBody>
+          <a:bodyPr/>
+          <a:lstStyle/>
+          <a:p>
+            <a:r>
+              <a:rPr lang="en-US" dirty="0"/>
+              <a:t>How </a:t>
+            </a:r>
+            <a:r>
+              <a:rPr lang="en-US" dirty="0" err="1"/>
+              <a:t>Hazelcast</a:t>
+            </a:r>
+            <a:r>
+              <a:rPr lang="en-US" dirty="0"/>
+              <a:t> does event processing</a:t>
+            </a:r>
+          </a:p>
+        </p:txBody>
+      </p:sp>
+    </p:spTree>
+    <p:extLst>
+      <p:ext uri="{BB962C8B-B14F-4D97-AF65-F5344CB8AC3E}">
+        <p14:creationId xmlns:p14="http://schemas.microsoft.com/office/powerpoint/2010/main" val="3990250551"/>
+      </p:ext>
+    </p:extLst>
+  </p:cSld>
+  <p:clrMapOvr>
+    <a:masterClrMapping/>
+  </p:clrMapOvr>
+</p:sld>
+</file>
+
+<file path=ppt/slides/slide15.xml><?xml version="1.0" encoding="utf-8"?>
+<p:sld xmlns:a="http://schemas.openxmlformats.org/drawingml/2006/main" xmlns:r="http://schemas.openxmlformats.org/officeDocument/2006/relationships" xmlns:p="http://schemas.openxmlformats.org/presentationml/2006/main">
+  <p:cSld>
+    <p:spTree>
+      <p:nvGrpSpPr>
+        <p:cNvPr id="1" name=""/>
+        <p:cNvGrpSpPr/>
+        <p:nvPr/>
+      </p:nvGrpSpPr>
+      <p:grpSpPr>
+        <a:xfrm>
+          <a:off x="0" y="0"/>
+          <a:ext cx="0" cy="0"/>
+          <a:chOff x="0" y="0"/>
+          <a:chExt cx="0" cy="0"/>
+        </a:xfrm>
+      </p:grpSpPr>
+      <p:sp>
+        <p:nvSpPr>
+          <p:cNvPr id="2" name="Title 1">
+            <a:extLst>
+              <a:ext uri="{FF2B5EF4-FFF2-40B4-BE49-F238E27FC236}">
+                <a16:creationId xmlns:a16="http://schemas.microsoft.com/office/drawing/2014/main" id="{01688AB2-3F64-C3BE-9A63-BEA799252BDF}"/>
+              </a:ext>
+            </a:extLst>
+          </p:cNvPr>
+          <p:cNvSpPr>
+            <a:spLocks noGrp="1"/>
+          </p:cNvSpPr>
+          <p:nvPr>
+            <p:ph type="title"/>
+          </p:nvPr>
+        </p:nvSpPr>
+        <p:spPr/>
+        <p:txBody>
+          <a:bodyPr/>
+          <a:lstStyle/>
+          <a:p>
+            <a:r>
+              <a:rPr lang="en-US" dirty="0"/>
+              <a:t>Technology Overview</a:t>
+            </a:r>
+          </a:p>
+        </p:txBody>
+      </p:sp>
+      <p:sp>
+        <p:nvSpPr>
+          <p:cNvPr id="3" name="Content Placeholder 2">
+            <a:extLst>
+              <a:ext uri="{FF2B5EF4-FFF2-40B4-BE49-F238E27FC236}">
+                <a16:creationId xmlns:a16="http://schemas.microsoft.com/office/drawing/2014/main" id="{6FCC3013-6F90-762B-6D94-D7D6E61F0800}"/>
+              </a:ext>
+            </a:extLst>
+          </p:cNvPr>
+          <p:cNvSpPr>
+            <a:spLocks noGrp="1"/>
+          </p:cNvSpPr>
+          <p:nvPr>
+            <p:ph idx="1"/>
+          </p:nvPr>
+        </p:nvSpPr>
+        <p:spPr>
+          <a:xfrm>
+            <a:off x="3867912" y="3429000"/>
+            <a:ext cx="7315200" cy="2560319"/>
+          </a:xfrm>
+        </p:spPr>
+        <p:txBody>
+          <a:bodyPr/>
+          <a:lstStyle/>
+          <a:p>
+            <a:pPr marL="0" indent="0">
+              <a:buNone/>
+            </a:pPr>
+            <a:endParaRPr lang="en-US" dirty="0"/>
+          </a:p>
+        </p:txBody>
+      </p:sp>
+      <p:sp>
+        <p:nvSpPr>
+          <p:cNvPr id="4" name="Text Placeholder 3">
+            <a:extLst>
+              <a:ext uri="{FF2B5EF4-FFF2-40B4-BE49-F238E27FC236}">
+                <a16:creationId xmlns:a16="http://schemas.microsoft.com/office/drawing/2014/main" id="{FE4F5294-58E6-37A7-14B7-A1FA3E422E82}"/>
+              </a:ext>
+            </a:extLst>
+          </p:cNvPr>
+          <p:cNvSpPr>
+            <a:spLocks noGrp="1"/>
+          </p:cNvSpPr>
+          <p:nvPr>
+            <p:ph type="body" sz="half" idx="2"/>
+          </p:nvPr>
+        </p:nvSpPr>
+        <p:spPr/>
+        <p:txBody>
+          <a:bodyPr/>
+          <a:lstStyle/>
+          <a:p>
+            <a:r>
+              <a:rPr lang="en-US" dirty="0"/>
+              <a:t>The Hz event processing UI</a:t>
+            </a:r>
+          </a:p>
+        </p:txBody>
+      </p:sp>
+    </p:spTree>
+    <p:extLst>
+      <p:ext uri="{BB962C8B-B14F-4D97-AF65-F5344CB8AC3E}">
+        <p14:creationId xmlns:p14="http://schemas.microsoft.com/office/powerpoint/2010/main" val="3582975789"/>
+      </p:ext>
+    </p:extLst>
+  </p:cSld>
+  <p:clrMapOvr>
+    <a:masterClrMapping/>
+  </p:clrMapOvr>
+</p:sld>
+</file>
+
+<file path=ppt/slides/slide16.xml><?xml version="1.0" encoding="utf-8"?>
+<p:sld xmlns:a="http://schemas.openxmlformats.org/drawingml/2006/main" xmlns:r="http://schemas.openxmlformats.org/officeDocument/2006/relationships" xmlns:p="http://schemas.openxmlformats.org/presentationml/2006/main">
+  <p:cSld>
+    <p:spTree>
+      <p:nvGrpSpPr>
+        <p:cNvPr id="1" name=""/>
+        <p:cNvGrpSpPr/>
+        <p:nvPr/>
+      </p:nvGrpSpPr>
+      <p:grpSpPr>
+        <a:xfrm>
+          <a:off x="0" y="0"/>
+          <a:ext cx="0" cy="0"/>
+          <a:chOff x="0" y="0"/>
+          <a:chExt cx="0" cy="0"/>
+        </a:xfrm>
+      </p:grpSpPr>
+      <p:sp>
+        <p:nvSpPr>
+          <p:cNvPr id="2" name="Title 1">
+            <a:extLst>
+              <a:ext uri="{FF2B5EF4-FFF2-40B4-BE49-F238E27FC236}">
+                <a16:creationId xmlns:a16="http://schemas.microsoft.com/office/drawing/2014/main" id="{99B0279A-7DB0-C779-5F5F-EAE2CDAA5F50}"/>
+              </a:ext>
+            </a:extLst>
+          </p:cNvPr>
+          <p:cNvSpPr>
+            <a:spLocks noGrp="1"/>
+          </p:cNvSpPr>
+          <p:nvPr>
+            <p:ph type="title"/>
+          </p:nvPr>
+        </p:nvSpPr>
+        <p:spPr/>
+        <p:txBody>
+          <a:bodyPr/>
+          <a:lstStyle/>
+          <a:p>
+            <a:r>
+              <a:rPr lang="en-US" dirty="0"/>
+              <a:t>Demo</a:t>
+            </a:r>
+          </a:p>
+        </p:txBody>
+      </p:sp>
+      <p:sp>
+        <p:nvSpPr>
+          <p:cNvPr id="3" name="Content Placeholder 2">
+            <a:extLst>
+              <a:ext uri="{FF2B5EF4-FFF2-40B4-BE49-F238E27FC236}">
+                <a16:creationId xmlns:a16="http://schemas.microsoft.com/office/drawing/2014/main" id="{4E597391-5173-0FD5-A1D9-DC7BD96E9DAC}"/>
+              </a:ext>
+            </a:extLst>
+          </p:cNvPr>
+          <p:cNvSpPr>
+            <a:spLocks noGrp="1"/>
+          </p:cNvSpPr>
+          <p:nvPr>
+            <p:ph idx="1"/>
+          </p:nvPr>
+        </p:nvSpPr>
+        <p:spPr/>
+        <p:txBody>
+          <a:bodyPr>
+            <a:normAutofit lnSpcReduction="10000"/>
+          </a:bodyPr>
+          <a:lstStyle/>
+          <a:p>
+            <a:pPr marL="0" indent="0">
+              <a:buNone/>
+            </a:pPr>
+            <a:r>
+              <a:rPr lang="en-US" dirty="0"/>
+              <a:t>The scenario</a:t>
+            </a:r>
+          </a:p>
+          <a:p>
+            <a:pPr marL="0" indent="0">
+              <a:buNone/>
+            </a:pPr>
+            <a:endParaRPr lang="en-US" dirty="0"/>
+          </a:p>
+          <a:p>
+            <a:pPr marL="0" indent="0">
+              <a:buNone/>
+            </a:pPr>
+            <a:r>
+              <a:rPr lang="en-US" dirty="0"/>
+              <a:t>The factory contains a large number of CNC cutting machines.  Each machine can report fine-grained data including cutter temperature and also current x, z and z position of the cutter.  We want to implement the following policies:</a:t>
+            </a:r>
+          </a:p>
+          <a:p>
+            <a:r>
+              <a:rPr lang="en-US" dirty="0"/>
+              <a:t>If the cutter temperature reaches a certain threshold, and assuming there are no movement anomalies, send a signal to reduce spindle-speed and feed rate. If the situation does not improve within 1 minute, shut off the machine and raise an alert.</a:t>
+            </a:r>
+          </a:p>
+          <a:p>
+            <a:r>
+              <a:rPr lang="en-US" dirty="0"/>
+              <a:t>Rapid changes velocity in the </a:t>
+            </a:r>
+            <a:r>
+              <a:rPr lang="en-US" dirty="0" err="1"/>
+              <a:t>xy</a:t>
+            </a:r>
+            <a:r>
+              <a:rPr lang="en-US" dirty="0"/>
+              <a:t> plane can indicate that the machine has been jarred or a bit has broken.   The velocity can be calculated from a recent history of </a:t>
+            </a:r>
+            <a:r>
+              <a:rPr lang="en-US" dirty="0" err="1"/>
+              <a:t>xy</a:t>
+            </a:r>
+            <a:r>
+              <a:rPr lang="en-US" dirty="0"/>
+              <a:t> positions.  This condition should be “turned off” when the z position of the bit indicates that it is above the material thickness for this job.  Once the z-position is below the material thickness (i.e. the tool is cutting) then this monitor should become active.</a:t>
+            </a:r>
+          </a:p>
+        </p:txBody>
+      </p:sp>
+      <p:sp>
+        <p:nvSpPr>
+          <p:cNvPr id="4" name="Text Placeholder 3">
+            <a:extLst>
+              <a:ext uri="{FF2B5EF4-FFF2-40B4-BE49-F238E27FC236}">
+                <a16:creationId xmlns:a16="http://schemas.microsoft.com/office/drawing/2014/main" id="{2C619459-A559-B7CE-2AC7-A30C4FBF0585}"/>
+              </a:ext>
+            </a:extLst>
+          </p:cNvPr>
+          <p:cNvSpPr>
+            <a:spLocks noGrp="1"/>
+          </p:cNvSpPr>
+          <p:nvPr>
+            <p:ph type="body" sz="half" idx="2"/>
+          </p:nvPr>
+        </p:nvSpPr>
+        <p:spPr/>
+        <p:txBody>
+          <a:bodyPr/>
+          <a:lstStyle/>
+          <a:p>
+            <a:endParaRPr lang="en-US"/>
+          </a:p>
+        </p:txBody>
+      </p:sp>
+    </p:spTree>
+    <p:extLst>
+      <p:ext uri="{BB962C8B-B14F-4D97-AF65-F5344CB8AC3E}">
+        <p14:creationId xmlns:p14="http://schemas.microsoft.com/office/powerpoint/2010/main" val="1784692249"/>
+      </p:ext>
+    </p:extLst>
+  </p:cSld>
+  <p:clrMapOvr>
+    <a:masterClrMapping/>
+  </p:clrMapOvr>
+</p:sld>
+</file>
+
+<file path=ppt/slides/slide17.xml><?xml version="1.0" encoding="utf-8"?>
+<p:sld xmlns:a="http://schemas.openxmlformats.org/drawingml/2006/main" xmlns:r="http://schemas.openxmlformats.org/officeDocument/2006/relationships" xmlns:p="http://schemas.openxmlformats.org/presentationml/2006/main">
+  <p:cSld>
+    <p:spTree>
+      <p:nvGrpSpPr>
+        <p:cNvPr id="1" name=""/>
+        <p:cNvGrpSpPr/>
+        <p:nvPr/>
+      </p:nvGrpSpPr>
+      <p:grpSpPr>
+        <a:xfrm>
+          <a:off x="0" y="0"/>
+          <a:ext cx="0" cy="0"/>
+          <a:chOff x="0" y="0"/>
+          <a:chExt cx="0" cy="0"/>
+        </a:xfrm>
+      </p:grpSpPr>
+      <p:sp>
+        <p:nvSpPr>
+          <p:cNvPr id="2" name="Title 1">
+            <a:extLst>
+              <a:ext uri="{FF2B5EF4-FFF2-40B4-BE49-F238E27FC236}">
                 <a16:creationId xmlns:a16="http://schemas.microsoft.com/office/drawing/2014/main" id="{1F96C5C3-8212-23DE-DD33-596502FF6C55}"/>
               </a:ext>
             </a:extLst>
@@ -7258,7 +5318,7 @@
 </p:sld>
 </file>
 
-<file path=ppt/slides/slide14.xml><?xml version="1.0" encoding="utf-8"?>
+<file path=ppt/slides/slide18.xml><?xml version="1.0" encoding="utf-8"?>
 <p:sld xmlns:a="http://schemas.openxmlformats.org/drawingml/2006/main" xmlns:r="http://schemas.openxmlformats.org/officeDocument/2006/relationships" xmlns:p="http://schemas.openxmlformats.org/presentationml/2006/main">
   <p:cSld>
     <p:bg>
@@ -7665,7 +5725,7 @@
           <a:p>
             <a:r>
               <a:rPr lang="en-US" dirty="0"/>
-              <a:t>The Scenario</a:t>
+              <a:t>Problem Statement</a:t>
             </a:r>
           </a:p>
         </p:txBody>
@@ -7776,7 +5836,7 @@
           <p:cNvPr id="2" name="Title 1">
             <a:extLst>
               <a:ext uri="{FF2B5EF4-FFF2-40B4-BE49-F238E27FC236}">
-                <a16:creationId xmlns:a16="http://schemas.microsoft.com/office/drawing/2014/main" id="{B6ADC08A-F378-B724-53F2-EDFD3BD5A831}"/>
+                <a16:creationId xmlns:a16="http://schemas.microsoft.com/office/drawing/2014/main" id="{B599E968-2860-53F7-1587-66CD33D02D7E}"/>
               </a:ext>
             </a:extLst>
           </p:cNvPr>
@@ -7794,43 +5854,107 @@
           <a:p>
             <a:r>
               <a:rPr lang="en-US" dirty="0"/>
-              <a:t>Main Functions</a:t>
-            </a:r>
-          </a:p>
-        </p:txBody>
-      </p:sp>
-      <p:graphicFrame>
-        <p:nvGraphicFramePr>
-          <p:cNvPr id="6" name="Content Placeholder 2">
+              <a:t>Problem Statement</a:t>
+            </a:r>
+          </a:p>
+        </p:txBody>
+      </p:sp>
+      <p:sp>
+        <p:nvSpPr>
+          <p:cNvPr id="3" name="Content Placeholder 2">
             <a:extLst>
               <a:ext uri="{FF2B5EF4-FFF2-40B4-BE49-F238E27FC236}">
-                <a16:creationId xmlns:a16="http://schemas.microsoft.com/office/drawing/2014/main" id="{2EF24243-3CD4-F20D-C796-6921EE56A053}"/>
+                <a16:creationId xmlns:a16="http://schemas.microsoft.com/office/drawing/2014/main" id="{B738B374-8445-A87C-C1FB-3BEA237C5433}"/>
               </a:ext>
             </a:extLst>
           </p:cNvPr>
-          <p:cNvGraphicFramePr>
-            <a:graphicFrameLocks noGrp="1"/>
-          </p:cNvGraphicFramePr>
+          <p:cNvSpPr>
+            <a:spLocks noGrp="1"/>
+          </p:cNvSpPr>
           <p:nvPr>
             <p:ph idx="1"/>
           </p:nvPr>
-        </p:nvGraphicFramePr>
-        <p:xfrm>
-          <a:off x="3867912" y="868680"/>
-          <a:ext cx="7315200" cy="5120640"/>
-        </p:xfrm>
-        <a:graphic>
-          <a:graphicData uri="http://schemas.openxmlformats.org/drawingml/2006/diagram">
-            <dgm:relIds xmlns:dgm="http://schemas.openxmlformats.org/drawingml/2006/diagram" xmlns:r="http://schemas.openxmlformats.org/officeDocument/2006/relationships" r:dm="rId3" r:lo="rId4" r:qs="rId5" r:cs="rId6"/>
-          </a:graphicData>
-        </a:graphic>
-      </p:graphicFrame>
+        </p:nvSpPr>
+        <p:spPr/>
+        <p:txBody>
+          <a:bodyPr/>
+          <a:lstStyle/>
+          <a:p>
+            <a:r>
+              <a:rPr lang="en-US" i="1" dirty="0"/>
+              <a:t>Flexibility</a:t>
+            </a:r>
+            <a:r>
+              <a:rPr lang="en-US" dirty="0"/>
+              <a:t>.  It should be possible to implement any policy that can be coded.</a:t>
+            </a:r>
+          </a:p>
+          <a:p>
+            <a:r>
+              <a:rPr lang="en-US" i="1" dirty="0"/>
+              <a:t>Low Latency</a:t>
+            </a:r>
+            <a:r>
+              <a:rPr lang="en-US" dirty="0"/>
+              <a:t>.  Not more than 1 second between stimulus and response.</a:t>
+            </a:r>
+          </a:p>
+          <a:p>
+            <a:r>
+              <a:rPr lang="en-US" i="1" dirty="0"/>
+              <a:t>Scalability</a:t>
+            </a:r>
+            <a:r>
+              <a:rPr lang="en-US" dirty="0"/>
+              <a:t>.  As sensors are added or upgraded, event volume will increase.  The solution should scale out gracefully.</a:t>
+            </a:r>
+          </a:p>
+          <a:p>
+            <a:r>
+              <a:rPr lang="en-US" i="1" dirty="0"/>
+              <a:t>Fault Tolerance</a:t>
+            </a:r>
+            <a:r>
+              <a:rPr lang="en-US" dirty="0"/>
+              <a:t>.  Failure of one host must not result in missed signals.</a:t>
+            </a:r>
+          </a:p>
+          <a:p>
+            <a:r>
+              <a:rPr lang="en-US" dirty="0"/>
+              <a:t>Operates in </a:t>
+            </a:r>
+            <a:r>
+              <a:rPr lang="en-US" i="1" dirty="0"/>
+              <a:t>remote locations </a:t>
+            </a:r>
+            <a:r>
+              <a:rPr lang="en-US" dirty="0"/>
+              <a:t>outside of the cloud or corporate data center </a:t>
+            </a:r>
+          </a:p>
+          <a:p>
+            <a:pPr lvl="1"/>
+            <a:r>
+              <a:rPr lang="en-US" dirty="0"/>
+              <a:t>outside connectivity may be limited or intermittent</a:t>
+            </a:r>
+          </a:p>
+          <a:p>
+            <a:pPr lvl="1"/>
+            <a:r>
+              <a:rPr lang="en-US" dirty="0"/>
+              <a:t>machines may have limited footprint</a:t>
+            </a:r>
+          </a:p>
+        </p:txBody>
+      </p:sp>
       <p:sp>
         <p:nvSpPr>
           <p:cNvPr id="4" name="Text Placeholder 3">
             <a:extLst>
               <a:ext uri="{FF2B5EF4-FFF2-40B4-BE49-F238E27FC236}">
-                <a16:creationId xmlns:a16="http://schemas.microsoft.com/office/drawing/2014/main" id="{37964D1C-8424-1F51-55C7-AB4C57456050}"/>
+                <a16:creationId xmlns:a16="http://schemas.microsoft.com/office/drawing/2014/main" id="{0BE8532F-077C-2057-0EB1-4B14776F9D8A}"/>
               </a:ext>
             </a:extLst>
           </p:cNvPr>
@@ -7848,7 +5972,7 @@
           <a:p>
             <a:r>
               <a:rPr lang="en-US" dirty="0"/>
-              <a:t>What</a:t>
+              <a:t>Key Requirements</a:t>
             </a:r>
           </a:p>
         </p:txBody>
@@ -7856,7 +5980,7 @@
     </p:spTree>
     <p:extLst>
       <p:ext uri="{BB962C8B-B14F-4D97-AF65-F5344CB8AC3E}">
-        <p14:creationId xmlns:p14="http://schemas.microsoft.com/office/powerpoint/2010/main" val="3211652277"/>
+        <p14:creationId xmlns:p14="http://schemas.microsoft.com/office/powerpoint/2010/main" val="2380583886"/>
       </p:ext>
     </p:extLst>
   </p:cSld>
@@ -7885,10 +6009,10 @@
       </p:grpSpPr>
       <p:sp>
         <p:nvSpPr>
-          <p:cNvPr id="2" name="Title 1">
+          <p:cNvPr id="5" name="Title 4">
             <a:extLst>
               <a:ext uri="{FF2B5EF4-FFF2-40B4-BE49-F238E27FC236}">
-                <a16:creationId xmlns:a16="http://schemas.microsoft.com/office/drawing/2014/main" id="{B599E968-2860-53F7-1587-66CD33D02D7E}"/>
+                <a16:creationId xmlns:a16="http://schemas.microsoft.com/office/drawing/2014/main" id="{4C01B14E-5B85-81CD-6205-A952158DA53F}"/>
               </a:ext>
             </a:extLst>
           </p:cNvPr>
@@ -7906,17 +6030,17 @@
           <a:p>
             <a:r>
               <a:rPr lang="en-US" dirty="0"/>
-              <a:t>Key Requirements</a:t>
-            </a:r>
-          </a:p>
-        </p:txBody>
-      </p:sp>
-      <p:sp>
-        <p:nvSpPr>
-          <p:cNvPr id="3" name="Content Placeholder 2">
+              <a:t>Company and Platform Overview</a:t>
+            </a:r>
+          </a:p>
+        </p:txBody>
+      </p:sp>
+      <p:sp>
+        <p:nvSpPr>
+          <p:cNvPr id="6" name="Text Placeholder 5">
             <a:extLst>
               <a:ext uri="{FF2B5EF4-FFF2-40B4-BE49-F238E27FC236}">
-                <a16:creationId xmlns:a16="http://schemas.microsoft.com/office/drawing/2014/main" id="{B738B374-8445-A87C-C1FB-3BEA237C5433}"/>
+                <a16:creationId xmlns:a16="http://schemas.microsoft.com/office/drawing/2014/main" id="{4E797883-DBA0-C576-56C1-14F89A338838}"/>
               </a:ext>
             </a:extLst>
           </p:cNvPr>
@@ -7924,115 +6048,22 @@
             <a:spLocks noGrp="1"/>
           </p:cNvSpPr>
           <p:nvPr>
-            <p:ph idx="1"/>
-          </p:nvPr>
-        </p:nvSpPr>
-        <p:spPr/>
-        <p:txBody>
-          <a:bodyPr/>
-          <a:lstStyle/>
-          <a:p>
-            <a:r>
-              <a:rPr lang="en-US" i="1" dirty="0"/>
-              <a:t>Flexibility</a:t>
-            </a:r>
-            <a:r>
-              <a:rPr lang="en-US" dirty="0"/>
-              <a:t>.  It should be possible to implement any policy that can be coded.</a:t>
-            </a:r>
-          </a:p>
-          <a:p>
-            <a:r>
-              <a:rPr lang="en-US" i="1" dirty="0"/>
-              <a:t>Low Latency</a:t>
-            </a:r>
-            <a:r>
-              <a:rPr lang="en-US" dirty="0"/>
-              <a:t>.  Not more than 1 second between stimulus and response.</a:t>
-            </a:r>
-          </a:p>
-          <a:p>
-            <a:r>
-              <a:rPr lang="en-US" i="1" dirty="0"/>
-              <a:t>Scalability</a:t>
-            </a:r>
-            <a:r>
-              <a:rPr lang="en-US" dirty="0"/>
-              <a:t>.  As sensors are added or upgraded, event volume will increase.  The solution should scale out gracefully.</a:t>
-            </a:r>
-          </a:p>
-          <a:p>
-            <a:r>
-              <a:rPr lang="en-US" i="1" dirty="0"/>
-              <a:t>Fault Tolerance</a:t>
-            </a:r>
-            <a:r>
-              <a:rPr lang="en-US" dirty="0"/>
-              <a:t>.  Failure of one host must not result in missed signals.</a:t>
-            </a:r>
-          </a:p>
-          <a:p>
-            <a:r>
-              <a:rPr lang="en-US" dirty="0"/>
-              <a:t>Operates in </a:t>
-            </a:r>
-            <a:r>
-              <a:rPr lang="en-US" i="1" dirty="0"/>
-              <a:t>remote locations </a:t>
-            </a:r>
-            <a:r>
-              <a:rPr lang="en-US" dirty="0"/>
-              <a:t>outside of the cloud or corporate data center </a:t>
-            </a:r>
-          </a:p>
-          <a:p>
-            <a:pPr lvl="1"/>
-            <a:r>
-              <a:rPr lang="en-US" dirty="0"/>
-              <a:t>outside connectivity may be limited or intermittent</a:t>
-            </a:r>
-          </a:p>
-          <a:p>
-            <a:pPr lvl="1"/>
-            <a:r>
-              <a:rPr lang="en-US" dirty="0"/>
-              <a:t>machines may have limited footprint</a:t>
-            </a:r>
-          </a:p>
-        </p:txBody>
-      </p:sp>
-      <p:sp>
-        <p:nvSpPr>
-          <p:cNvPr id="4" name="Text Placeholder 3">
-            <a:extLst>
-              <a:ext uri="{FF2B5EF4-FFF2-40B4-BE49-F238E27FC236}">
-                <a16:creationId xmlns:a16="http://schemas.microsoft.com/office/drawing/2014/main" id="{0BE8532F-077C-2057-0EB1-4B14776F9D8A}"/>
-              </a:ext>
-            </a:extLst>
-          </p:cNvPr>
-          <p:cNvSpPr>
-            <a:spLocks noGrp="1"/>
-          </p:cNvSpPr>
-          <p:nvPr>
-            <p:ph type="body" sz="half" idx="2"/>
-          </p:nvPr>
-        </p:nvSpPr>
-        <p:spPr/>
-        <p:txBody>
-          <a:bodyPr/>
-          <a:lstStyle/>
-          <a:p>
-            <a:r>
-              <a:rPr lang="en-US" dirty="0"/>
-              <a:t>How</a:t>
-            </a:r>
+            <p:ph type="body" idx="1"/>
+          </p:nvPr>
+        </p:nvSpPr>
+        <p:spPr/>
+        <p:txBody>
+          <a:bodyPr/>
+          <a:lstStyle/>
+          <a:p>
+            <a:endParaRPr lang="en-US"/>
           </a:p>
         </p:txBody>
       </p:sp>
     </p:spTree>
     <p:extLst>
       <p:ext uri="{BB962C8B-B14F-4D97-AF65-F5344CB8AC3E}">
-        <p14:creationId xmlns:p14="http://schemas.microsoft.com/office/powerpoint/2010/main" val="2380583886"/>
+        <p14:creationId xmlns:p14="http://schemas.microsoft.com/office/powerpoint/2010/main" val="1728809519"/>
       </p:ext>
     </p:extLst>
   </p:cSld>
@@ -8081,62 +6112,41 @@
           <a:lstStyle/>
           <a:p>
             <a:r>
-              <a:rPr lang="en-US" dirty="0" err="1"/>
-              <a:t>Hazelcast</a:t>
-            </a:r>
-            <a:r>
-              <a:rPr lang="en-US" dirty="0"/>
-              <a:t> </a:t>
-            </a:r>
-          </a:p>
-        </p:txBody>
-      </p:sp>
-      <p:sp>
-        <p:nvSpPr>
-          <p:cNvPr id="3" name="Content Placeholder 2">
+              <a:rPr lang="en-US" dirty="0"/>
+              <a:t>Company and Platform Overview </a:t>
+            </a:r>
+          </a:p>
+        </p:txBody>
+      </p:sp>
+      <p:pic>
+        <p:nvPicPr>
+          <p:cNvPr id="6" name="Content Placeholder 5">
             <a:extLst>
               <a:ext uri="{FF2B5EF4-FFF2-40B4-BE49-F238E27FC236}">
-                <a16:creationId xmlns:a16="http://schemas.microsoft.com/office/drawing/2014/main" id="{BEC1E742-7275-AB38-EBCA-294AC4E55669}"/>
+                <a16:creationId xmlns:a16="http://schemas.microsoft.com/office/drawing/2014/main" id="{4F15CF3F-92EB-E4F6-68CF-93F945486A37}"/>
               </a:ext>
             </a:extLst>
           </p:cNvPr>
-          <p:cNvSpPr>
-            <a:spLocks noGrp="1"/>
-          </p:cNvSpPr>
+          <p:cNvPicPr>
+            <a:picLocks noGrp="1" noChangeAspect="1"/>
+          </p:cNvPicPr>
           <p:nvPr>
             <p:ph idx="1"/>
           </p:nvPr>
-        </p:nvSpPr>
-        <p:spPr/>
-        <p:txBody>
-          <a:bodyPr/>
-          <a:lstStyle/>
-          <a:p>
-            <a:r>
-              <a:rPr lang="en-US" dirty="0"/>
-              <a:t>When was it founded ?</a:t>
-            </a:r>
-          </a:p>
-          <a:p>
-            <a:r>
-              <a:rPr lang="en-US" dirty="0"/>
-              <a:t>How big is it ?</a:t>
-            </a:r>
-          </a:p>
-          <a:p>
-            <a:r>
-              <a:rPr lang="en-US" dirty="0"/>
-              <a:t>Who are the customers ?  What are they doing with it ?</a:t>
-            </a:r>
-          </a:p>
-          <a:p>
-            <a:r>
-              <a:rPr lang="en-US" dirty="0"/>
-              <a:t>What do analysts say about it ?</a:t>
-            </a:r>
-          </a:p>
-        </p:txBody>
-      </p:sp>
+        </p:nvPicPr>
+        <p:blipFill>
+          <a:blip r:embed="rId2"/>
+          <a:stretch>
+            <a:fillRect/>
+          </a:stretch>
+        </p:blipFill>
+        <p:spPr>
+          <a:xfrm>
+            <a:off x="3666484" y="795613"/>
+            <a:ext cx="7982620" cy="4364181"/>
+          </a:xfrm>
+        </p:spPr>
+      </p:pic>
       <p:sp>
         <p:nvSpPr>
           <p:cNvPr id="4" name="Text Placeholder 3">
@@ -8162,10 +6172,138 @@
           </a:p>
         </p:txBody>
       </p:sp>
+      <p:sp>
+        <p:nvSpPr>
+          <p:cNvPr id="7" name="TextBox 6">
+            <a:extLst>
+              <a:ext uri="{FF2B5EF4-FFF2-40B4-BE49-F238E27FC236}">
+                <a16:creationId xmlns:a16="http://schemas.microsoft.com/office/drawing/2014/main" id="{02AB298F-CFD7-9701-6E6E-CA52E62367AE}"/>
+              </a:ext>
+            </a:extLst>
+          </p:cNvPr>
+          <p:cNvSpPr txBox="1"/>
+          <p:nvPr/>
+        </p:nvSpPr>
+        <p:spPr>
+          <a:xfrm>
+            <a:off x="7450283" y="3147066"/>
+            <a:ext cx="4198821" cy="3016210"/>
+          </a:xfrm>
+          <a:prstGeom prst="rect">
+            <a:avLst/>
+          </a:prstGeom>
+        </p:spPr>
+        <p:style>
+          <a:lnRef idx="2">
+            <a:schemeClr val="dk1"/>
+          </a:lnRef>
+          <a:fillRef idx="1">
+            <a:schemeClr val="lt1"/>
+          </a:fillRef>
+          <a:effectRef idx="0">
+            <a:schemeClr val="dk1"/>
+          </a:effectRef>
+          <a:fontRef idx="minor">
+            <a:schemeClr val="dk1"/>
+          </a:fontRef>
+        </p:style>
+        <p:txBody>
+          <a:bodyPr wrap="square" rtlCol="0">
+            <a:spAutoFit/>
+          </a:bodyPr>
+          <a:lstStyle/>
+          <a:p>
+            <a:r>
+              <a:rPr lang="en-US" dirty="0"/>
+              <a:t>About </a:t>
+            </a:r>
+            <a:r>
+              <a:rPr lang="en-US" dirty="0" err="1"/>
+              <a:t>Hazelcast</a:t>
+            </a:r>
+            <a:endParaRPr lang="en-US" dirty="0"/>
+          </a:p>
+          <a:p>
+            <a:endParaRPr lang="en-US" dirty="0"/>
+          </a:p>
+          <a:p>
+            <a:r>
+              <a:rPr lang="en-US" sz="1400" dirty="0" err="1"/>
+              <a:t>Hazelcast</a:t>
+            </a:r>
+            <a:r>
+              <a:rPr lang="en-US" sz="1400" dirty="0"/>
+              <a:t> is the leading in-memory computing platform that allows organizations to leverage a highly resilient and elastic memory resource for data at rest and in motion. Our technology is behind many of today’s leading financial, e-commerce/retail, telecommunications, healthcare and government organizations. Whether it is real-time inventory and shipping information, lighting quick fraud detection or gleaning insights that lead to product innovation, </a:t>
+            </a:r>
+            <a:r>
+              <a:rPr lang="en-US" sz="1400" dirty="0" err="1"/>
+              <a:t>Hazelcast</a:t>
+            </a:r>
+            <a:r>
+              <a:rPr lang="en-US" sz="1400" dirty="0"/>
+              <a:t> enables companies to achieve success in microseconds.</a:t>
+            </a:r>
+          </a:p>
+        </p:txBody>
+      </p:sp>
+      <p:sp>
+        <p:nvSpPr>
+          <p:cNvPr id="9" name="TextBox 8">
+            <a:extLst>
+              <a:ext uri="{FF2B5EF4-FFF2-40B4-BE49-F238E27FC236}">
+                <a16:creationId xmlns:a16="http://schemas.microsoft.com/office/drawing/2014/main" id="{D4577ABF-7BDA-DB9B-AAC6-7E284B6918A0}"/>
+              </a:ext>
+            </a:extLst>
+          </p:cNvPr>
+          <p:cNvSpPr txBox="1"/>
+          <p:nvPr/>
+        </p:nvSpPr>
+        <p:spPr>
+          <a:xfrm>
+            <a:off x="3759654" y="6323762"/>
+            <a:ext cx="3597460" cy="338554"/>
+          </a:xfrm>
+          <a:prstGeom prst="rect">
+            <a:avLst/>
+          </a:prstGeom>
+          <a:noFill/>
+        </p:spPr>
+        <p:txBody>
+          <a:bodyPr wrap="none" rtlCol="0">
+            <a:spAutoFit/>
+          </a:bodyPr>
+          <a:lstStyle/>
+          <a:p>
+            <a:r>
+              <a:rPr lang="en-US" sz="1600" dirty="0"/>
+              <a:t>Source: </a:t>
+            </a:r>
+            <a:r>
+              <a:rPr lang="en-US" sz="1600" dirty="0">
+                <a:hlinkClick r:id="rId3"/>
+              </a:rPr>
+              <a:t>https://</a:t>
+            </a:r>
+            <a:r>
+              <a:rPr lang="en-US" sz="1600" dirty="0" err="1">
+                <a:hlinkClick r:id="rId3"/>
+              </a:rPr>
+              <a:t>hazelcast.com</a:t>
+            </a:r>
+            <a:r>
+              <a:rPr lang="en-US" sz="1600" dirty="0">
+                <a:hlinkClick r:id="rId3"/>
+              </a:rPr>
+              <a:t>/company/</a:t>
+            </a:r>
+            <a:endParaRPr lang="en-US" sz="1600" dirty="0"/>
+          </a:p>
+        </p:txBody>
+      </p:sp>
     </p:spTree>
     <p:extLst>
       <p:ext uri="{BB962C8B-B14F-4D97-AF65-F5344CB8AC3E}">
-        <p14:creationId xmlns:p14="http://schemas.microsoft.com/office/powerpoint/2010/main" val="2960476173"/>
+        <p14:creationId xmlns:p14="http://schemas.microsoft.com/office/powerpoint/2010/main" val="2437570705"/>
       </p:ext>
     </p:extLst>
   </p:cSld>
@@ -8214,45 +6352,64 @@
           <a:lstStyle/>
           <a:p>
             <a:r>
-              <a:rPr lang="en-US" dirty="0" err="1"/>
-              <a:t>Hazelcast</a:t>
-            </a:r>
-            <a:r>
-              <a:rPr lang="en-US" dirty="0"/>
-              <a:t> </a:t>
-            </a:r>
-          </a:p>
-        </p:txBody>
-      </p:sp>
-      <p:pic>
-        <p:nvPicPr>
-          <p:cNvPr id="6" name="Content Placeholder 5">
+              <a:rPr lang="en-US" dirty="0"/>
+              <a:t>Company and Platform Overview </a:t>
+            </a:r>
+          </a:p>
+        </p:txBody>
+      </p:sp>
+      <p:sp>
+        <p:nvSpPr>
+          <p:cNvPr id="3" name="Content Placeholder 2">
             <a:extLst>
               <a:ext uri="{FF2B5EF4-FFF2-40B4-BE49-F238E27FC236}">
-                <a16:creationId xmlns:a16="http://schemas.microsoft.com/office/drawing/2014/main" id="{4F15CF3F-92EB-E4F6-68CF-93F945486A37}"/>
+                <a16:creationId xmlns:a16="http://schemas.microsoft.com/office/drawing/2014/main" id="{BEC1E742-7275-AB38-EBCA-294AC4E55669}"/>
               </a:ext>
             </a:extLst>
           </p:cNvPr>
-          <p:cNvPicPr>
-            <a:picLocks noGrp="1" noChangeAspect="1"/>
-          </p:cNvPicPr>
+          <p:cNvSpPr>
+            <a:spLocks noGrp="1"/>
+          </p:cNvSpPr>
           <p:nvPr>
             <p:ph idx="1"/>
           </p:nvPr>
-        </p:nvPicPr>
-        <p:blipFill>
-          <a:blip r:embed="rId2"/>
-          <a:stretch>
-            <a:fillRect/>
-          </a:stretch>
-        </p:blipFill>
-        <p:spPr>
-          <a:xfrm>
-            <a:off x="3666484" y="795613"/>
-            <a:ext cx="7982620" cy="4364181"/>
-          </a:xfrm>
-        </p:spPr>
-      </p:pic>
+        </p:nvSpPr>
+        <p:spPr/>
+        <p:txBody>
+          <a:bodyPr/>
+          <a:lstStyle/>
+          <a:p>
+            <a:r>
+              <a:rPr lang="en-US" dirty="0">
+                <a:hlinkClick r:id="rId2"/>
+              </a:rPr>
+              <a:t>https://hazelcast.com/customers/</a:t>
+            </a:r>
+            <a:endParaRPr lang="en-US" dirty="0"/>
+          </a:p>
+          <a:p>
+            <a:r>
+              <a:rPr lang="en-US" dirty="0">
+                <a:hlinkClick r:id="rId3"/>
+              </a:rPr>
+              <a:t>https://</a:t>
+            </a:r>
+            <a:r>
+              <a:rPr lang="en-US" dirty="0" err="1">
+                <a:hlinkClick r:id="rId3"/>
+              </a:rPr>
+              <a:t>hazelcast.com</a:t>
+            </a:r>
+            <a:r>
+              <a:rPr lang="en-US" dirty="0">
+                <a:hlinkClick r:id="rId3"/>
+              </a:rPr>
+              <a:t>/products/stream-processing/</a:t>
+            </a:r>
+            <a:endParaRPr lang="en-US" dirty="0"/>
+          </a:p>
+        </p:txBody>
+      </p:sp>
       <p:sp>
         <p:nvSpPr>
           <p:cNvPr id="4" name="Text Placeholder 3">
@@ -8276,143 +6433,15 @@
           <a:p>
             <a:r>
               <a:rPr lang="en-US" dirty="0"/>
-              <a:t>About the Platform</a:t>
-            </a:r>
-          </a:p>
-        </p:txBody>
-      </p:sp>
-      <p:sp>
-        <p:nvSpPr>
-          <p:cNvPr id="7" name="TextBox 6">
-            <a:extLst>
-              <a:ext uri="{FF2B5EF4-FFF2-40B4-BE49-F238E27FC236}">
-                <a16:creationId xmlns:a16="http://schemas.microsoft.com/office/drawing/2014/main" id="{02AB298F-CFD7-9701-6E6E-CA52E62367AE}"/>
-              </a:ext>
-            </a:extLst>
-          </p:cNvPr>
-          <p:cNvSpPr txBox="1"/>
-          <p:nvPr/>
-        </p:nvSpPr>
-        <p:spPr>
-          <a:xfrm>
-            <a:off x="7450283" y="3147066"/>
-            <a:ext cx="4198821" cy="3016210"/>
-          </a:xfrm>
-          <a:prstGeom prst="rect">
-            <a:avLst/>
-          </a:prstGeom>
-        </p:spPr>
-        <p:style>
-          <a:lnRef idx="2">
-            <a:schemeClr val="dk1"/>
-          </a:lnRef>
-          <a:fillRef idx="1">
-            <a:schemeClr val="lt1"/>
-          </a:fillRef>
-          <a:effectRef idx="0">
-            <a:schemeClr val="dk1"/>
-          </a:effectRef>
-          <a:fontRef idx="minor">
-            <a:schemeClr val="dk1"/>
-          </a:fontRef>
-        </p:style>
-        <p:txBody>
-          <a:bodyPr wrap="square" rtlCol="0">
-            <a:spAutoFit/>
-          </a:bodyPr>
-          <a:lstStyle/>
-          <a:p>
-            <a:r>
-              <a:rPr lang="en-US" dirty="0"/>
-              <a:t>About </a:t>
-            </a:r>
-            <a:r>
-              <a:rPr lang="en-US" dirty="0" err="1"/>
-              <a:t>Hazelcast</a:t>
-            </a:r>
-            <a:endParaRPr lang="en-US" dirty="0"/>
-          </a:p>
-          <a:p>
-            <a:endParaRPr lang="en-US" dirty="0"/>
-          </a:p>
-          <a:p>
-            <a:r>
-              <a:rPr lang="en-US" sz="1400" dirty="0" err="1"/>
-              <a:t>Hazelcast</a:t>
-            </a:r>
-            <a:r>
-              <a:rPr lang="en-US" sz="1400" dirty="0"/>
-              <a:t> is the leading in-memory computing platform that allows organizations to leverage a highly resilient and elastic memory resource for data at rest and in motion. Our technology is behind many of today’s leading financial, e-commerce/retail, telecommunications, healthcare and government organizations. Whether it is real-time inventory and shipping information, lighting quick fraud detection or gleaning insights that lead to product innovation, </a:t>
-            </a:r>
-            <a:r>
-              <a:rPr lang="en-US" sz="1400" dirty="0" err="1"/>
-              <a:t>Hazelcast</a:t>
-            </a:r>
-            <a:r>
-              <a:rPr lang="en-US" sz="1400" dirty="0"/>
-              <a:t> enables companies to achieve success in microseconds.</a:t>
-            </a:r>
-          </a:p>
-        </p:txBody>
-      </p:sp>
-      <p:sp>
-        <p:nvSpPr>
-          <p:cNvPr id="9" name="TextBox 8">
-            <a:extLst>
-              <a:ext uri="{FF2B5EF4-FFF2-40B4-BE49-F238E27FC236}">
-                <a16:creationId xmlns:a16="http://schemas.microsoft.com/office/drawing/2014/main" id="{D4577ABF-7BDA-DB9B-AAC6-7E284B6918A0}"/>
-              </a:ext>
-            </a:extLst>
-          </p:cNvPr>
-          <p:cNvSpPr txBox="1"/>
-          <p:nvPr/>
-        </p:nvSpPr>
-        <p:spPr>
-          <a:xfrm>
-            <a:off x="3759654" y="6323762"/>
-            <a:ext cx="3597460" cy="338554"/>
-          </a:xfrm>
-          <a:prstGeom prst="rect">
-            <a:avLst/>
-          </a:prstGeom>
-          <a:noFill/>
-        </p:spPr>
-        <p:txBody>
-          <a:bodyPr wrap="none" rtlCol="0">
-            <a:spAutoFit/>
-          </a:bodyPr>
-          <a:lstStyle/>
-          <a:p>
-            <a:r>
-              <a:rPr lang="en-US" sz="1600" dirty="0"/>
-              <a:t>Source: </a:t>
-            </a:r>
-            <a:r>
-              <a:rPr lang="en-US" sz="1600" dirty="0">
-                <a:hlinkClick r:id="rId3"/>
-              </a:rPr>
-              <a:t>https://</a:t>
-            </a:r>
-            <a:r>
-              <a:rPr lang="en-US" sz="1600" dirty="0" err="1">
-                <a:hlinkClick r:id="rId3"/>
-              </a:rPr>
-              <a:t>hazelcast.com</a:t>
-            </a:r>
-            <a:r>
-              <a:rPr lang="en-US" sz="1600" dirty="0">
-                <a:hlinkClick r:id="rId3"/>
-              </a:rPr>
-              <a:t>/company/</a:t>
-            </a:r>
-            <a:endParaRPr lang="en-US" sz="1600" dirty="0"/>
+              <a:t>Customers</a:t>
+            </a:r>
           </a:p>
         </p:txBody>
       </p:sp>
     </p:spTree>
     <p:extLst>
       <p:ext uri="{BB962C8B-B14F-4D97-AF65-F5344CB8AC3E}">
-        <p14:creationId xmlns:p14="http://schemas.microsoft.com/office/powerpoint/2010/main" val="2437570705"/>
+        <p14:creationId xmlns:p14="http://schemas.microsoft.com/office/powerpoint/2010/main" val="376616887"/>
       </p:ext>
     </p:extLst>
   </p:cSld>
@@ -8461,77 +6490,41 @@
           <a:lstStyle/>
           <a:p>
             <a:r>
-              <a:rPr lang="en-US" dirty="0" err="1"/>
-              <a:t>Hazelcast</a:t>
-            </a:r>
-            <a:r>
-              <a:rPr lang="en-US" dirty="0"/>
-              <a:t> Jet</a:t>
-            </a:r>
-          </a:p>
-        </p:txBody>
-      </p:sp>
-      <p:sp>
-        <p:nvSpPr>
-          <p:cNvPr id="3" name="Content Placeholder 2">
+              <a:rPr lang="en-US" dirty="0"/>
+              <a:t>Company and Platform Overview </a:t>
+            </a:r>
+          </a:p>
+        </p:txBody>
+      </p:sp>
+      <p:pic>
+        <p:nvPicPr>
+          <p:cNvPr id="6" name="Content Placeholder 5">
             <a:extLst>
               <a:ext uri="{FF2B5EF4-FFF2-40B4-BE49-F238E27FC236}">
-                <a16:creationId xmlns:a16="http://schemas.microsoft.com/office/drawing/2014/main" id="{BEC1E742-7275-AB38-EBCA-294AC4E55669}"/>
+                <a16:creationId xmlns:a16="http://schemas.microsoft.com/office/drawing/2014/main" id="{9E76361D-68E8-33F0-B75D-864300DEE699}"/>
               </a:ext>
             </a:extLst>
           </p:cNvPr>
-          <p:cNvSpPr>
-            <a:spLocks noGrp="1"/>
-          </p:cNvSpPr>
+          <p:cNvPicPr>
+            <a:picLocks noGrp="1" noChangeAspect="1"/>
+          </p:cNvPicPr>
           <p:nvPr>
             <p:ph idx="1"/>
           </p:nvPr>
-        </p:nvSpPr>
-        <p:spPr/>
-        <p:txBody>
-          <a:bodyPr/>
-          <a:lstStyle/>
-          <a:p>
-            <a:pPr marL="0" indent="0">
-              <a:buNone/>
-            </a:pPr>
-            <a:r>
-              <a:rPr lang="en-US" dirty="0"/>
-              <a:t>Let’s have a look: </a:t>
-            </a:r>
-          </a:p>
-          <a:p>
-            <a:r>
-              <a:rPr lang="en-US" dirty="0">
-                <a:hlinkClick r:id="rId2"/>
-              </a:rPr>
-              <a:t>https://hazelcast.com/customers/</a:t>
-            </a:r>
-            <a:endParaRPr lang="en-US" dirty="0"/>
-          </a:p>
-          <a:p>
-            <a:r>
-              <a:rPr lang="en-US" dirty="0">
-                <a:hlinkClick r:id="rId3"/>
-              </a:rPr>
-              <a:t>https://</a:t>
-            </a:r>
-            <a:r>
-              <a:rPr lang="en-US" dirty="0" err="1">
-                <a:hlinkClick r:id="rId3"/>
-              </a:rPr>
-              <a:t>hazelcast.com</a:t>
-            </a:r>
-            <a:r>
-              <a:rPr lang="en-US" dirty="0">
-                <a:hlinkClick r:id="rId3"/>
-              </a:rPr>
-              <a:t>/products/stream-processing/</a:t>
-            </a:r>
-            <a:endParaRPr lang="en-US" dirty="0"/>
-          </a:p>
-        </p:txBody>
-      </p:sp>
+        </p:nvPicPr>
+        <p:blipFill>
+          <a:blip r:embed="rId2"/>
+          <a:stretch>
+            <a:fillRect/>
+          </a:stretch>
+        </p:blipFill>
+        <p:spPr>
+          <a:xfrm>
+            <a:off x="3721676" y="805497"/>
+            <a:ext cx="7784059" cy="4919894"/>
+          </a:xfrm>
+        </p:spPr>
+      </p:pic>
       <p:sp>
         <p:nvSpPr>
           <p:cNvPr id="4" name="Text Placeholder 3">
@@ -8555,15 +6548,57 @@
           <a:p>
             <a:r>
               <a:rPr lang="en-US" dirty="0"/>
-              <a:t>Stream Processing Architecture Overview</a:t>
-            </a:r>
+              <a:t>Stream Processing Reference Architecture</a:t>
+            </a:r>
+          </a:p>
+        </p:txBody>
+      </p:sp>
+      <p:sp>
+        <p:nvSpPr>
+          <p:cNvPr id="8" name="TextBox 7">
+            <a:extLst>
+              <a:ext uri="{FF2B5EF4-FFF2-40B4-BE49-F238E27FC236}">
+                <a16:creationId xmlns:a16="http://schemas.microsoft.com/office/drawing/2014/main" id="{A8B9B2A1-4299-ADDA-550C-05C404BBABA4}"/>
+              </a:ext>
+            </a:extLst>
+          </p:cNvPr>
+          <p:cNvSpPr txBox="1"/>
+          <p:nvPr/>
+        </p:nvSpPr>
+        <p:spPr>
+          <a:xfrm>
+            <a:off x="4987637" y="6047106"/>
+            <a:ext cx="5218865" cy="338554"/>
+          </a:xfrm>
+          <a:prstGeom prst="rect">
+            <a:avLst/>
+          </a:prstGeom>
+          <a:noFill/>
+        </p:spPr>
+        <p:txBody>
+          <a:bodyPr wrap="none" rtlCol="0">
+            <a:spAutoFit/>
+          </a:bodyPr>
+          <a:lstStyle/>
+          <a:p>
+            <a:r>
+              <a:rPr lang="en-US" sz="1600" dirty="0"/>
+              <a:t>Source: </a:t>
+            </a:r>
+            <a:r>
+              <a:rPr lang="en-US" sz="1600" dirty="0">
+                <a:hlinkClick r:id="rId3"/>
+              </a:rPr>
+              <a:t>https://hazelcast.com/products/hazelcast-platform/</a:t>
+            </a:r>
+            <a:endParaRPr lang="en-US" sz="1600" dirty="0"/>
           </a:p>
         </p:txBody>
       </p:sp>
     </p:spTree>
     <p:extLst>
       <p:ext uri="{BB962C8B-B14F-4D97-AF65-F5344CB8AC3E}">
-        <p14:creationId xmlns:p14="http://schemas.microsoft.com/office/powerpoint/2010/main" val="376616887"/>
+        <p14:creationId xmlns:p14="http://schemas.microsoft.com/office/powerpoint/2010/main" val="4153054848"/>
       </p:ext>
     </p:extLst>
   </p:cSld>
@@ -8592,10 +6627,10 @@
       </p:grpSpPr>
       <p:sp>
         <p:nvSpPr>
-          <p:cNvPr id="2" name="Title 1">
+          <p:cNvPr id="5" name="Title 4">
             <a:extLst>
               <a:ext uri="{FF2B5EF4-FFF2-40B4-BE49-F238E27FC236}">
-                <a16:creationId xmlns:a16="http://schemas.microsoft.com/office/drawing/2014/main" id="{5DD3100E-357A-4F48-8AE1-DFE3B266CE83}"/>
+                <a16:creationId xmlns:a16="http://schemas.microsoft.com/office/drawing/2014/main" id="{4C01B14E-5B85-81CD-6205-A952158DA53F}"/>
               </a:ext>
             </a:extLst>
           </p:cNvPr>
@@ -8612,119 +6647,41 @@
           <a:lstStyle/>
           <a:p>
             <a:r>
-              <a:rPr lang="en-US" dirty="0" err="1"/>
-              <a:t>Hazelcast</a:t>
-            </a:r>
-            <a:r>
-              <a:rPr lang="en-US" dirty="0"/>
-              <a:t> Stream Processing</a:t>
-            </a:r>
-          </a:p>
-        </p:txBody>
-      </p:sp>
-      <p:pic>
-        <p:nvPicPr>
-          <p:cNvPr id="6" name="Content Placeholder 5">
+              <a:rPr lang="en-US" dirty="0"/>
+              <a:t>Technology Overview</a:t>
+            </a:r>
+          </a:p>
+        </p:txBody>
+      </p:sp>
+      <p:sp>
+        <p:nvSpPr>
+          <p:cNvPr id="6" name="Text Placeholder 5">
             <a:extLst>
               <a:ext uri="{FF2B5EF4-FFF2-40B4-BE49-F238E27FC236}">
-                <a16:creationId xmlns:a16="http://schemas.microsoft.com/office/drawing/2014/main" id="{9E76361D-68E8-33F0-B75D-864300DEE699}"/>
+                <a16:creationId xmlns:a16="http://schemas.microsoft.com/office/drawing/2014/main" id="{4E797883-DBA0-C576-56C1-14F89A338838}"/>
               </a:ext>
             </a:extLst>
           </p:cNvPr>
-          <p:cNvPicPr>
-            <a:picLocks noGrp="1" noChangeAspect="1"/>
-          </p:cNvPicPr>
-          <p:nvPr>
-            <p:ph idx="1"/>
-          </p:nvPr>
-        </p:nvPicPr>
-        <p:blipFill>
-          <a:blip r:embed="rId2"/>
-          <a:stretch>
-            <a:fillRect/>
-          </a:stretch>
-        </p:blipFill>
-        <p:spPr>
-          <a:xfrm>
-            <a:off x="3721676" y="805497"/>
-            <a:ext cx="7784059" cy="4919894"/>
-          </a:xfrm>
-        </p:spPr>
-      </p:pic>
-      <p:sp>
-        <p:nvSpPr>
-          <p:cNvPr id="4" name="Text Placeholder 3">
-            <a:extLst>
-              <a:ext uri="{FF2B5EF4-FFF2-40B4-BE49-F238E27FC236}">
-                <a16:creationId xmlns:a16="http://schemas.microsoft.com/office/drawing/2014/main" id="{6A4844B9-9768-F5B8-E176-7F747BA44A4D}"/>
-              </a:ext>
-            </a:extLst>
-          </p:cNvPr>
-          <p:cNvSpPr>
-            <a:spLocks noGrp="1"/>
-          </p:cNvSpPr>
-          <p:nvPr>
-            <p:ph type="body" sz="half" idx="2"/>
-          </p:nvPr>
-        </p:nvSpPr>
-        <p:spPr/>
-        <p:txBody>
-          <a:bodyPr/>
-          <a:lstStyle/>
-          <a:p>
-            <a:r>
-              <a:rPr lang="en-US" dirty="0"/>
-              <a:t>Reference Architecture</a:t>
-            </a:r>
-          </a:p>
-        </p:txBody>
-      </p:sp>
-      <p:sp>
-        <p:nvSpPr>
-          <p:cNvPr id="8" name="TextBox 7">
-            <a:extLst>
-              <a:ext uri="{FF2B5EF4-FFF2-40B4-BE49-F238E27FC236}">
-                <a16:creationId xmlns:a16="http://schemas.microsoft.com/office/drawing/2014/main" id="{A8B9B2A1-4299-ADDA-550C-05C404BBABA4}"/>
-              </a:ext>
-            </a:extLst>
-          </p:cNvPr>
-          <p:cNvSpPr txBox="1"/>
-          <p:nvPr/>
-        </p:nvSpPr>
-        <p:spPr>
-          <a:xfrm>
-            <a:off x="4987637" y="6047106"/>
-            <a:ext cx="5218865" cy="338554"/>
-          </a:xfrm>
-          <a:prstGeom prst="rect">
-            <a:avLst/>
-          </a:prstGeom>
-          <a:noFill/>
-        </p:spPr>
-        <p:txBody>
-          <a:bodyPr wrap="none" rtlCol="0">
-            <a:spAutoFit/>
-          </a:bodyPr>
-          <a:lstStyle/>
-          <a:p>
-            <a:r>
-              <a:rPr lang="en-US" sz="1600" dirty="0"/>
-              <a:t>Source: </a:t>
-            </a:r>
-            <a:r>
-              <a:rPr lang="en-US" sz="1600" dirty="0">
-                <a:hlinkClick r:id="rId3"/>
-              </a:rPr>
-              <a:t>https://hazelcast.com/products/hazelcast-platform/</a:t>
-            </a:r>
-            <a:endParaRPr lang="en-US" sz="1600" dirty="0"/>
+          <p:cNvSpPr>
+            <a:spLocks noGrp="1"/>
+          </p:cNvSpPr>
+          <p:nvPr>
+            <p:ph type="body" idx="1"/>
+          </p:nvPr>
+        </p:nvSpPr>
+        <p:spPr/>
+        <p:txBody>
+          <a:bodyPr/>
+          <a:lstStyle/>
+          <a:p>
+            <a:endParaRPr lang="en-US"/>
           </a:p>
         </p:txBody>
       </p:sp>
     </p:spTree>
     <p:extLst>
       <p:ext uri="{BB962C8B-B14F-4D97-AF65-F5344CB8AC3E}">
-        <p14:creationId xmlns:p14="http://schemas.microsoft.com/office/powerpoint/2010/main" val="4153054848"/>
+        <p14:creationId xmlns:p14="http://schemas.microsoft.com/office/powerpoint/2010/main" val="797801200"/>
       </p:ext>
     </p:extLst>
   </p:cSld>
